--- a/slides/Week3_Recap.pptx
+++ b/slides/Week3_Recap.pptx
@@ -188,13 +188,404 @@
 <file path=ppt/revisionInfo.xml><?xml version="1.0" encoding="utf-8"?>
 <p1510:revInfo xmlns:a="http://schemas.openxmlformats.org/drawingml/2006/main" xmlns:r="http://schemas.openxmlformats.org/officeDocument/2006/relationships" xmlns:p1510="http://schemas.microsoft.com/office/powerpoint/2015/10/main">
   <p1510:revLst>
-    <p1510:client id="{7192535B-B12F-4394-AD53-7A663D090977}" v="458" dt="2024-01-31T05:24:44.143"/>
+    <p1510:client id="{5F157F27-C097-42F3-BA4E-21E2C68F73F1}" v="2" dt="2024-02-01T09:40:59.151"/>
   </p1510:revLst>
 </p1510:revInfo>
 </file>
 
 <file path=ppt/changesInfos/changesInfo1.xml><?xml version="1.0" encoding="utf-8"?>
 <pc:chgInfo xmlns:a="http://schemas.openxmlformats.org/drawingml/2006/main" xmlns:r="http://schemas.openxmlformats.org/officeDocument/2006/relationships" xmlns:ac="http://schemas.microsoft.com/office/drawing/2013/main/command" xmlns:pc="http://schemas.microsoft.com/office/powerpoint/2013/main/command">
+  <pc:docChgLst>
+    <pc:chgData name="Zhao Jin" userId="cd05a825-544c-438a-9ba1-08e63db50b47" providerId="ADAL" clId="{5F157F27-C097-42F3-BA4E-21E2C68F73F1}"/>
+    <pc:docChg chg="undo custSel modSld modMainMaster">
+      <pc:chgData name="Zhao Jin" userId="cd05a825-544c-438a-9ba1-08e63db50b47" providerId="ADAL" clId="{5F157F27-C097-42F3-BA4E-21E2C68F73F1}" dt="2024-02-01T09:41:20.183" v="5" actId="255"/>
+      <pc:docMkLst>
+        <pc:docMk/>
+      </pc:docMkLst>
+      <pc:sldChg chg="modSp mod">
+        <pc:chgData name="Zhao Jin" userId="cd05a825-544c-438a-9ba1-08e63db50b47" providerId="ADAL" clId="{5F157F27-C097-42F3-BA4E-21E2C68F73F1}" dt="2024-02-01T09:41:14.742" v="4" actId="255"/>
+        <pc:sldMkLst>
+          <pc:docMk/>
+          <pc:sldMk cId="1492339910" sldId="485"/>
+        </pc:sldMkLst>
+        <pc:spChg chg="mod">
+          <ac:chgData name="Zhao Jin" userId="cd05a825-544c-438a-9ba1-08e63db50b47" providerId="ADAL" clId="{5F157F27-C097-42F3-BA4E-21E2C68F73F1}" dt="2024-02-01T09:41:14.742" v="4" actId="255"/>
+          <ac:spMkLst>
+            <pc:docMk/>
+            <pc:sldMk cId="1492339910" sldId="485"/>
+            <ac:spMk id="3" creationId="{D017A1AE-BBBE-B98F-9018-E181003043DD}"/>
+          </ac:spMkLst>
+        </pc:spChg>
+      </pc:sldChg>
+      <pc:sldChg chg="modSp mod">
+        <pc:chgData name="Zhao Jin" userId="cd05a825-544c-438a-9ba1-08e63db50b47" providerId="ADAL" clId="{5F157F27-C097-42F3-BA4E-21E2C68F73F1}" dt="2024-02-01T09:41:20.183" v="5" actId="255"/>
+        <pc:sldMkLst>
+          <pc:docMk/>
+          <pc:sldMk cId="4078418712" sldId="525"/>
+        </pc:sldMkLst>
+        <pc:spChg chg="mod">
+          <ac:chgData name="Zhao Jin" userId="cd05a825-544c-438a-9ba1-08e63db50b47" providerId="ADAL" clId="{5F157F27-C097-42F3-BA4E-21E2C68F73F1}" dt="2024-02-01T09:41:20.183" v="5" actId="255"/>
+          <ac:spMkLst>
+            <pc:docMk/>
+            <pc:sldMk cId="4078418712" sldId="525"/>
+            <ac:spMk id="3" creationId="{6DF0351F-7FE6-CE3F-FB41-2216C50ED54D}"/>
+          </ac:spMkLst>
+        </pc:spChg>
+      </pc:sldChg>
+      <pc:sldChg chg="modSp">
+        <pc:chgData name="Zhao Jin" userId="cd05a825-544c-438a-9ba1-08e63db50b47" providerId="ADAL" clId="{5F157F27-C097-42F3-BA4E-21E2C68F73F1}" dt="2024-02-01T09:40:59.151" v="3"/>
+        <pc:sldMkLst>
+          <pc:docMk/>
+          <pc:sldMk cId="681224785" sldId="531"/>
+        </pc:sldMkLst>
+        <pc:spChg chg="mod">
+          <ac:chgData name="Zhao Jin" userId="cd05a825-544c-438a-9ba1-08e63db50b47" providerId="ADAL" clId="{5F157F27-C097-42F3-BA4E-21E2C68F73F1}" dt="2024-02-01T09:40:59.151" v="3"/>
+          <ac:spMkLst>
+            <pc:docMk/>
+            <pc:sldMk cId="681224785" sldId="531"/>
+            <ac:spMk id="5" creationId="{C71938E5-94E3-A7B4-982C-77880F377DE2}"/>
+          </ac:spMkLst>
+        </pc:spChg>
+      </pc:sldChg>
+      <pc:sldChg chg="modSp">
+        <pc:chgData name="Zhao Jin" userId="cd05a825-544c-438a-9ba1-08e63db50b47" providerId="ADAL" clId="{5F157F27-C097-42F3-BA4E-21E2C68F73F1}" dt="2024-02-01T09:40:59.151" v="3"/>
+        <pc:sldMkLst>
+          <pc:docMk/>
+          <pc:sldMk cId="3949125736" sldId="548"/>
+        </pc:sldMkLst>
+        <pc:spChg chg="mod">
+          <ac:chgData name="Zhao Jin" userId="cd05a825-544c-438a-9ba1-08e63db50b47" providerId="ADAL" clId="{5F157F27-C097-42F3-BA4E-21E2C68F73F1}" dt="2024-02-01T09:40:59.151" v="3"/>
+          <ac:spMkLst>
+            <pc:docMk/>
+            <pc:sldMk cId="3949125736" sldId="548"/>
+            <ac:spMk id="3" creationId="{9C100D60-340C-73E3-2BF1-03764A1993DA}"/>
+          </ac:spMkLst>
+        </pc:spChg>
+      </pc:sldChg>
+      <pc:sldChg chg="modSp">
+        <pc:chgData name="Zhao Jin" userId="cd05a825-544c-438a-9ba1-08e63db50b47" providerId="ADAL" clId="{5F157F27-C097-42F3-BA4E-21E2C68F73F1}" dt="2024-02-01T09:40:59.151" v="3"/>
+        <pc:sldMkLst>
+          <pc:docMk/>
+          <pc:sldMk cId="2939077141" sldId="549"/>
+        </pc:sldMkLst>
+        <pc:spChg chg="mod">
+          <ac:chgData name="Zhao Jin" userId="cd05a825-544c-438a-9ba1-08e63db50b47" providerId="ADAL" clId="{5F157F27-C097-42F3-BA4E-21E2C68F73F1}" dt="2024-02-01T09:40:59.151" v="3"/>
+          <ac:spMkLst>
+            <pc:docMk/>
+            <pc:sldMk cId="2939077141" sldId="549"/>
+            <ac:spMk id="3" creationId="{E973F187-712C-97AB-366C-17C2AB5FA29D}"/>
+          </ac:spMkLst>
+        </pc:spChg>
+      </pc:sldChg>
+      <pc:sldChg chg="modSp">
+        <pc:chgData name="Zhao Jin" userId="cd05a825-544c-438a-9ba1-08e63db50b47" providerId="ADAL" clId="{5F157F27-C097-42F3-BA4E-21E2C68F73F1}" dt="2024-02-01T09:40:59.151" v="3"/>
+        <pc:sldMkLst>
+          <pc:docMk/>
+          <pc:sldMk cId="4227920544" sldId="550"/>
+        </pc:sldMkLst>
+        <pc:spChg chg="mod">
+          <ac:chgData name="Zhao Jin" userId="cd05a825-544c-438a-9ba1-08e63db50b47" providerId="ADAL" clId="{5F157F27-C097-42F3-BA4E-21E2C68F73F1}" dt="2024-02-01T09:40:59.151" v="3"/>
+          <ac:spMkLst>
+            <pc:docMk/>
+            <pc:sldMk cId="4227920544" sldId="550"/>
+            <ac:spMk id="6" creationId="{60DC6E70-8CA7-DFA4-338E-89568A6E19A6}"/>
+          </ac:spMkLst>
+        </pc:spChg>
+      </pc:sldChg>
+      <pc:sldChg chg="modSp mod">
+        <pc:chgData name="Zhao Jin" userId="cd05a825-544c-438a-9ba1-08e63db50b47" providerId="ADAL" clId="{5F157F27-C097-42F3-BA4E-21E2C68F73F1}" dt="2024-02-01T09:40:59.151" v="3"/>
+        <pc:sldMkLst>
+          <pc:docMk/>
+          <pc:sldMk cId="3404136433" sldId="551"/>
+        </pc:sldMkLst>
+        <pc:spChg chg="mod">
+          <ac:chgData name="Zhao Jin" userId="cd05a825-544c-438a-9ba1-08e63db50b47" providerId="ADAL" clId="{5F157F27-C097-42F3-BA4E-21E2C68F73F1}" dt="2024-02-01T09:40:59.151" v="3"/>
+          <ac:spMkLst>
+            <pc:docMk/>
+            <pc:sldMk cId="3404136433" sldId="551"/>
+            <ac:spMk id="5" creationId="{5A1D4A4D-7C1F-22A2-9FFC-F79C2D0FF241}"/>
+          </ac:spMkLst>
+        </pc:spChg>
+      </pc:sldChg>
+      <pc:sldChg chg="modSp">
+        <pc:chgData name="Zhao Jin" userId="cd05a825-544c-438a-9ba1-08e63db50b47" providerId="ADAL" clId="{5F157F27-C097-42F3-BA4E-21E2C68F73F1}" dt="2024-02-01T09:40:59.151" v="3"/>
+        <pc:sldMkLst>
+          <pc:docMk/>
+          <pc:sldMk cId="1146460544" sldId="552"/>
+        </pc:sldMkLst>
+        <pc:spChg chg="mod">
+          <ac:chgData name="Zhao Jin" userId="cd05a825-544c-438a-9ba1-08e63db50b47" providerId="ADAL" clId="{5F157F27-C097-42F3-BA4E-21E2C68F73F1}" dt="2024-02-01T09:40:59.151" v="3"/>
+          <ac:spMkLst>
+            <pc:docMk/>
+            <pc:sldMk cId="1146460544" sldId="552"/>
+            <ac:spMk id="3" creationId="{3E095A78-BE48-028F-6AA9-089A366CA9B3}"/>
+          </ac:spMkLst>
+        </pc:spChg>
+      </pc:sldChg>
+      <pc:sldChg chg="modSp">
+        <pc:chgData name="Zhao Jin" userId="cd05a825-544c-438a-9ba1-08e63db50b47" providerId="ADAL" clId="{5F157F27-C097-42F3-BA4E-21E2C68F73F1}" dt="2024-02-01T09:40:59.151" v="3"/>
+        <pc:sldMkLst>
+          <pc:docMk/>
+          <pc:sldMk cId="222951515" sldId="553"/>
+        </pc:sldMkLst>
+        <pc:spChg chg="mod">
+          <ac:chgData name="Zhao Jin" userId="cd05a825-544c-438a-9ba1-08e63db50b47" providerId="ADAL" clId="{5F157F27-C097-42F3-BA4E-21E2C68F73F1}" dt="2024-02-01T09:40:59.151" v="3"/>
+          <ac:spMkLst>
+            <pc:docMk/>
+            <pc:sldMk cId="222951515" sldId="553"/>
+            <ac:spMk id="3" creationId="{2289870A-E99C-0D18-B0C9-82800E2E917F}"/>
+          </ac:spMkLst>
+        </pc:spChg>
+      </pc:sldChg>
+      <pc:sldChg chg="modSp">
+        <pc:chgData name="Zhao Jin" userId="cd05a825-544c-438a-9ba1-08e63db50b47" providerId="ADAL" clId="{5F157F27-C097-42F3-BA4E-21E2C68F73F1}" dt="2024-02-01T09:40:59.151" v="3"/>
+        <pc:sldMkLst>
+          <pc:docMk/>
+          <pc:sldMk cId="2043253325" sldId="557"/>
+        </pc:sldMkLst>
+        <pc:spChg chg="mod">
+          <ac:chgData name="Zhao Jin" userId="cd05a825-544c-438a-9ba1-08e63db50b47" providerId="ADAL" clId="{5F157F27-C097-42F3-BA4E-21E2C68F73F1}" dt="2024-02-01T09:40:59.151" v="3"/>
+          <ac:spMkLst>
+            <pc:docMk/>
+            <pc:sldMk cId="2043253325" sldId="557"/>
+            <ac:spMk id="3" creationId="{E0342226-2BC1-78AC-E599-2D6DEFCF035F}"/>
+          </ac:spMkLst>
+        </pc:spChg>
+      </pc:sldChg>
+      <pc:sldChg chg="modSp">
+        <pc:chgData name="Zhao Jin" userId="cd05a825-544c-438a-9ba1-08e63db50b47" providerId="ADAL" clId="{5F157F27-C097-42F3-BA4E-21E2C68F73F1}" dt="2024-02-01T09:40:59.151" v="3"/>
+        <pc:sldMkLst>
+          <pc:docMk/>
+          <pc:sldMk cId="2893852573" sldId="558"/>
+        </pc:sldMkLst>
+        <pc:spChg chg="mod">
+          <ac:chgData name="Zhao Jin" userId="cd05a825-544c-438a-9ba1-08e63db50b47" providerId="ADAL" clId="{5F157F27-C097-42F3-BA4E-21E2C68F73F1}" dt="2024-02-01T09:40:59.151" v="3"/>
+          <ac:spMkLst>
+            <pc:docMk/>
+            <pc:sldMk cId="2893852573" sldId="558"/>
+            <ac:spMk id="3" creationId="{09F88C8D-5209-DD3B-6295-FA770574942C}"/>
+          </ac:spMkLst>
+        </pc:spChg>
+      </pc:sldChg>
+      <pc:sldChg chg="modSp">
+        <pc:chgData name="Zhao Jin" userId="cd05a825-544c-438a-9ba1-08e63db50b47" providerId="ADAL" clId="{5F157F27-C097-42F3-BA4E-21E2C68F73F1}" dt="2024-02-01T09:40:59.151" v="3"/>
+        <pc:sldMkLst>
+          <pc:docMk/>
+          <pc:sldMk cId="2199886267" sldId="559"/>
+        </pc:sldMkLst>
+        <pc:spChg chg="mod">
+          <ac:chgData name="Zhao Jin" userId="cd05a825-544c-438a-9ba1-08e63db50b47" providerId="ADAL" clId="{5F157F27-C097-42F3-BA4E-21E2C68F73F1}" dt="2024-02-01T09:40:59.151" v="3"/>
+          <ac:spMkLst>
+            <pc:docMk/>
+            <pc:sldMk cId="2199886267" sldId="559"/>
+            <ac:spMk id="3" creationId="{839B742B-D417-507B-876A-D13E628C61E3}"/>
+          </ac:spMkLst>
+        </pc:spChg>
+      </pc:sldChg>
+      <pc:sldMasterChg chg="modSp modSldLayout">
+        <pc:chgData name="Zhao Jin" userId="cd05a825-544c-438a-9ba1-08e63db50b47" providerId="ADAL" clId="{5F157F27-C097-42F3-BA4E-21E2C68F73F1}" dt="2024-02-01T09:40:59.151" v="3"/>
+        <pc:sldMasterMkLst>
+          <pc:docMk/>
+          <pc:sldMasterMk cId="0" sldId="2147485087"/>
+        </pc:sldMasterMkLst>
+        <pc:spChg chg="mod">
+          <ac:chgData name="Zhao Jin" userId="cd05a825-544c-438a-9ba1-08e63db50b47" providerId="ADAL" clId="{5F157F27-C097-42F3-BA4E-21E2C68F73F1}" dt="2024-02-01T09:40:59.151" v="3"/>
+          <ac:spMkLst>
+            <pc:docMk/>
+            <pc:sldMasterMk cId="0" sldId="2147485087"/>
+            <ac:spMk id="6" creationId="{00000000-0000-0000-0000-000000000000}"/>
+          </ac:spMkLst>
+        </pc:spChg>
+        <pc:sldLayoutChg chg="modSp">
+          <pc:chgData name="Zhao Jin" userId="cd05a825-544c-438a-9ba1-08e63db50b47" providerId="ADAL" clId="{5F157F27-C097-42F3-BA4E-21E2C68F73F1}" dt="2024-02-01T09:40:59.151" v="3"/>
+          <pc:sldLayoutMkLst>
+            <pc:docMk/>
+            <pc:sldMasterMk cId="0" sldId="2147485087"/>
+            <pc:sldLayoutMk cId="0" sldId="2147485088"/>
+          </pc:sldLayoutMkLst>
+          <pc:spChg chg="mod">
+            <ac:chgData name="Zhao Jin" userId="cd05a825-544c-438a-9ba1-08e63db50b47" providerId="ADAL" clId="{5F157F27-C097-42F3-BA4E-21E2C68F73F1}" dt="2024-02-01T09:40:59.151" v="3"/>
+            <ac:spMkLst>
+              <pc:docMk/>
+              <pc:sldMasterMk cId="0" sldId="2147485087"/>
+              <pc:sldLayoutMk cId="0" sldId="2147485088"/>
+              <ac:spMk id="6" creationId="{00000000-0000-0000-0000-000000000000}"/>
+            </ac:spMkLst>
+          </pc:spChg>
+        </pc:sldLayoutChg>
+        <pc:sldLayoutChg chg="modSp">
+          <pc:chgData name="Zhao Jin" userId="cd05a825-544c-438a-9ba1-08e63db50b47" providerId="ADAL" clId="{5F157F27-C097-42F3-BA4E-21E2C68F73F1}" dt="2024-02-01T09:40:59.151" v="3"/>
+          <pc:sldLayoutMkLst>
+            <pc:docMk/>
+            <pc:sldMasterMk cId="0" sldId="2147485087"/>
+            <pc:sldLayoutMk cId="0" sldId="2147485089"/>
+          </pc:sldLayoutMkLst>
+          <pc:spChg chg="mod">
+            <ac:chgData name="Zhao Jin" userId="cd05a825-544c-438a-9ba1-08e63db50b47" providerId="ADAL" clId="{5F157F27-C097-42F3-BA4E-21E2C68F73F1}" dt="2024-02-01T09:40:59.151" v="3"/>
+            <ac:spMkLst>
+              <pc:docMk/>
+              <pc:sldMasterMk cId="0" sldId="2147485087"/>
+              <pc:sldLayoutMk cId="0" sldId="2147485089"/>
+              <ac:spMk id="6" creationId="{00000000-0000-0000-0000-000000000000}"/>
+            </ac:spMkLst>
+          </pc:spChg>
+        </pc:sldLayoutChg>
+        <pc:sldLayoutChg chg="modSp">
+          <pc:chgData name="Zhao Jin" userId="cd05a825-544c-438a-9ba1-08e63db50b47" providerId="ADAL" clId="{5F157F27-C097-42F3-BA4E-21E2C68F73F1}" dt="2024-02-01T09:40:59.151" v="3"/>
+          <pc:sldLayoutMkLst>
+            <pc:docMk/>
+            <pc:sldMasterMk cId="0" sldId="2147485087"/>
+            <pc:sldLayoutMk cId="0" sldId="2147485090"/>
+          </pc:sldLayoutMkLst>
+          <pc:spChg chg="mod">
+            <ac:chgData name="Zhao Jin" userId="cd05a825-544c-438a-9ba1-08e63db50b47" providerId="ADAL" clId="{5F157F27-C097-42F3-BA4E-21E2C68F73F1}" dt="2024-02-01T09:40:59.151" v="3"/>
+            <ac:spMkLst>
+              <pc:docMk/>
+              <pc:sldMasterMk cId="0" sldId="2147485087"/>
+              <pc:sldLayoutMk cId="0" sldId="2147485090"/>
+              <ac:spMk id="6" creationId="{00000000-0000-0000-0000-000000000000}"/>
+            </ac:spMkLst>
+          </pc:spChg>
+        </pc:sldLayoutChg>
+        <pc:sldLayoutChg chg="modSp">
+          <pc:chgData name="Zhao Jin" userId="cd05a825-544c-438a-9ba1-08e63db50b47" providerId="ADAL" clId="{5F157F27-C097-42F3-BA4E-21E2C68F73F1}" dt="2024-02-01T09:40:59.151" v="3"/>
+          <pc:sldLayoutMkLst>
+            <pc:docMk/>
+            <pc:sldMasterMk cId="0" sldId="2147485087"/>
+            <pc:sldLayoutMk cId="0" sldId="2147485091"/>
+          </pc:sldLayoutMkLst>
+          <pc:spChg chg="mod">
+            <ac:chgData name="Zhao Jin" userId="cd05a825-544c-438a-9ba1-08e63db50b47" providerId="ADAL" clId="{5F157F27-C097-42F3-BA4E-21E2C68F73F1}" dt="2024-02-01T09:40:59.151" v="3"/>
+            <ac:spMkLst>
+              <pc:docMk/>
+              <pc:sldMasterMk cId="0" sldId="2147485087"/>
+              <pc:sldLayoutMk cId="0" sldId="2147485091"/>
+              <ac:spMk id="7" creationId="{00000000-0000-0000-0000-000000000000}"/>
+            </ac:spMkLst>
+          </pc:spChg>
+        </pc:sldLayoutChg>
+        <pc:sldLayoutChg chg="modSp">
+          <pc:chgData name="Zhao Jin" userId="cd05a825-544c-438a-9ba1-08e63db50b47" providerId="ADAL" clId="{5F157F27-C097-42F3-BA4E-21E2C68F73F1}" dt="2024-02-01T09:40:59.151" v="3"/>
+          <pc:sldLayoutMkLst>
+            <pc:docMk/>
+            <pc:sldMasterMk cId="0" sldId="2147485087"/>
+            <pc:sldLayoutMk cId="0" sldId="2147485092"/>
+          </pc:sldLayoutMkLst>
+          <pc:spChg chg="mod">
+            <ac:chgData name="Zhao Jin" userId="cd05a825-544c-438a-9ba1-08e63db50b47" providerId="ADAL" clId="{5F157F27-C097-42F3-BA4E-21E2C68F73F1}" dt="2024-02-01T09:40:59.151" v="3"/>
+            <ac:spMkLst>
+              <pc:docMk/>
+              <pc:sldMasterMk cId="0" sldId="2147485087"/>
+              <pc:sldLayoutMk cId="0" sldId="2147485092"/>
+              <ac:spMk id="9" creationId="{00000000-0000-0000-0000-000000000000}"/>
+            </ac:spMkLst>
+          </pc:spChg>
+        </pc:sldLayoutChg>
+        <pc:sldLayoutChg chg="modSp">
+          <pc:chgData name="Zhao Jin" userId="cd05a825-544c-438a-9ba1-08e63db50b47" providerId="ADAL" clId="{5F157F27-C097-42F3-BA4E-21E2C68F73F1}" dt="2024-02-01T09:40:59.151" v="3"/>
+          <pc:sldLayoutMkLst>
+            <pc:docMk/>
+            <pc:sldMasterMk cId="0" sldId="2147485087"/>
+            <pc:sldLayoutMk cId="0" sldId="2147485093"/>
+          </pc:sldLayoutMkLst>
+          <pc:spChg chg="mod">
+            <ac:chgData name="Zhao Jin" userId="cd05a825-544c-438a-9ba1-08e63db50b47" providerId="ADAL" clId="{5F157F27-C097-42F3-BA4E-21E2C68F73F1}" dt="2024-02-01T09:40:59.151" v="3"/>
+            <ac:spMkLst>
+              <pc:docMk/>
+              <pc:sldMasterMk cId="0" sldId="2147485087"/>
+              <pc:sldLayoutMk cId="0" sldId="2147485093"/>
+              <ac:spMk id="5" creationId="{00000000-0000-0000-0000-000000000000}"/>
+            </ac:spMkLst>
+          </pc:spChg>
+        </pc:sldLayoutChg>
+        <pc:sldLayoutChg chg="modSp">
+          <pc:chgData name="Zhao Jin" userId="cd05a825-544c-438a-9ba1-08e63db50b47" providerId="ADAL" clId="{5F157F27-C097-42F3-BA4E-21E2C68F73F1}" dt="2024-02-01T09:40:59.151" v="3"/>
+          <pc:sldLayoutMkLst>
+            <pc:docMk/>
+            <pc:sldMasterMk cId="0" sldId="2147485087"/>
+            <pc:sldLayoutMk cId="0" sldId="2147485094"/>
+          </pc:sldLayoutMkLst>
+          <pc:spChg chg="mod">
+            <ac:chgData name="Zhao Jin" userId="cd05a825-544c-438a-9ba1-08e63db50b47" providerId="ADAL" clId="{5F157F27-C097-42F3-BA4E-21E2C68F73F1}" dt="2024-02-01T09:40:59.151" v="3"/>
+            <ac:spMkLst>
+              <pc:docMk/>
+              <pc:sldMasterMk cId="0" sldId="2147485087"/>
+              <pc:sldLayoutMk cId="0" sldId="2147485094"/>
+              <ac:spMk id="4" creationId="{00000000-0000-0000-0000-000000000000}"/>
+            </ac:spMkLst>
+          </pc:spChg>
+        </pc:sldLayoutChg>
+        <pc:sldLayoutChg chg="modSp">
+          <pc:chgData name="Zhao Jin" userId="cd05a825-544c-438a-9ba1-08e63db50b47" providerId="ADAL" clId="{5F157F27-C097-42F3-BA4E-21E2C68F73F1}" dt="2024-02-01T09:40:59.151" v="3"/>
+          <pc:sldLayoutMkLst>
+            <pc:docMk/>
+            <pc:sldMasterMk cId="0" sldId="2147485087"/>
+            <pc:sldLayoutMk cId="0" sldId="2147485095"/>
+          </pc:sldLayoutMkLst>
+          <pc:spChg chg="mod">
+            <ac:chgData name="Zhao Jin" userId="cd05a825-544c-438a-9ba1-08e63db50b47" providerId="ADAL" clId="{5F157F27-C097-42F3-BA4E-21E2C68F73F1}" dt="2024-02-01T09:40:59.151" v="3"/>
+            <ac:spMkLst>
+              <pc:docMk/>
+              <pc:sldMasterMk cId="0" sldId="2147485087"/>
+              <pc:sldLayoutMk cId="0" sldId="2147485095"/>
+              <ac:spMk id="7" creationId="{00000000-0000-0000-0000-000000000000}"/>
+            </ac:spMkLst>
+          </pc:spChg>
+        </pc:sldLayoutChg>
+        <pc:sldLayoutChg chg="modSp">
+          <pc:chgData name="Zhao Jin" userId="cd05a825-544c-438a-9ba1-08e63db50b47" providerId="ADAL" clId="{5F157F27-C097-42F3-BA4E-21E2C68F73F1}" dt="2024-02-01T09:40:59.151" v="3"/>
+          <pc:sldLayoutMkLst>
+            <pc:docMk/>
+            <pc:sldMasterMk cId="0" sldId="2147485087"/>
+            <pc:sldLayoutMk cId="0" sldId="2147485096"/>
+          </pc:sldLayoutMkLst>
+          <pc:spChg chg="mod">
+            <ac:chgData name="Zhao Jin" userId="cd05a825-544c-438a-9ba1-08e63db50b47" providerId="ADAL" clId="{5F157F27-C097-42F3-BA4E-21E2C68F73F1}" dt="2024-02-01T09:40:59.151" v="3"/>
+            <ac:spMkLst>
+              <pc:docMk/>
+              <pc:sldMasterMk cId="0" sldId="2147485087"/>
+              <pc:sldLayoutMk cId="0" sldId="2147485096"/>
+              <ac:spMk id="7" creationId="{00000000-0000-0000-0000-000000000000}"/>
+            </ac:spMkLst>
+          </pc:spChg>
+        </pc:sldLayoutChg>
+        <pc:sldLayoutChg chg="modSp">
+          <pc:chgData name="Zhao Jin" userId="cd05a825-544c-438a-9ba1-08e63db50b47" providerId="ADAL" clId="{5F157F27-C097-42F3-BA4E-21E2C68F73F1}" dt="2024-02-01T09:40:59.151" v="3"/>
+          <pc:sldLayoutMkLst>
+            <pc:docMk/>
+            <pc:sldMasterMk cId="0" sldId="2147485087"/>
+            <pc:sldLayoutMk cId="0" sldId="2147485097"/>
+          </pc:sldLayoutMkLst>
+          <pc:spChg chg="mod">
+            <ac:chgData name="Zhao Jin" userId="cd05a825-544c-438a-9ba1-08e63db50b47" providerId="ADAL" clId="{5F157F27-C097-42F3-BA4E-21E2C68F73F1}" dt="2024-02-01T09:40:59.151" v="3"/>
+            <ac:spMkLst>
+              <pc:docMk/>
+              <pc:sldMasterMk cId="0" sldId="2147485087"/>
+              <pc:sldLayoutMk cId="0" sldId="2147485097"/>
+              <ac:spMk id="6" creationId="{00000000-0000-0000-0000-000000000000}"/>
+            </ac:spMkLst>
+          </pc:spChg>
+        </pc:sldLayoutChg>
+        <pc:sldLayoutChg chg="modSp">
+          <pc:chgData name="Zhao Jin" userId="cd05a825-544c-438a-9ba1-08e63db50b47" providerId="ADAL" clId="{5F157F27-C097-42F3-BA4E-21E2C68F73F1}" dt="2024-02-01T09:40:59.151" v="3"/>
+          <pc:sldLayoutMkLst>
+            <pc:docMk/>
+            <pc:sldMasterMk cId="0" sldId="2147485087"/>
+            <pc:sldLayoutMk cId="0" sldId="2147485098"/>
+          </pc:sldLayoutMkLst>
+          <pc:spChg chg="mod">
+            <ac:chgData name="Zhao Jin" userId="cd05a825-544c-438a-9ba1-08e63db50b47" providerId="ADAL" clId="{5F157F27-C097-42F3-BA4E-21E2C68F73F1}" dt="2024-02-01T09:40:59.151" v="3"/>
+            <ac:spMkLst>
+              <pc:docMk/>
+              <pc:sldMasterMk cId="0" sldId="2147485087"/>
+              <pc:sldLayoutMk cId="0" sldId="2147485098"/>
+              <ac:spMk id="6" creationId="{00000000-0000-0000-0000-000000000000}"/>
+            </ac:spMkLst>
+          </pc:spChg>
+        </pc:sldLayoutChg>
+      </pc:sldMasterChg>
+    </pc:docChg>
+  </pc:docChgLst>
   <pc:docChgLst>
     <pc:chgData name="Zhao Jin" userId="cd05a825-544c-438a-9ba1-08e63db50b47" providerId="ADAL" clId="{40B02829-7445-394A-990C-032942059FD9}"/>
     <pc:docChg chg="custSel modSld">
@@ -2307,7 +2698,7 @@
               <a:pPr>
                 <a:defRPr/>
               </a:pPr>
-              <a:t>1/31/2024</a:t>
+              <a:t>2/1/2024</a:t>
             </a:fld>
             <a:endParaRPr lang="en-US"/>
           </a:p>
@@ -4284,7 +4675,7 @@
             </a:pPr>
             <a:r>
               <a:rPr lang="en-US" dirty="0"/>
-              <a:t>Week2 - </a:t>
+              <a:t>Week3R - </a:t>
             </a:r>
             <a:fld id="{2E4790E1-2590-4AEE-892D-AB46A7688113}" type="slidenum">
               <a:rPr lang="en-US" smtClean="0"/>
@@ -4505,7 +4896,7 @@
             </a:pPr>
             <a:r>
               <a:rPr lang="en-US" dirty="0"/>
-              <a:t>Week2 - </a:t>
+              <a:t>Week3R - </a:t>
             </a:r>
             <a:fld id="{2E4790E1-2590-4AEE-892D-AB46A7688113}" type="slidenum">
               <a:rPr lang="en-US" smtClean="0"/>
@@ -4703,7 +5094,7 @@
             </a:pPr>
             <a:r>
               <a:rPr lang="en-US" dirty="0"/>
-              <a:t>Week2 - </a:t>
+              <a:t>Week3R - </a:t>
             </a:r>
             <a:fld id="{2E4790E1-2590-4AEE-892D-AB46A7688113}" type="slidenum">
               <a:rPr lang="en-US" smtClean="0"/>
@@ -4893,7 +5284,7 @@
             </a:pPr>
             <a:r>
               <a:rPr lang="en-US" dirty="0"/>
-              <a:t>Week2 - </a:t>
+              <a:t>Week3R - </a:t>
             </a:r>
             <a:fld id="{2E4790E1-2590-4AEE-892D-AB46A7688113}" type="slidenum">
               <a:rPr lang="en-US" smtClean="0"/>
@@ -5168,7 +5559,7 @@
             </a:pPr>
             <a:r>
               <a:rPr lang="en-US" dirty="0"/>
-              <a:t>Week2 - </a:t>
+              <a:t>Week3R - </a:t>
             </a:r>
             <a:fld id="{2E4790E1-2590-4AEE-892D-AB46A7688113}" type="slidenum">
               <a:rPr lang="en-US" smtClean="0"/>
@@ -5508,7 +5899,7 @@
             </a:pPr>
             <a:r>
               <a:rPr lang="en-US" dirty="0"/>
-              <a:t>Week2 - </a:t>
+              <a:t>Week3R - </a:t>
             </a:r>
             <a:fld id="{2E4790E1-2590-4AEE-892D-AB46A7688113}" type="slidenum">
               <a:rPr lang="en-US" smtClean="0"/>
@@ -5997,7 +6388,7 @@
             </a:pPr>
             <a:r>
               <a:rPr lang="en-US" dirty="0"/>
-              <a:t>Week2 - </a:t>
+              <a:t>Week3R - </a:t>
             </a:r>
             <a:fld id="{2E4790E1-2590-4AEE-892D-AB46A7688113}" type="slidenum">
               <a:rPr lang="en-US" smtClean="0"/>
@@ -6167,7 +6558,7 @@
             </a:pPr>
             <a:r>
               <a:rPr lang="en-US" dirty="0"/>
-              <a:t>Week2 - </a:t>
+              <a:t>Week3R - </a:t>
             </a:r>
             <a:fld id="{2E4790E1-2590-4AEE-892D-AB46A7688113}" type="slidenum">
               <a:rPr lang="en-US" smtClean="0"/>
@@ -6280,7 +6671,7 @@
             </a:pPr>
             <a:r>
               <a:rPr lang="en-US" dirty="0"/>
-              <a:t>Week2 - </a:t>
+              <a:t>Week3R - </a:t>
             </a:r>
             <a:fld id="{2E4790E1-2590-4AEE-892D-AB46A7688113}" type="slidenum">
               <a:rPr lang="en-US" smtClean="0"/>
@@ -6577,7 +6968,7 @@
             </a:pPr>
             <a:r>
               <a:rPr lang="en-US" dirty="0"/>
-              <a:t>Week2 - </a:t>
+              <a:t>Week3R - </a:t>
             </a:r>
             <a:fld id="{2E4790E1-2590-4AEE-892D-AB46A7688113}" type="slidenum">
               <a:rPr lang="en-US" smtClean="0"/>
@@ -6905,7 +7296,7 @@
             </a:pPr>
             <a:r>
               <a:rPr lang="en-US" dirty="0"/>
-              <a:t>Week2 - </a:t>
+              <a:t>Week3R - </a:t>
             </a:r>
             <a:fld id="{2E4790E1-2590-4AEE-892D-AB46A7688113}" type="slidenum">
               <a:rPr lang="en-US" smtClean="0"/>
@@ -7257,7 +7648,7 @@
             </a:pPr>
             <a:r>
               <a:rPr lang="en-US" dirty="0"/>
-              <a:t>Week2 - </a:t>
+              <a:t>Week3R - </a:t>
             </a:r>
             <a:fld id="{2E4790E1-2590-4AEE-892D-AB46A7688113}" type="slidenum">
               <a:rPr lang="en-US" smtClean="0"/>
@@ -7289,7 +7680,7 @@
   <p:transition>
     <p:fade/>
   </p:transition>
-  <p:hf sldNum="0" hdr="0" dt="0"/>
+  <p:hf hdr="0" dt="0"/>
   <p:txStyles>
     <p:titleStyle>
       <a:lvl1pPr algn="l" defTabSz="914400" rtl="0" eaLnBrk="1" latinLnBrk="0" hangingPunct="1">
@@ -8612,6 +9003,45 @@
           </a:p>
         </p:txBody>
       </p:sp>
+      <p:sp>
+        <p:nvSpPr>
+          <p:cNvPr id="3" name="Slide Number Placeholder 2">
+            <a:extLst>
+              <a:ext uri="{FF2B5EF4-FFF2-40B4-BE49-F238E27FC236}">
+                <a16:creationId xmlns:a16="http://schemas.microsoft.com/office/drawing/2014/main" id="{09F88C8D-5209-DD3B-6295-FA770574942C}"/>
+              </a:ext>
+            </a:extLst>
+          </p:cNvPr>
+          <p:cNvSpPr>
+            <a:spLocks noGrp="1"/>
+          </p:cNvSpPr>
+          <p:nvPr>
+            <p:ph type="sldNum" sz="quarter" idx="12"/>
+          </p:nvPr>
+        </p:nvSpPr>
+        <p:spPr/>
+        <p:txBody>
+          <a:bodyPr/>
+          <a:lstStyle/>
+          <a:p>
+            <a:pPr>
+              <a:defRPr/>
+            </a:pPr>
+            <a:r>
+              <a:rPr lang="en-US" dirty="0"/>
+              <a:t>Week3R - </a:t>
+            </a:r>
+            <a:fld id="{2E4790E1-2590-4AEE-892D-AB46A7688113}" type="slidenum">
+              <a:rPr lang="en-US" smtClean="0"/>
+              <a:pPr>
+                <a:defRPr/>
+              </a:pPr>
+              <a:t>10</a:t>
+            </a:fld>
+            <a:endParaRPr lang="en-US" dirty="0"/>
+          </a:p>
+        </p:txBody>
+      </p:sp>
     </p:spTree>
     <p:extLst>
       <p:ext uri="{BB962C8B-B14F-4D97-AF65-F5344CB8AC3E}">
@@ -9537,6 +9967,45 @@
               <a:rPr lang="en-US"/>
               <a:t>CS1010 (AY2023/24 Semester 2)</a:t>
             </a:r>
+            <a:endParaRPr lang="en-US" dirty="0"/>
+          </a:p>
+        </p:txBody>
+      </p:sp>
+      <p:sp>
+        <p:nvSpPr>
+          <p:cNvPr id="3" name="Slide Number Placeholder 2">
+            <a:extLst>
+              <a:ext uri="{FF2B5EF4-FFF2-40B4-BE49-F238E27FC236}">
+                <a16:creationId xmlns:a16="http://schemas.microsoft.com/office/drawing/2014/main" id="{839B742B-D417-507B-876A-D13E628C61E3}"/>
+              </a:ext>
+            </a:extLst>
+          </p:cNvPr>
+          <p:cNvSpPr>
+            <a:spLocks noGrp="1"/>
+          </p:cNvSpPr>
+          <p:nvPr>
+            <p:ph type="sldNum" sz="quarter" idx="12"/>
+          </p:nvPr>
+        </p:nvSpPr>
+        <p:spPr/>
+        <p:txBody>
+          <a:bodyPr/>
+          <a:lstStyle/>
+          <a:p>
+            <a:pPr>
+              <a:defRPr/>
+            </a:pPr>
+            <a:r>
+              <a:rPr lang="en-US" dirty="0"/>
+              <a:t>Week3R - </a:t>
+            </a:r>
+            <a:fld id="{2E4790E1-2590-4AEE-892D-AB46A7688113}" type="slidenum">
+              <a:rPr lang="en-US" smtClean="0"/>
+              <a:pPr>
+                <a:defRPr/>
+              </a:pPr>
+              <a:t>11</a:t>
+            </a:fld>
             <a:endParaRPr lang="en-US" dirty="0"/>
           </a:p>
         </p:txBody>
@@ -10462,6 +10931,45 @@
               <a:t>CS1010 (AY2023/24 Semester 2)</a:t>
             </a:r>
             <a:endParaRPr lang="en-US" dirty="0"/>
+          </a:p>
+        </p:txBody>
+      </p:sp>
+      <p:sp>
+        <p:nvSpPr>
+          <p:cNvPr id="3" name="Slide Number Placeholder 2">
+            <a:extLst>
+              <a:ext uri="{FF2B5EF4-FFF2-40B4-BE49-F238E27FC236}">
+                <a16:creationId xmlns:a16="http://schemas.microsoft.com/office/drawing/2014/main" id="{D017A1AE-BBBE-B98F-9018-E181003043DD}"/>
+              </a:ext>
+            </a:extLst>
+          </p:cNvPr>
+          <p:cNvSpPr>
+            <a:spLocks noGrp="1"/>
+          </p:cNvSpPr>
+          <p:nvPr>
+            <p:ph type="sldNum" sz="quarter" idx="12"/>
+          </p:nvPr>
+        </p:nvSpPr>
+        <p:spPr/>
+        <p:txBody>
+          <a:bodyPr/>
+          <a:lstStyle/>
+          <a:p>
+            <a:pPr>
+              <a:defRPr/>
+            </a:pPr>
+            <a:r>
+              <a:rPr lang="en-US" sz="1100" dirty="0"/>
+              <a:t>Week3R - </a:t>
+            </a:r>
+            <a:fld id="{2E4790E1-2590-4AEE-892D-AB46A7688113}" type="slidenum">
+              <a:rPr lang="en-US" sz="1100" smtClean="0"/>
+              <a:pPr>
+                <a:defRPr/>
+              </a:pPr>
+              <a:t>12</a:t>
+            </a:fld>
+            <a:endParaRPr lang="en-US" sz="1100" dirty="0"/>
           </a:p>
         </p:txBody>
       </p:sp>
@@ -10754,6 +11262,45 @@
           </a:p>
         </p:txBody>
       </p:sp>
+      <p:sp>
+        <p:nvSpPr>
+          <p:cNvPr id="3" name="Slide Number Placeholder 2">
+            <a:extLst>
+              <a:ext uri="{FF2B5EF4-FFF2-40B4-BE49-F238E27FC236}">
+                <a16:creationId xmlns:a16="http://schemas.microsoft.com/office/drawing/2014/main" id="{6DF0351F-7FE6-CE3F-FB41-2216C50ED54D}"/>
+              </a:ext>
+            </a:extLst>
+          </p:cNvPr>
+          <p:cNvSpPr>
+            <a:spLocks noGrp="1"/>
+          </p:cNvSpPr>
+          <p:nvPr>
+            <p:ph type="sldNum" sz="quarter" idx="12"/>
+          </p:nvPr>
+        </p:nvSpPr>
+        <p:spPr/>
+        <p:txBody>
+          <a:bodyPr/>
+          <a:lstStyle/>
+          <a:p>
+            <a:pPr>
+              <a:defRPr/>
+            </a:pPr>
+            <a:r>
+              <a:rPr lang="en-US" sz="1100" dirty="0"/>
+              <a:t>Week3R - </a:t>
+            </a:r>
+            <a:fld id="{2E4790E1-2590-4AEE-892D-AB46A7688113}" type="slidenum">
+              <a:rPr lang="en-US" sz="1100" smtClean="0"/>
+              <a:pPr>
+                <a:defRPr/>
+              </a:pPr>
+              <a:t>13</a:t>
+            </a:fld>
+            <a:endParaRPr lang="en-US" sz="1100" dirty="0"/>
+          </a:p>
+        </p:txBody>
+      </p:sp>
     </p:spTree>
     <p:extLst>
       <p:ext uri="{BB962C8B-B14F-4D97-AF65-F5344CB8AC3E}">
@@ -11646,6 +12193,45 @@
               <a:rPr lang="en-US"/>
               <a:t>CS1010 (AY2023/24 Semester 2)</a:t>
             </a:r>
+            <a:endParaRPr lang="en-US" dirty="0"/>
+          </a:p>
+        </p:txBody>
+      </p:sp>
+      <p:sp>
+        <p:nvSpPr>
+          <p:cNvPr id="6" name="Slide Number Placeholder 5">
+            <a:extLst>
+              <a:ext uri="{FF2B5EF4-FFF2-40B4-BE49-F238E27FC236}">
+                <a16:creationId xmlns:a16="http://schemas.microsoft.com/office/drawing/2014/main" id="{60DC6E70-8CA7-DFA4-338E-89568A6E19A6}"/>
+              </a:ext>
+            </a:extLst>
+          </p:cNvPr>
+          <p:cNvSpPr>
+            <a:spLocks noGrp="1"/>
+          </p:cNvSpPr>
+          <p:nvPr>
+            <p:ph type="sldNum" sz="quarter" idx="12"/>
+          </p:nvPr>
+        </p:nvSpPr>
+        <p:spPr/>
+        <p:txBody>
+          <a:bodyPr/>
+          <a:lstStyle/>
+          <a:p>
+            <a:pPr>
+              <a:defRPr/>
+            </a:pPr>
+            <a:r>
+              <a:rPr lang="en-US" dirty="0"/>
+              <a:t>Week3R - </a:t>
+            </a:r>
+            <a:fld id="{2E4790E1-2590-4AEE-892D-AB46A7688113}" type="slidenum">
+              <a:rPr lang="en-US" smtClean="0"/>
+              <a:pPr>
+                <a:defRPr/>
+              </a:pPr>
+              <a:t>2</a:t>
+            </a:fld>
             <a:endParaRPr lang="en-US" dirty="0"/>
           </a:p>
         </p:txBody>
@@ -12698,6 +13284,45 @@
           </a:p>
         </p:txBody>
       </p:sp>
+      <p:sp>
+        <p:nvSpPr>
+          <p:cNvPr id="5" name="Slide Number Placeholder 4">
+            <a:extLst>
+              <a:ext uri="{FF2B5EF4-FFF2-40B4-BE49-F238E27FC236}">
+                <a16:creationId xmlns:a16="http://schemas.microsoft.com/office/drawing/2014/main" id="{5A1D4A4D-7C1F-22A2-9FFC-F79C2D0FF241}"/>
+              </a:ext>
+            </a:extLst>
+          </p:cNvPr>
+          <p:cNvSpPr>
+            <a:spLocks noGrp="1"/>
+          </p:cNvSpPr>
+          <p:nvPr>
+            <p:ph type="sldNum" sz="quarter" idx="12"/>
+          </p:nvPr>
+        </p:nvSpPr>
+        <p:spPr/>
+        <p:txBody>
+          <a:bodyPr/>
+          <a:lstStyle/>
+          <a:p>
+            <a:pPr>
+              <a:defRPr/>
+            </a:pPr>
+            <a:r>
+              <a:rPr lang="en-US" dirty="0"/>
+              <a:t>Week3R - </a:t>
+            </a:r>
+            <a:fld id="{2E4790E1-2590-4AEE-892D-AB46A7688113}" type="slidenum">
+              <a:rPr lang="en-US" smtClean="0"/>
+              <a:pPr>
+                <a:defRPr/>
+              </a:pPr>
+              <a:t>3</a:t>
+            </a:fld>
+            <a:endParaRPr lang="en-US" dirty="0"/>
+          </a:p>
+        </p:txBody>
+      </p:sp>
     </p:spTree>
     <p:extLst>
       <p:ext uri="{BB962C8B-B14F-4D97-AF65-F5344CB8AC3E}">
@@ -13650,6 +14275,45 @@
               <a:rPr lang="en-US"/>
               <a:t>CS1010 (AY2023/24 Semester 2)</a:t>
             </a:r>
+            <a:endParaRPr lang="en-US" dirty="0"/>
+          </a:p>
+        </p:txBody>
+      </p:sp>
+      <p:sp>
+        <p:nvSpPr>
+          <p:cNvPr id="5" name="Slide Number Placeholder 4">
+            <a:extLst>
+              <a:ext uri="{FF2B5EF4-FFF2-40B4-BE49-F238E27FC236}">
+                <a16:creationId xmlns:a16="http://schemas.microsoft.com/office/drawing/2014/main" id="{C71938E5-94E3-A7B4-982C-77880F377DE2}"/>
+              </a:ext>
+            </a:extLst>
+          </p:cNvPr>
+          <p:cNvSpPr>
+            <a:spLocks noGrp="1"/>
+          </p:cNvSpPr>
+          <p:nvPr>
+            <p:ph type="sldNum" sz="quarter" idx="12"/>
+          </p:nvPr>
+        </p:nvSpPr>
+        <p:spPr/>
+        <p:txBody>
+          <a:bodyPr/>
+          <a:lstStyle/>
+          <a:p>
+            <a:pPr>
+              <a:defRPr/>
+            </a:pPr>
+            <a:r>
+              <a:rPr lang="en-US" dirty="0"/>
+              <a:t>Week3R - </a:t>
+            </a:r>
+            <a:fld id="{2E4790E1-2590-4AEE-892D-AB46A7688113}" type="slidenum">
+              <a:rPr lang="en-US" smtClean="0"/>
+              <a:pPr>
+                <a:defRPr/>
+              </a:pPr>
+              <a:t>4</a:t>
+            </a:fld>
             <a:endParaRPr lang="en-US" dirty="0"/>
           </a:p>
         </p:txBody>
@@ -15786,6 +16450,45 @@
               <a:rPr lang="en-US"/>
               <a:t>CS1010 (AY2023/24 Semester 2)</a:t>
             </a:r>
+            <a:endParaRPr lang="en-US" dirty="0"/>
+          </a:p>
+        </p:txBody>
+      </p:sp>
+      <p:sp>
+        <p:nvSpPr>
+          <p:cNvPr id="3" name="Slide Number Placeholder 2">
+            <a:extLst>
+              <a:ext uri="{FF2B5EF4-FFF2-40B4-BE49-F238E27FC236}">
+                <a16:creationId xmlns:a16="http://schemas.microsoft.com/office/drawing/2014/main" id="{3E095A78-BE48-028F-6AA9-089A366CA9B3}"/>
+              </a:ext>
+            </a:extLst>
+          </p:cNvPr>
+          <p:cNvSpPr>
+            <a:spLocks noGrp="1"/>
+          </p:cNvSpPr>
+          <p:nvPr>
+            <p:ph type="sldNum" sz="quarter" idx="12"/>
+          </p:nvPr>
+        </p:nvSpPr>
+        <p:spPr/>
+        <p:txBody>
+          <a:bodyPr/>
+          <a:lstStyle/>
+          <a:p>
+            <a:pPr>
+              <a:defRPr/>
+            </a:pPr>
+            <a:r>
+              <a:rPr lang="en-US" dirty="0"/>
+              <a:t>Week3R - </a:t>
+            </a:r>
+            <a:fld id="{2E4790E1-2590-4AEE-892D-AB46A7688113}" type="slidenum">
+              <a:rPr lang="en-US" smtClean="0"/>
+              <a:pPr>
+                <a:defRPr/>
+              </a:pPr>
+              <a:t>5</a:t>
+            </a:fld>
             <a:endParaRPr lang="en-US" dirty="0"/>
           </a:p>
         </p:txBody>
@@ -16939,6 +17642,45 @@
           </a:p>
         </p:txBody>
       </p:sp>
+      <p:sp>
+        <p:nvSpPr>
+          <p:cNvPr id="3" name="Slide Number Placeholder 2">
+            <a:extLst>
+              <a:ext uri="{FF2B5EF4-FFF2-40B4-BE49-F238E27FC236}">
+                <a16:creationId xmlns:a16="http://schemas.microsoft.com/office/drawing/2014/main" id="{9C100D60-340C-73E3-2BF1-03764A1993DA}"/>
+              </a:ext>
+            </a:extLst>
+          </p:cNvPr>
+          <p:cNvSpPr>
+            <a:spLocks noGrp="1"/>
+          </p:cNvSpPr>
+          <p:nvPr>
+            <p:ph type="sldNum" sz="quarter" idx="12"/>
+          </p:nvPr>
+        </p:nvSpPr>
+        <p:spPr/>
+        <p:txBody>
+          <a:bodyPr/>
+          <a:lstStyle/>
+          <a:p>
+            <a:pPr>
+              <a:defRPr/>
+            </a:pPr>
+            <a:r>
+              <a:rPr lang="en-US" dirty="0"/>
+              <a:t>Week3R - </a:t>
+            </a:r>
+            <a:fld id="{2E4790E1-2590-4AEE-892D-AB46A7688113}" type="slidenum">
+              <a:rPr lang="en-US" smtClean="0"/>
+              <a:pPr>
+                <a:defRPr/>
+              </a:pPr>
+              <a:t>6</a:t>
+            </a:fld>
+            <a:endParaRPr lang="en-US" dirty="0"/>
+          </a:p>
+        </p:txBody>
+      </p:sp>
     </p:spTree>
     <p:extLst>
       <p:ext uri="{BB962C8B-B14F-4D97-AF65-F5344CB8AC3E}">
@@ -17572,6 +18314,45 @@
               <a:rPr lang="en-US"/>
               <a:t>CS1010 (AY2023/24 Semester 2)</a:t>
             </a:r>
+            <a:endParaRPr lang="en-US" dirty="0"/>
+          </a:p>
+        </p:txBody>
+      </p:sp>
+      <p:sp>
+        <p:nvSpPr>
+          <p:cNvPr id="3" name="Slide Number Placeholder 2">
+            <a:extLst>
+              <a:ext uri="{FF2B5EF4-FFF2-40B4-BE49-F238E27FC236}">
+                <a16:creationId xmlns:a16="http://schemas.microsoft.com/office/drawing/2014/main" id="{E973F187-712C-97AB-366C-17C2AB5FA29D}"/>
+              </a:ext>
+            </a:extLst>
+          </p:cNvPr>
+          <p:cNvSpPr>
+            <a:spLocks noGrp="1"/>
+          </p:cNvSpPr>
+          <p:nvPr>
+            <p:ph type="sldNum" sz="quarter" idx="12"/>
+          </p:nvPr>
+        </p:nvSpPr>
+        <p:spPr/>
+        <p:txBody>
+          <a:bodyPr/>
+          <a:lstStyle/>
+          <a:p>
+            <a:pPr>
+              <a:defRPr/>
+            </a:pPr>
+            <a:r>
+              <a:rPr lang="en-US" dirty="0"/>
+              <a:t>Week3R - </a:t>
+            </a:r>
+            <a:fld id="{2E4790E1-2590-4AEE-892D-AB46A7688113}" type="slidenum">
+              <a:rPr lang="en-US" smtClean="0"/>
+              <a:pPr>
+                <a:defRPr/>
+              </a:pPr>
+              <a:t>7</a:t>
+            </a:fld>
             <a:endParaRPr lang="en-US" dirty="0"/>
           </a:p>
         </p:txBody>
@@ -18229,6 +19010,45 @@
           </a:p>
         </p:txBody>
       </p:sp>
+      <p:sp>
+        <p:nvSpPr>
+          <p:cNvPr id="3" name="Slide Number Placeholder 2">
+            <a:extLst>
+              <a:ext uri="{FF2B5EF4-FFF2-40B4-BE49-F238E27FC236}">
+                <a16:creationId xmlns:a16="http://schemas.microsoft.com/office/drawing/2014/main" id="{2289870A-E99C-0D18-B0C9-82800E2E917F}"/>
+              </a:ext>
+            </a:extLst>
+          </p:cNvPr>
+          <p:cNvSpPr>
+            <a:spLocks noGrp="1"/>
+          </p:cNvSpPr>
+          <p:nvPr>
+            <p:ph type="sldNum" sz="quarter" idx="12"/>
+          </p:nvPr>
+        </p:nvSpPr>
+        <p:spPr/>
+        <p:txBody>
+          <a:bodyPr/>
+          <a:lstStyle/>
+          <a:p>
+            <a:pPr>
+              <a:defRPr/>
+            </a:pPr>
+            <a:r>
+              <a:rPr lang="en-US" dirty="0"/>
+              <a:t>Week3R - </a:t>
+            </a:r>
+            <a:fld id="{2E4790E1-2590-4AEE-892D-AB46A7688113}" type="slidenum">
+              <a:rPr lang="en-US" smtClean="0"/>
+              <a:pPr>
+                <a:defRPr/>
+              </a:pPr>
+              <a:t>8</a:t>
+            </a:fld>
+            <a:endParaRPr lang="en-US" dirty="0"/>
+          </a:p>
+        </p:txBody>
+      </p:sp>
     </p:spTree>
     <p:extLst>
       <p:ext uri="{BB962C8B-B14F-4D97-AF65-F5344CB8AC3E}">
@@ -19146,6 +19966,45 @@
               <a:rPr lang="en-US"/>
               <a:t>CS1010 (AY2023/24 Semester 2)</a:t>
             </a:r>
+            <a:endParaRPr lang="en-US" dirty="0"/>
+          </a:p>
+        </p:txBody>
+      </p:sp>
+      <p:sp>
+        <p:nvSpPr>
+          <p:cNvPr id="3" name="Slide Number Placeholder 2">
+            <a:extLst>
+              <a:ext uri="{FF2B5EF4-FFF2-40B4-BE49-F238E27FC236}">
+                <a16:creationId xmlns:a16="http://schemas.microsoft.com/office/drawing/2014/main" id="{E0342226-2BC1-78AC-E599-2D6DEFCF035F}"/>
+              </a:ext>
+            </a:extLst>
+          </p:cNvPr>
+          <p:cNvSpPr>
+            <a:spLocks noGrp="1"/>
+          </p:cNvSpPr>
+          <p:nvPr>
+            <p:ph type="sldNum" sz="quarter" idx="12"/>
+          </p:nvPr>
+        </p:nvSpPr>
+        <p:spPr/>
+        <p:txBody>
+          <a:bodyPr/>
+          <a:lstStyle/>
+          <a:p>
+            <a:pPr>
+              <a:defRPr/>
+            </a:pPr>
+            <a:r>
+              <a:rPr lang="en-US" dirty="0"/>
+              <a:t>Week3R - </a:t>
+            </a:r>
+            <a:fld id="{2E4790E1-2590-4AEE-892D-AB46A7688113}" type="slidenum">
+              <a:rPr lang="en-US" smtClean="0"/>
+              <a:pPr>
+                <a:defRPr/>
+              </a:pPr>
+              <a:t>9</a:t>
+            </a:fld>
             <a:endParaRPr lang="en-US" dirty="0"/>
           </a:p>
         </p:txBody>

--- a/slides/Week3_Recap.pptx
+++ b/slides/Week3_Recap.pptx
@@ -188,7 +188,7 @@
 <file path=ppt/revisionInfo.xml><?xml version="1.0" encoding="utf-8"?>
 <p1510:revInfo xmlns:a="http://schemas.openxmlformats.org/drawingml/2006/main" xmlns:r="http://schemas.openxmlformats.org/officeDocument/2006/relationships" xmlns:p1510="http://schemas.microsoft.com/office/powerpoint/2015/10/main">
   <p1510:revLst>
-    <p1510:client id="{5F157F27-C097-42F3-BA4E-21E2C68F73F1}" v="2" dt="2024-02-01T09:40:59.151"/>
+    <p1510:client id="{9F0A109E-F780-4B2E-B1A6-4BA2E72B180A}" v="20" dt="2024-02-06T01:20:45.431"/>
   </p1510:revLst>
 </p1510:revInfo>
 </file>
@@ -587,621 +587,6 @@
     </pc:docChg>
   </pc:docChgLst>
   <pc:docChgLst>
-    <pc:chgData name="Zhao Jin" userId="cd05a825-544c-438a-9ba1-08e63db50b47" providerId="ADAL" clId="{40B02829-7445-394A-990C-032942059FD9}"/>
-    <pc:docChg chg="custSel modSld">
-      <pc:chgData name="Zhao Jin" userId="cd05a825-544c-438a-9ba1-08e63db50b47" providerId="ADAL" clId="{40B02829-7445-394A-990C-032942059FD9}" dt="2021-01-18T05:50:34.611" v="4" actId="478"/>
-      <pc:docMkLst>
-        <pc:docMk/>
-      </pc:docMkLst>
-      <pc:sldChg chg="delSp">
-        <pc:chgData name="Zhao Jin" userId="cd05a825-544c-438a-9ba1-08e63db50b47" providerId="ADAL" clId="{40B02829-7445-394A-990C-032942059FD9}" dt="2021-01-18T05:50:34.611" v="4" actId="478"/>
-        <pc:sldMkLst>
-          <pc:docMk/>
-          <pc:sldMk cId="3871162519" sldId="525"/>
-        </pc:sldMkLst>
-        <pc:spChg chg="del">
-          <ac:chgData name="Zhao Jin" userId="cd05a825-544c-438a-9ba1-08e63db50b47" providerId="ADAL" clId="{40B02829-7445-394A-990C-032942059FD9}" dt="2021-01-18T05:50:34.611" v="4" actId="478"/>
-          <ac:spMkLst>
-            <pc:docMk/>
-            <pc:sldMk cId="3871162519" sldId="525"/>
-            <ac:spMk id="24582" creationId="{00000000-0000-0000-0000-000000000000}"/>
-          </ac:spMkLst>
-        </pc:spChg>
-      </pc:sldChg>
-      <pc:sldChg chg="modSp">
-        <pc:chgData name="Zhao Jin" userId="cd05a825-544c-438a-9ba1-08e63db50b47" providerId="ADAL" clId="{40B02829-7445-394A-990C-032942059FD9}" dt="2021-01-18T05:50:03.685" v="3" actId="122"/>
-        <pc:sldMkLst>
-          <pc:docMk/>
-          <pc:sldMk cId="770306953" sldId="526"/>
-        </pc:sldMkLst>
-        <pc:graphicFrameChg chg="modGraphic">
-          <ac:chgData name="Zhao Jin" userId="cd05a825-544c-438a-9ba1-08e63db50b47" providerId="ADAL" clId="{40B02829-7445-394A-990C-032942059FD9}" dt="2021-01-18T05:50:03.685" v="3" actId="122"/>
-          <ac:graphicFrameMkLst>
-            <pc:docMk/>
-            <pc:sldMk cId="770306953" sldId="526"/>
-            <ac:graphicFrameMk id="7" creationId="{00000000-0000-0000-0000-000000000000}"/>
-          </ac:graphicFrameMkLst>
-        </pc:graphicFrameChg>
-        <pc:graphicFrameChg chg="modGraphic">
-          <ac:chgData name="Zhao Jin" userId="cd05a825-544c-438a-9ba1-08e63db50b47" providerId="ADAL" clId="{40B02829-7445-394A-990C-032942059FD9}" dt="2021-01-18T05:49:57.612" v="2" actId="122"/>
-          <ac:graphicFrameMkLst>
-            <pc:docMk/>
-            <pc:sldMk cId="770306953" sldId="526"/>
-            <ac:graphicFrameMk id="16" creationId="{00000000-0000-0000-0000-000000000000}"/>
-          </ac:graphicFrameMkLst>
-        </pc:graphicFrameChg>
-      </pc:sldChg>
-      <pc:sldChg chg="modAnim">
-        <pc:chgData name="Zhao Jin" userId="cd05a825-544c-438a-9ba1-08e63db50b47" providerId="ADAL" clId="{40B02829-7445-394A-990C-032942059FD9}" dt="2021-01-18T05:49:08.491" v="0"/>
-        <pc:sldMkLst>
-          <pc:docMk/>
-          <pc:sldMk cId="4288789163" sldId="527"/>
-        </pc:sldMkLst>
-      </pc:sldChg>
-    </pc:docChg>
-  </pc:docChgLst>
-  <pc:docChgLst>
-    <pc:chgData name="Zhao Jin" userId="cd05a825-544c-438a-9ba1-08e63db50b47" providerId="ADAL" clId="{A4A0FEF4-5388-4642-A424-D6144C2A9D07}"/>
-    <pc:docChg chg="undo custSel modSld">
-      <pc:chgData name="Zhao Jin" userId="cd05a825-544c-438a-9ba1-08e63db50b47" providerId="ADAL" clId="{A4A0FEF4-5388-4642-A424-D6144C2A9D07}" dt="2021-01-25T03:36:28.487" v="214" actId="20577"/>
-      <pc:docMkLst>
-        <pc:docMk/>
-      </pc:docMkLst>
-      <pc:sldChg chg="delSp modSp">
-        <pc:chgData name="Zhao Jin" userId="cd05a825-544c-438a-9ba1-08e63db50b47" providerId="ADAL" clId="{A4A0FEF4-5388-4642-A424-D6144C2A9D07}" dt="2021-01-25T03:33:46.226" v="179"/>
-        <pc:sldMkLst>
-          <pc:docMk/>
-          <pc:sldMk cId="2543678377" sldId="531"/>
-        </pc:sldMkLst>
-        <pc:spChg chg="mod">
-          <ac:chgData name="Zhao Jin" userId="cd05a825-544c-438a-9ba1-08e63db50b47" providerId="ADAL" clId="{A4A0FEF4-5388-4642-A424-D6144C2A9D07}" dt="2021-01-25T03:30:31.833" v="157" actId="20577"/>
-          <ac:spMkLst>
-            <pc:docMk/>
-            <pc:sldMk cId="2543678377" sldId="531"/>
-            <ac:spMk id="10" creationId="{00000000-0000-0000-0000-000000000000}"/>
-          </ac:spMkLst>
-        </pc:spChg>
-        <pc:spChg chg="mod">
-          <ac:chgData name="Zhao Jin" userId="cd05a825-544c-438a-9ba1-08e63db50b47" providerId="ADAL" clId="{A4A0FEF4-5388-4642-A424-D6144C2A9D07}" dt="2021-01-25T03:33:46.226" v="179"/>
-          <ac:spMkLst>
-            <pc:docMk/>
-            <pc:sldMk cId="2543678377" sldId="531"/>
-            <ac:spMk id="43" creationId="{00000000-0000-0000-0000-000000000000}"/>
-          </ac:spMkLst>
-        </pc:spChg>
-        <pc:spChg chg="del">
-          <ac:chgData name="Zhao Jin" userId="cd05a825-544c-438a-9ba1-08e63db50b47" providerId="ADAL" clId="{A4A0FEF4-5388-4642-A424-D6144C2A9D07}" dt="2021-01-25T03:33:24.782" v="178" actId="478"/>
-          <ac:spMkLst>
-            <pc:docMk/>
-            <pc:sldMk cId="2543678377" sldId="531"/>
-            <ac:spMk id="24582" creationId="{00000000-0000-0000-0000-000000000000}"/>
-          </ac:spMkLst>
-        </pc:spChg>
-      </pc:sldChg>
-      <pc:sldChg chg="delSp modSp">
-        <pc:chgData name="Zhao Jin" userId="cd05a825-544c-438a-9ba1-08e63db50b47" providerId="ADAL" clId="{A4A0FEF4-5388-4642-A424-D6144C2A9D07}" dt="2021-01-25T03:33:46.226" v="179"/>
-        <pc:sldMkLst>
-          <pc:docMk/>
-          <pc:sldMk cId="2025693378" sldId="532"/>
-        </pc:sldMkLst>
-        <pc:spChg chg="mod">
-          <ac:chgData name="Zhao Jin" userId="cd05a825-544c-438a-9ba1-08e63db50b47" providerId="ADAL" clId="{A4A0FEF4-5388-4642-A424-D6144C2A9D07}" dt="2021-01-25T03:33:46.226" v="179"/>
-          <ac:spMkLst>
-            <pc:docMk/>
-            <pc:sldMk cId="2025693378" sldId="532"/>
-            <ac:spMk id="43" creationId="{00000000-0000-0000-0000-000000000000}"/>
-          </ac:spMkLst>
-        </pc:spChg>
-        <pc:spChg chg="del">
-          <ac:chgData name="Zhao Jin" userId="cd05a825-544c-438a-9ba1-08e63db50b47" providerId="ADAL" clId="{A4A0FEF4-5388-4642-A424-D6144C2A9D07}" dt="2021-01-25T03:33:20.558" v="177" actId="478"/>
-          <ac:spMkLst>
-            <pc:docMk/>
-            <pc:sldMk cId="2025693378" sldId="532"/>
-            <ac:spMk id="24582" creationId="{00000000-0000-0000-0000-000000000000}"/>
-          </ac:spMkLst>
-        </pc:spChg>
-      </pc:sldChg>
-      <pc:sldChg chg="delSp modSp">
-        <pc:chgData name="Zhao Jin" userId="cd05a825-544c-438a-9ba1-08e63db50b47" providerId="ADAL" clId="{A4A0FEF4-5388-4642-A424-D6144C2A9D07}" dt="2021-01-25T03:36:13.902" v="213" actId="403"/>
-        <pc:sldMkLst>
-          <pc:docMk/>
-          <pc:sldMk cId="266706937" sldId="533"/>
-        </pc:sldMkLst>
-        <pc:spChg chg="mod">
-          <ac:chgData name="Zhao Jin" userId="cd05a825-544c-438a-9ba1-08e63db50b47" providerId="ADAL" clId="{A4A0FEF4-5388-4642-A424-D6144C2A9D07}" dt="2021-01-25T03:36:09.661" v="211" actId="1036"/>
-          <ac:spMkLst>
-            <pc:docMk/>
-            <pc:sldMk cId="266706937" sldId="533"/>
-            <ac:spMk id="2" creationId="{00000000-0000-0000-0000-000000000000}"/>
-          </ac:spMkLst>
-        </pc:spChg>
-        <pc:spChg chg="mod">
-          <ac:chgData name="Zhao Jin" userId="cd05a825-544c-438a-9ba1-08e63db50b47" providerId="ADAL" clId="{A4A0FEF4-5388-4642-A424-D6144C2A9D07}" dt="2021-01-25T03:36:09.661" v="211" actId="1036"/>
-          <ac:spMkLst>
-            <pc:docMk/>
-            <pc:sldMk cId="266706937" sldId="533"/>
-            <ac:spMk id="9" creationId="{00000000-0000-0000-0000-000000000000}"/>
-          </ac:spMkLst>
-        </pc:spChg>
-        <pc:spChg chg="mod">
-          <ac:chgData name="Zhao Jin" userId="cd05a825-544c-438a-9ba1-08e63db50b47" providerId="ADAL" clId="{A4A0FEF4-5388-4642-A424-D6144C2A9D07}" dt="2021-01-25T03:36:09.661" v="211" actId="1036"/>
-          <ac:spMkLst>
-            <pc:docMk/>
-            <pc:sldMk cId="266706937" sldId="533"/>
-            <ac:spMk id="10" creationId="{00000000-0000-0000-0000-000000000000}"/>
-          </ac:spMkLst>
-        </pc:spChg>
-        <pc:spChg chg="mod">
-          <ac:chgData name="Zhao Jin" userId="cd05a825-544c-438a-9ba1-08e63db50b47" providerId="ADAL" clId="{A4A0FEF4-5388-4642-A424-D6144C2A9D07}" dt="2021-01-25T03:36:09.661" v="211" actId="1036"/>
-          <ac:spMkLst>
-            <pc:docMk/>
-            <pc:sldMk cId="266706937" sldId="533"/>
-            <ac:spMk id="13" creationId="{00000000-0000-0000-0000-000000000000}"/>
-          </ac:spMkLst>
-        </pc:spChg>
-        <pc:spChg chg="mod">
-          <ac:chgData name="Zhao Jin" userId="cd05a825-544c-438a-9ba1-08e63db50b47" providerId="ADAL" clId="{A4A0FEF4-5388-4642-A424-D6144C2A9D07}" dt="2021-01-25T03:36:09.661" v="211" actId="1036"/>
-          <ac:spMkLst>
-            <pc:docMk/>
-            <pc:sldMk cId="266706937" sldId="533"/>
-            <ac:spMk id="14" creationId="{00000000-0000-0000-0000-000000000000}"/>
-          </ac:spMkLst>
-        </pc:spChg>
-        <pc:spChg chg="mod">
-          <ac:chgData name="Zhao Jin" userId="cd05a825-544c-438a-9ba1-08e63db50b47" providerId="ADAL" clId="{A4A0FEF4-5388-4642-A424-D6144C2A9D07}" dt="2021-01-25T03:36:13.902" v="213" actId="403"/>
-          <ac:spMkLst>
-            <pc:docMk/>
-            <pc:sldMk cId="266706937" sldId="533"/>
-            <ac:spMk id="15" creationId="{00000000-0000-0000-0000-000000000000}"/>
-          </ac:spMkLst>
-        </pc:spChg>
-        <pc:spChg chg="mod">
-          <ac:chgData name="Zhao Jin" userId="cd05a825-544c-438a-9ba1-08e63db50b47" providerId="ADAL" clId="{A4A0FEF4-5388-4642-A424-D6144C2A9D07}" dt="2021-01-25T03:36:09.661" v="211" actId="1036"/>
-          <ac:spMkLst>
-            <pc:docMk/>
-            <pc:sldMk cId="266706937" sldId="533"/>
-            <ac:spMk id="16" creationId="{00000000-0000-0000-0000-000000000000}"/>
-          </ac:spMkLst>
-        </pc:spChg>
-        <pc:spChg chg="mod">
-          <ac:chgData name="Zhao Jin" userId="cd05a825-544c-438a-9ba1-08e63db50b47" providerId="ADAL" clId="{A4A0FEF4-5388-4642-A424-D6144C2A9D07}" dt="2021-01-25T03:33:46.226" v="179"/>
-          <ac:spMkLst>
-            <pc:docMk/>
-            <pc:sldMk cId="266706937" sldId="533"/>
-            <ac:spMk id="43" creationId="{00000000-0000-0000-0000-000000000000}"/>
-          </ac:spMkLst>
-        </pc:spChg>
-        <pc:spChg chg="del">
-          <ac:chgData name="Zhao Jin" userId="cd05a825-544c-438a-9ba1-08e63db50b47" providerId="ADAL" clId="{A4A0FEF4-5388-4642-A424-D6144C2A9D07}" dt="2021-01-25T03:33:11.850" v="174" actId="478"/>
-          <ac:spMkLst>
-            <pc:docMk/>
-            <pc:sldMk cId="266706937" sldId="533"/>
-            <ac:spMk id="24582" creationId="{00000000-0000-0000-0000-000000000000}"/>
-          </ac:spMkLst>
-        </pc:spChg>
-        <pc:picChg chg="mod">
-          <ac:chgData name="Zhao Jin" userId="cd05a825-544c-438a-9ba1-08e63db50b47" providerId="ADAL" clId="{A4A0FEF4-5388-4642-A424-D6144C2A9D07}" dt="2021-01-25T03:36:09.661" v="211" actId="1036"/>
-          <ac:picMkLst>
-            <pc:docMk/>
-            <pc:sldMk cId="266706937" sldId="533"/>
-            <ac:picMk id="7" creationId="{00000000-0000-0000-0000-000000000000}"/>
-          </ac:picMkLst>
-        </pc:picChg>
-      </pc:sldChg>
-      <pc:sldChg chg="addSp delSp modSp">
-        <pc:chgData name="Zhao Jin" userId="cd05a825-544c-438a-9ba1-08e63db50b47" providerId="ADAL" clId="{A4A0FEF4-5388-4642-A424-D6144C2A9D07}" dt="2021-01-25T03:36:28.487" v="214" actId="20577"/>
-        <pc:sldMkLst>
-          <pc:docMk/>
-          <pc:sldMk cId="3198948174" sldId="535"/>
-        </pc:sldMkLst>
-        <pc:spChg chg="add mod">
-          <ac:chgData name="Zhao Jin" userId="cd05a825-544c-438a-9ba1-08e63db50b47" providerId="ADAL" clId="{A4A0FEF4-5388-4642-A424-D6144C2A9D07}" dt="2021-01-25T03:31:40.243" v="165" actId="207"/>
-          <ac:spMkLst>
-            <pc:docMk/>
-            <pc:sldMk cId="3198948174" sldId="535"/>
-            <ac:spMk id="2" creationId="{E3422448-94B2-0F4B-AAE6-2DF38C94C92F}"/>
-          </ac:spMkLst>
-        </pc:spChg>
-        <pc:spChg chg="mod">
-          <ac:chgData name="Zhao Jin" userId="cd05a825-544c-438a-9ba1-08e63db50b47" providerId="ADAL" clId="{A4A0FEF4-5388-4642-A424-D6144C2A9D07}" dt="2021-01-25T03:36:28.487" v="214" actId="20577"/>
-          <ac:spMkLst>
-            <pc:docMk/>
-            <pc:sldMk cId="3198948174" sldId="535"/>
-            <ac:spMk id="15" creationId="{00000000-0000-0000-0000-000000000000}"/>
-          </ac:spMkLst>
-        </pc:spChg>
-        <pc:spChg chg="mod">
-          <ac:chgData name="Zhao Jin" userId="cd05a825-544c-438a-9ba1-08e63db50b47" providerId="ADAL" clId="{A4A0FEF4-5388-4642-A424-D6144C2A9D07}" dt="2021-01-25T03:33:46.226" v="179"/>
-          <ac:spMkLst>
-            <pc:docMk/>
-            <pc:sldMk cId="3198948174" sldId="535"/>
-            <ac:spMk id="43" creationId="{00000000-0000-0000-0000-000000000000}"/>
-          </ac:spMkLst>
-        </pc:spChg>
-        <pc:spChg chg="del mod">
-          <ac:chgData name="Zhao Jin" userId="cd05a825-544c-438a-9ba1-08e63db50b47" providerId="ADAL" clId="{A4A0FEF4-5388-4642-A424-D6144C2A9D07}" dt="2021-01-25T03:33:15.399" v="176" actId="478"/>
-          <ac:spMkLst>
-            <pc:docMk/>
-            <pc:sldMk cId="3198948174" sldId="535"/>
-            <ac:spMk id="24582" creationId="{00000000-0000-0000-0000-000000000000}"/>
-          </ac:spMkLst>
-        </pc:spChg>
-      </pc:sldChg>
-    </pc:docChg>
-  </pc:docChgLst>
-  <pc:docChgLst>
-    <pc:chgData name="Zhao Jin" userId="cd05a825-544c-438a-9ba1-08e63db50b47" providerId="ADAL" clId="{39F94C1A-1739-2146-9770-28C6D97CD74A}"/>
-    <pc:docChg chg="undo custSel addSld delSld modSld">
-      <pc:chgData name="Zhao Jin" userId="cd05a825-544c-438a-9ba1-08e63db50b47" providerId="ADAL" clId="{39F94C1A-1739-2146-9770-28C6D97CD74A}" dt="2021-01-27T04:54:28.852" v="864" actId="20577"/>
-      <pc:docMkLst>
-        <pc:docMk/>
-      </pc:docMkLst>
-      <pc:sldChg chg="modSp">
-        <pc:chgData name="Zhao Jin" userId="cd05a825-544c-438a-9ba1-08e63db50b47" providerId="ADAL" clId="{39F94C1A-1739-2146-9770-28C6D97CD74A}" dt="2021-01-27T04:29:55.834" v="1" actId="20577"/>
-        <pc:sldMkLst>
-          <pc:docMk/>
-          <pc:sldMk cId="0" sldId="256"/>
-        </pc:sldMkLst>
-        <pc:spChg chg="mod">
-          <ac:chgData name="Zhao Jin" userId="cd05a825-544c-438a-9ba1-08e63db50b47" providerId="ADAL" clId="{39F94C1A-1739-2146-9770-28C6D97CD74A}" dt="2021-01-27T04:29:55.834" v="1" actId="20577"/>
-          <ac:spMkLst>
-            <pc:docMk/>
-            <pc:sldMk cId="0" sldId="256"/>
-            <ac:spMk id="8" creationId="{00000000-0000-0000-0000-000000000000}"/>
-          </ac:spMkLst>
-        </pc:spChg>
-      </pc:sldChg>
-      <pc:sldChg chg="addSp delSp modSp add delAnim modAnim">
-        <pc:chgData name="Zhao Jin" userId="cd05a825-544c-438a-9ba1-08e63db50b47" providerId="ADAL" clId="{39F94C1A-1739-2146-9770-28C6D97CD74A}" dt="2021-01-27T04:54:22.999" v="862" actId="20577"/>
-        <pc:sldMkLst>
-          <pc:docMk/>
-          <pc:sldMk cId="1492339910" sldId="485"/>
-        </pc:sldMkLst>
-        <pc:spChg chg="del">
-          <ac:chgData name="Zhao Jin" userId="cd05a825-544c-438a-9ba1-08e63db50b47" providerId="ADAL" clId="{39F94C1A-1739-2146-9770-28C6D97CD74A}" dt="2021-01-27T04:43:46.850" v="354" actId="478"/>
-          <ac:spMkLst>
-            <pc:docMk/>
-            <pc:sldMk cId="1492339910" sldId="485"/>
-            <ac:spMk id="4" creationId="{00000000-0000-0000-0000-000000000000}"/>
-          </ac:spMkLst>
-        </pc:spChg>
-        <pc:spChg chg="mod">
-          <ac:chgData name="Zhao Jin" userId="cd05a825-544c-438a-9ba1-08e63db50b47" providerId="ADAL" clId="{39F94C1A-1739-2146-9770-28C6D97CD74A}" dt="2021-01-27T04:47:40.798" v="599"/>
-          <ac:spMkLst>
-            <pc:docMk/>
-            <pc:sldMk cId="1492339910" sldId="485"/>
-            <ac:spMk id="7" creationId="{00000000-0000-0000-0000-000000000000}"/>
-          </ac:spMkLst>
-        </pc:spChg>
-        <pc:spChg chg="mod">
-          <ac:chgData name="Zhao Jin" userId="cd05a825-544c-438a-9ba1-08e63db50b47" providerId="ADAL" clId="{39F94C1A-1739-2146-9770-28C6D97CD74A}" dt="2021-01-27T04:45:34.105" v="467" actId="1035"/>
-          <ac:spMkLst>
-            <pc:docMk/>
-            <pc:sldMk cId="1492339910" sldId="485"/>
-            <ac:spMk id="8" creationId="{00000000-0000-0000-0000-000000000000}"/>
-          </ac:spMkLst>
-        </pc:spChg>
-        <pc:spChg chg="mod">
-          <ac:chgData name="Zhao Jin" userId="cd05a825-544c-438a-9ba1-08e63db50b47" providerId="ADAL" clId="{39F94C1A-1739-2146-9770-28C6D97CD74A}" dt="2021-01-27T04:54:22.999" v="862" actId="20577"/>
-          <ac:spMkLst>
-            <pc:docMk/>
-            <pc:sldMk cId="1492339910" sldId="485"/>
-            <ac:spMk id="9" creationId="{00000000-0000-0000-0000-000000000000}"/>
-          </ac:spMkLst>
-        </pc:spChg>
-        <pc:spChg chg="del">
-          <ac:chgData name="Zhao Jin" userId="cd05a825-544c-438a-9ba1-08e63db50b47" providerId="ADAL" clId="{39F94C1A-1739-2146-9770-28C6D97CD74A}" dt="2021-01-27T04:40:47.295" v="317" actId="478"/>
-          <ac:spMkLst>
-            <pc:docMk/>
-            <pc:sldMk cId="1492339910" sldId="485"/>
-            <ac:spMk id="10" creationId="{00000000-0000-0000-0000-000000000000}"/>
-          </ac:spMkLst>
-        </pc:spChg>
-        <pc:spChg chg="del">
-          <ac:chgData name="Zhao Jin" userId="cd05a825-544c-438a-9ba1-08e63db50b47" providerId="ADAL" clId="{39F94C1A-1739-2146-9770-28C6D97CD74A}" dt="2021-01-27T04:40:45.310" v="316" actId="478"/>
-          <ac:spMkLst>
-            <pc:docMk/>
-            <pc:sldMk cId="1492339910" sldId="485"/>
-            <ac:spMk id="11" creationId="{00000000-0000-0000-0000-000000000000}"/>
-          </ac:spMkLst>
-        </pc:spChg>
-        <pc:spChg chg="del">
-          <ac:chgData name="Zhao Jin" userId="cd05a825-544c-438a-9ba1-08e63db50b47" providerId="ADAL" clId="{39F94C1A-1739-2146-9770-28C6D97CD74A}" dt="2021-01-27T04:40:49.432" v="318" actId="478"/>
-          <ac:spMkLst>
-            <pc:docMk/>
-            <pc:sldMk cId="1492339910" sldId="485"/>
-            <ac:spMk id="12" creationId="{149FB3A4-124F-4FB3-9CA1-6EA45A21DCBC}"/>
-          </ac:spMkLst>
-        </pc:spChg>
-        <pc:spChg chg="del">
-          <ac:chgData name="Zhao Jin" userId="cd05a825-544c-438a-9ba1-08e63db50b47" providerId="ADAL" clId="{39F94C1A-1739-2146-9770-28C6D97CD74A}" dt="2021-01-27T04:40:42.420" v="315" actId="478"/>
-          <ac:spMkLst>
-            <pc:docMk/>
-            <pc:sldMk cId="1492339910" sldId="485"/>
-            <ac:spMk id="13" creationId="{24ED3F77-DB19-42FF-90A5-6260114FAC12}"/>
-          </ac:spMkLst>
-        </pc:spChg>
-        <pc:spChg chg="del">
-          <ac:chgData name="Zhao Jin" userId="cd05a825-544c-438a-9ba1-08e63db50b47" providerId="ADAL" clId="{39F94C1A-1739-2146-9770-28C6D97CD74A}" dt="2021-01-27T04:40:42.420" v="315" actId="478"/>
-          <ac:spMkLst>
-            <pc:docMk/>
-            <pc:sldMk cId="1492339910" sldId="485"/>
-            <ac:spMk id="15" creationId="{F012405B-4106-42E1-B4DD-408829B80978}"/>
-          </ac:spMkLst>
-        </pc:spChg>
-        <pc:spChg chg="add del mod">
-          <ac:chgData name="Zhao Jin" userId="cd05a825-544c-438a-9ba1-08e63db50b47" providerId="ADAL" clId="{39F94C1A-1739-2146-9770-28C6D97CD74A}" dt="2021-01-27T04:45:39.221" v="490" actId="1036"/>
-          <ac:spMkLst>
-            <pc:docMk/>
-            <pc:sldMk cId="1492339910" sldId="485"/>
-            <ac:spMk id="16" creationId="{00000000-0000-0000-0000-000000000000}"/>
-          </ac:spMkLst>
-        </pc:spChg>
-        <pc:spChg chg="add mod">
-          <ac:chgData name="Zhao Jin" userId="cd05a825-544c-438a-9ba1-08e63db50b47" providerId="ADAL" clId="{39F94C1A-1739-2146-9770-28C6D97CD74A}" dt="2021-01-27T04:45:34.105" v="467" actId="1035"/>
-          <ac:spMkLst>
-            <pc:docMk/>
-            <pc:sldMk cId="1492339910" sldId="485"/>
-            <ac:spMk id="17" creationId="{99B30EFD-AC62-A84C-B568-481368C993F1}"/>
-          </ac:spMkLst>
-        </pc:spChg>
-        <pc:spChg chg="add del mod">
-          <ac:chgData name="Zhao Jin" userId="cd05a825-544c-438a-9ba1-08e63db50b47" providerId="ADAL" clId="{39F94C1A-1739-2146-9770-28C6D97CD74A}" dt="2021-01-27T04:47:53.374" v="602" actId="478"/>
-          <ac:spMkLst>
-            <pc:docMk/>
-            <pc:sldMk cId="1492339910" sldId="485"/>
-            <ac:spMk id="18" creationId="{2417973E-165D-694A-AEA8-79D7DFD0B597}"/>
-          </ac:spMkLst>
-        </pc:spChg>
-        <pc:spChg chg="add del mod">
-          <ac:chgData name="Zhao Jin" userId="cd05a825-544c-438a-9ba1-08e63db50b47" providerId="ADAL" clId="{39F94C1A-1739-2146-9770-28C6D97CD74A}" dt="2021-01-27T04:47:50.061" v="601" actId="478"/>
-          <ac:spMkLst>
-            <pc:docMk/>
-            <pc:sldMk cId="1492339910" sldId="485"/>
-            <ac:spMk id="19" creationId="{8282F378-0F90-294F-870B-F2F09C283C5C}"/>
-          </ac:spMkLst>
-        </pc:spChg>
-        <pc:spChg chg="add del">
-          <ac:chgData name="Zhao Jin" userId="cd05a825-544c-438a-9ba1-08e63db50b47" providerId="ADAL" clId="{39F94C1A-1739-2146-9770-28C6D97CD74A}" dt="2021-01-27T04:47:55.456" v="603" actId="478"/>
-          <ac:spMkLst>
-            <pc:docMk/>
-            <pc:sldMk cId="1492339910" sldId="485"/>
-            <ac:spMk id="20" creationId="{2EEE52AF-A282-4447-ABA3-05ADA8145D80}"/>
-          </ac:spMkLst>
-        </pc:spChg>
-        <pc:spChg chg="add">
-          <ac:chgData name="Zhao Jin" userId="cd05a825-544c-438a-9ba1-08e63db50b47" providerId="ADAL" clId="{39F94C1A-1739-2146-9770-28C6D97CD74A}" dt="2021-01-27T04:47:48.014" v="600"/>
-          <ac:spMkLst>
-            <pc:docMk/>
-            <pc:sldMk cId="1492339910" sldId="485"/>
-            <ac:spMk id="21" creationId="{92689133-78A2-474B-8354-D57F493DCCB4}"/>
-          </ac:spMkLst>
-        </pc:spChg>
-        <pc:spChg chg="add mod">
-          <ac:chgData name="Zhao Jin" userId="cd05a825-544c-438a-9ba1-08e63db50b47" providerId="ADAL" clId="{39F94C1A-1739-2146-9770-28C6D97CD74A}" dt="2021-01-27T04:48:08.158" v="649" actId="1038"/>
-          <ac:spMkLst>
-            <pc:docMk/>
-            <pc:sldMk cId="1492339910" sldId="485"/>
-            <ac:spMk id="22" creationId="{7399F68A-414A-A748-8512-49F618250290}"/>
-          </ac:spMkLst>
-        </pc:spChg>
-        <pc:spChg chg="add mod">
-          <ac:chgData name="Zhao Jin" userId="cd05a825-544c-438a-9ba1-08e63db50b47" providerId="ADAL" clId="{39F94C1A-1739-2146-9770-28C6D97CD74A}" dt="2021-01-27T04:48:13.668" v="664" actId="1036"/>
-          <ac:spMkLst>
-            <pc:docMk/>
-            <pc:sldMk cId="1492339910" sldId="485"/>
-            <ac:spMk id="23" creationId="{81265B68-2B22-9A4C-BCC7-9470D59EACF7}"/>
-          </ac:spMkLst>
-        </pc:spChg>
-        <pc:spChg chg="add mod">
-          <ac:chgData name="Zhao Jin" userId="cd05a825-544c-438a-9ba1-08e63db50b47" providerId="ADAL" clId="{39F94C1A-1739-2146-9770-28C6D97CD74A}" dt="2021-01-27T04:48:13.668" v="664" actId="1036"/>
-          <ac:spMkLst>
-            <pc:docMk/>
-            <pc:sldMk cId="1492339910" sldId="485"/>
-            <ac:spMk id="24" creationId="{62E951F5-1D1F-1E41-B308-90593A513B26}"/>
-          </ac:spMkLst>
-        </pc:spChg>
-        <pc:spChg chg="add mod">
-          <ac:chgData name="Zhao Jin" userId="cd05a825-544c-438a-9ba1-08e63db50b47" providerId="ADAL" clId="{39F94C1A-1739-2146-9770-28C6D97CD74A}" dt="2021-01-27T04:48:13.668" v="664" actId="1036"/>
-          <ac:spMkLst>
-            <pc:docMk/>
-            <pc:sldMk cId="1492339910" sldId="485"/>
-            <ac:spMk id="25" creationId="{548C2408-FEF5-6B41-AC1E-821AFC4D9357}"/>
-          </ac:spMkLst>
-        </pc:spChg>
-        <pc:spChg chg="mod">
-          <ac:chgData name="Zhao Jin" userId="cd05a825-544c-438a-9ba1-08e63db50b47" providerId="ADAL" clId="{39F94C1A-1739-2146-9770-28C6D97CD74A}" dt="2021-01-27T04:46:51.615" v="592" actId="207"/>
-          <ac:spMkLst>
-            <pc:docMk/>
-            <pc:sldMk cId="1492339910" sldId="485"/>
-            <ac:spMk id="25602" creationId="{00000000-0000-0000-0000-000000000000}"/>
-          </ac:spMkLst>
-        </pc:spChg>
-      </pc:sldChg>
-      <pc:sldChg chg="addSp delSp modSp add modAnim">
-        <pc:chgData name="Zhao Jin" userId="cd05a825-544c-438a-9ba1-08e63db50b47" providerId="ADAL" clId="{39F94C1A-1739-2146-9770-28C6D97CD74A}" dt="2021-01-27T04:54:02.548" v="843" actId="20577"/>
-        <pc:sldMkLst>
-          <pc:docMk/>
-          <pc:sldMk cId="2775173622" sldId="524"/>
-        </pc:sldMkLst>
-        <pc:spChg chg="add del mod">
-          <ac:chgData name="Zhao Jin" userId="cd05a825-544c-438a-9ba1-08e63db50b47" providerId="ADAL" clId="{39F94C1A-1739-2146-9770-28C6D97CD74A}" dt="2021-01-27T04:53:57.743" v="834"/>
-          <ac:spMkLst>
-            <pc:docMk/>
-            <pc:sldMk cId="2775173622" sldId="524"/>
-            <ac:spMk id="3" creationId="{16229BDB-A02D-3C4E-BA53-DC1711B514A9}"/>
-          </ac:spMkLst>
-        </pc:spChg>
-        <pc:spChg chg="mod">
-          <ac:chgData name="Zhao Jin" userId="cd05a825-544c-438a-9ba1-08e63db50b47" providerId="ADAL" clId="{39F94C1A-1739-2146-9770-28C6D97CD74A}" dt="2021-01-27T04:51:01.708" v="730" actId="207"/>
-          <ac:spMkLst>
-            <pc:docMk/>
-            <pc:sldMk cId="2775173622" sldId="524"/>
-            <ac:spMk id="8" creationId="{00000000-0000-0000-0000-000000000000}"/>
-          </ac:spMkLst>
-        </pc:spChg>
-        <pc:spChg chg="mod">
-          <ac:chgData name="Zhao Jin" userId="cd05a825-544c-438a-9ba1-08e63db50b47" providerId="ADAL" clId="{39F94C1A-1739-2146-9770-28C6D97CD74A}" dt="2021-01-27T04:54:02.548" v="843" actId="20577"/>
-          <ac:spMkLst>
-            <pc:docMk/>
-            <pc:sldMk cId="2775173622" sldId="524"/>
-            <ac:spMk id="9" creationId="{00000000-0000-0000-0000-000000000000}"/>
-          </ac:spMkLst>
-        </pc:spChg>
-      </pc:sldChg>
-      <pc:sldChg chg="add del">
-        <pc:chgData name="Zhao Jin" userId="cd05a825-544c-438a-9ba1-08e63db50b47" providerId="ADAL" clId="{39F94C1A-1739-2146-9770-28C6D97CD74A}" dt="2021-01-27T04:50:24.218" v="666"/>
-        <pc:sldMkLst>
-          <pc:docMk/>
-          <pc:sldMk cId="4023450610" sldId="524"/>
-        </pc:sldMkLst>
-      </pc:sldChg>
-      <pc:sldChg chg="del">
-        <pc:chgData name="Zhao Jin" userId="cd05a825-544c-438a-9ba1-08e63db50b47" providerId="ADAL" clId="{39F94C1A-1739-2146-9770-28C6D97CD74A}" dt="2021-01-27T04:30:02.278" v="7" actId="2696"/>
-        <pc:sldMkLst>
-          <pc:docMk/>
-          <pc:sldMk cId="3871162519" sldId="525"/>
-        </pc:sldMkLst>
-      </pc:sldChg>
-      <pc:sldChg chg="delSp modSp add">
-        <pc:chgData name="Zhao Jin" userId="cd05a825-544c-438a-9ba1-08e63db50b47" providerId="ADAL" clId="{39F94C1A-1739-2146-9770-28C6D97CD74A}" dt="2021-01-27T04:54:28.852" v="864" actId="20577"/>
-        <pc:sldMkLst>
-          <pc:docMk/>
-          <pc:sldMk cId="4078418712" sldId="525"/>
-        </pc:sldMkLst>
-        <pc:spChg chg="mod">
-          <ac:chgData name="Zhao Jin" userId="cd05a825-544c-438a-9ba1-08e63db50b47" providerId="ADAL" clId="{39F94C1A-1739-2146-9770-28C6D97CD74A}" dt="2021-01-27T04:53:25.062" v="831" actId="20577"/>
-          <ac:spMkLst>
-            <pc:docMk/>
-            <pc:sldMk cId="4078418712" sldId="525"/>
-            <ac:spMk id="8" creationId="{00000000-0000-0000-0000-000000000000}"/>
-          </ac:spMkLst>
-        </pc:spChg>
-        <pc:spChg chg="del mod">
-          <ac:chgData name="Zhao Jin" userId="cd05a825-544c-438a-9ba1-08e63db50b47" providerId="ADAL" clId="{39F94C1A-1739-2146-9770-28C6D97CD74A}" dt="2021-01-27T04:52:08.857" v="794" actId="478"/>
-          <ac:spMkLst>
-            <pc:docMk/>
-            <pc:sldMk cId="4078418712" sldId="525"/>
-            <ac:spMk id="11" creationId="{00000000-0000-0000-0000-000000000000}"/>
-          </ac:spMkLst>
-        </pc:spChg>
-        <pc:spChg chg="mod">
-          <ac:chgData name="Zhao Jin" userId="cd05a825-544c-438a-9ba1-08e63db50b47" providerId="ADAL" clId="{39F94C1A-1739-2146-9770-28C6D97CD74A}" dt="2021-01-27T04:54:28.852" v="864" actId="20577"/>
-          <ac:spMkLst>
-            <pc:docMk/>
-            <pc:sldMk cId="4078418712" sldId="525"/>
-            <ac:spMk id="43" creationId="{00000000-0000-0000-0000-000000000000}"/>
-          </ac:spMkLst>
-        </pc:spChg>
-      </pc:sldChg>
-      <pc:sldChg chg="del">
-        <pc:chgData name="Zhao Jin" userId="cd05a825-544c-438a-9ba1-08e63db50b47" providerId="ADAL" clId="{39F94C1A-1739-2146-9770-28C6D97CD74A}" dt="2021-01-27T04:30:02.169" v="2" actId="2696"/>
-        <pc:sldMkLst>
-          <pc:docMk/>
-          <pc:sldMk cId="2543678377" sldId="531"/>
-        </pc:sldMkLst>
-      </pc:sldChg>
-      <pc:sldChg chg="del">
-        <pc:chgData name="Zhao Jin" userId="cd05a825-544c-438a-9ba1-08e63db50b47" providerId="ADAL" clId="{39F94C1A-1739-2146-9770-28C6D97CD74A}" dt="2021-01-27T04:30:02.196" v="3" actId="2696"/>
-        <pc:sldMkLst>
-          <pc:docMk/>
-          <pc:sldMk cId="2025693378" sldId="532"/>
-        </pc:sldMkLst>
-      </pc:sldChg>
-      <pc:sldChg chg="del">
-        <pc:chgData name="Zhao Jin" userId="cd05a825-544c-438a-9ba1-08e63db50b47" providerId="ADAL" clId="{39F94C1A-1739-2146-9770-28C6D97CD74A}" dt="2021-01-27T04:30:02.254" v="5" actId="2696"/>
-        <pc:sldMkLst>
-          <pc:docMk/>
-          <pc:sldMk cId="266706937" sldId="533"/>
-        </pc:sldMkLst>
-      </pc:sldChg>
-      <pc:sldChg chg="del">
-        <pc:chgData name="Zhao Jin" userId="cd05a825-544c-438a-9ba1-08e63db50b47" providerId="ADAL" clId="{39F94C1A-1739-2146-9770-28C6D97CD74A}" dt="2021-01-27T04:30:02.230" v="4" actId="2696"/>
-        <pc:sldMkLst>
-          <pc:docMk/>
-          <pc:sldMk cId="3198948174" sldId="535"/>
-        </pc:sldMkLst>
-      </pc:sldChg>
-      <pc:sldChg chg="del">
-        <pc:chgData name="Zhao Jin" userId="cd05a825-544c-438a-9ba1-08e63db50b47" providerId="ADAL" clId="{39F94C1A-1739-2146-9770-28C6D97CD74A}" dt="2021-01-27T04:30:02.268" v="6" actId="2696"/>
-        <pc:sldMkLst>
-          <pc:docMk/>
-          <pc:sldMk cId="3984392134" sldId="537"/>
-        </pc:sldMkLst>
-      </pc:sldChg>
-      <pc:sldChg chg="modSp add">
-        <pc:chgData name="Zhao Jin" userId="cd05a825-544c-438a-9ba1-08e63db50b47" providerId="ADAL" clId="{39F94C1A-1739-2146-9770-28C6D97CD74A}" dt="2021-01-27T04:54:10.942" v="852" actId="20577"/>
-        <pc:sldMkLst>
-          <pc:docMk/>
-          <pc:sldMk cId="3949125736" sldId="548"/>
-        </pc:sldMkLst>
-        <pc:spChg chg="mod">
-          <ac:chgData name="Zhao Jin" userId="cd05a825-544c-438a-9ba1-08e63db50b47" providerId="ADAL" clId="{39F94C1A-1739-2146-9770-28C6D97CD74A}" dt="2021-01-27T04:54:10.942" v="852" actId="20577"/>
-          <ac:spMkLst>
-            <pc:docMk/>
-            <pc:sldMk cId="3949125736" sldId="548"/>
-            <ac:spMk id="7" creationId="{00000000-0000-0000-0000-000000000000}"/>
-          </ac:spMkLst>
-        </pc:spChg>
-        <pc:spChg chg="mod">
-          <ac:chgData name="Zhao Jin" userId="cd05a825-544c-438a-9ba1-08e63db50b47" providerId="ADAL" clId="{39F94C1A-1739-2146-9770-28C6D97CD74A}" dt="2021-01-27T04:33:45.953" v="38" actId="20577"/>
-          <ac:spMkLst>
-            <pc:docMk/>
-            <pc:sldMk cId="3949125736" sldId="548"/>
-            <ac:spMk id="8" creationId="{00000000-0000-0000-0000-000000000000}"/>
-          </ac:spMkLst>
-        </pc:spChg>
-        <pc:spChg chg="mod">
-          <ac:chgData name="Zhao Jin" userId="cd05a825-544c-438a-9ba1-08e63db50b47" providerId="ADAL" clId="{39F94C1A-1739-2146-9770-28C6D97CD74A}" dt="2021-01-27T04:38:36.338" v="285" actId="5793"/>
-          <ac:spMkLst>
-            <pc:docMk/>
-            <pc:sldMk cId="3949125736" sldId="548"/>
-            <ac:spMk id="9" creationId="{00000000-0000-0000-0000-000000000000}"/>
-          </ac:spMkLst>
-        </pc:spChg>
-        <pc:spChg chg="mod">
-          <ac:chgData name="Zhao Jin" userId="cd05a825-544c-438a-9ba1-08e63db50b47" providerId="ADAL" clId="{39F94C1A-1739-2146-9770-28C6D97CD74A}" dt="2021-01-27T04:38:46.979" v="294" actId="20577"/>
-          <ac:spMkLst>
-            <pc:docMk/>
-            <pc:sldMk cId="3949125736" sldId="548"/>
-            <ac:spMk id="14338" creationId="{00000000-0000-0000-0000-000000000000}"/>
-          </ac:spMkLst>
-        </pc:spChg>
-      </pc:sldChg>
-      <pc:sldChg chg="modSp add">
-        <pc:chgData name="Zhao Jin" userId="cd05a825-544c-438a-9ba1-08e63db50b47" providerId="ADAL" clId="{39F94C1A-1739-2146-9770-28C6D97CD74A}" dt="2021-01-27T04:54:14.716" v="857" actId="20577"/>
-        <pc:sldMkLst>
-          <pc:docMk/>
-          <pc:sldMk cId="2939077141" sldId="549"/>
-        </pc:sldMkLst>
-        <pc:spChg chg="mod">
-          <ac:chgData name="Zhao Jin" userId="cd05a825-544c-438a-9ba1-08e63db50b47" providerId="ADAL" clId="{39F94C1A-1739-2146-9770-28C6D97CD74A}" dt="2021-01-27T04:54:14.716" v="857" actId="20577"/>
-          <ac:spMkLst>
-            <pc:docMk/>
-            <pc:sldMk cId="2939077141" sldId="549"/>
-            <ac:spMk id="7" creationId="{00000000-0000-0000-0000-000000000000}"/>
-          </ac:spMkLst>
-        </pc:spChg>
-        <pc:spChg chg="mod">
-          <ac:chgData name="Zhao Jin" userId="cd05a825-544c-438a-9ba1-08e63db50b47" providerId="ADAL" clId="{39F94C1A-1739-2146-9770-28C6D97CD74A}" dt="2021-01-27T04:39:02.694" v="297" actId="207"/>
-          <ac:spMkLst>
-            <pc:docMk/>
-            <pc:sldMk cId="2939077141" sldId="549"/>
-            <ac:spMk id="9" creationId="{00000000-0000-0000-0000-000000000000}"/>
-          </ac:spMkLst>
-        </pc:spChg>
-        <pc:spChg chg="mod">
-          <ac:chgData name="Zhao Jin" userId="cd05a825-544c-438a-9ba1-08e63db50b47" providerId="ADAL" clId="{39F94C1A-1739-2146-9770-28C6D97CD74A}" dt="2021-01-27T04:38:51.425" v="295"/>
-          <ac:spMkLst>
-            <pc:docMk/>
-            <pc:sldMk cId="2939077141" sldId="549"/>
-            <ac:spMk id="14338" creationId="{00000000-0000-0000-0000-000000000000}"/>
-          </ac:spMkLst>
-        </pc:spChg>
-      </pc:sldChg>
-    </pc:docChg>
-  </pc:docChgLst>
-  <pc:docChgLst>
     <pc:chgData name="Zhao Jin" userId="cd05a825-544c-438a-9ba1-08e63db50b47" providerId="ADAL" clId="{8DFA8DF1-73BB-4426-A5D8-50A2DC5DCD2C}"/>
     <pc:docChg chg="undo custSel modSld">
       <pc:chgData name="Zhao Jin" userId="cd05a825-544c-438a-9ba1-08e63db50b47" providerId="ADAL" clId="{8DFA8DF1-73BB-4426-A5D8-50A2DC5DCD2C}" dt="2021-02-01T03:57:41.268" v="954" actId="14100"/>
@@ -1488,6 +873,231 @@
             <pc:docMk/>
             <pc:sldMk cId="2939077141" sldId="549"/>
             <ac:spMk id="10" creationId="{1850E95F-4DF3-444D-BDF1-AF8F205268DD}"/>
+          </ac:spMkLst>
+        </pc:spChg>
+      </pc:sldChg>
+    </pc:docChg>
+  </pc:docChgLst>
+  <pc:docChgLst>
+    <pc:chgData name="Zhao Jin" userId="cd05a825-544c-438a-9ba1-08e63db50b47" providerId="ADAL" clId="{9F0A109E-F780-4B2E-B1A6-4BA2E72B180A}"/>
+    <pc:docChg chg="undo redo custSel modSld">
+      <pc:chgData name="Zhao Jin" userId="cd05a825-544c-438a-9ba1-08e63db50b47" providerId="ADAL" clId="{9F0A109E-F780-4B2E-B1A6-4BA2E72B180A}" dt="2024-02-06T01:25:20.379" v="403" actId="6549"/>
+      <pc:docMkLst>
+        <pc:docMk/>
+      </pc:docMkLst>
+      <pc:sldChg chg="modSp mod">
+        <pc:chgData name="Zhao Jin" userId="cd05a825-544c-438a-9ba1-08e63db50b47" providerId="ADAL" clId="{9F0A109E-F780-4B2E-B1A6-4BA2E72B180A}" dt="2024-02-06T01:13:11.016" v="161" actId="1076"/>
+        <pc:sldMkLst>
+          <pc:docMk/>
+          <pc:sldMk cId="681224785" sldId="531"/>
+        </pc:sldMkLst>
+        <pc:spChg chg="mod">
+          <ac:chgData name="Zhao Jin" userId="cd05a825-544c-438a-9ba1-08e63db50b47" providerId="ADAL" clId="{9F0A109E-F780-4B2E-B1A6-4BA2E72B180A}" dt="2024-02-06T01:13:04.696" v="160" actId="1076"/>
+          <ac:spMkLst>
+            <pc:docMk/>
+            <pc:sldMk cId="681224785" sldId="531"/>
+            <ac:spMk id="2" creationId="{F138FCEF-4B5F-4863-D7CF-5A5E85DA480E}"/>
+          </ac:spMkLst>
+        </pc:spChg>
+        <pc:spChg chg="mod">
+          <ac:chgData name="Zhao Jin" userId="cd05a825-544c-438a-9ba1-08e63db50b47" providerId="ADAL" clId="{9F0A109E-F780-4B2E-B1A6-4BA2E72B180A}" dt="2024-02-06T01:13:11.016" v="161" actId="1076"/>
+          <ac:spMkLst>
+            <pc:docMk/>
+            <pc:sldMk cId="681224785" sldId="531"/>
+            <ac:spMk id="3" creationId="{30D33DFD-381A-C88E-8D93-0EB967460602}"/>
+          </ac:spMkLst>
+        </pc:spChg>
+        <pc:spChg chg="mod">
+          <ac:chgData name="Zhao Jin" userId="cd05a825-544c-438a-9ba1-08e63db50b47" providerId="ADAL" clId="{9F0A109E-F780-4B2E-B1A6-4BA2E72B180A}" dt="2024-02-06T01:13:04.696" v="160" actId="1076"/>
+          <ac:spMkLst>
+            <pc:docMk/>
+            <pc:sldMk cId="681224785" sldId="531"/>
+            <ac:spMk id="8" creationId="{28132129-8005-4001-8A22-A53D9CDE0963}"/>
+          </ac:spMkLst>
+        </pc:spChg>
+        <pc:spChg chg="mod">
+          <ac:chgData name="Zhao Jin" userId="cd05a825-544c-438a-9ba1-08e63db50b47" providerId="ADAL" clId="{9F0A109E-F780-4B2E-B1A6-4BA2E72B180A}" dt="2024-02-06T01:13:11.016" v="161" actId="1076"/>
+          <ac:spMkLst>
+            <pc:docMk/>
+            <pc:sldMk cId="681224785" sldId="531"/>
+            <ac:spMk id="9" creationId="{44347658-86C5-44EA-871E-3A01CEAC57FD}"/>
+          </ac:spMkLst>
+        </pc:spChg>
+      </pc:sldChg>
+      <pc:sldChg chg="modSp mod">
+        <pc:chgData name="Zhao Jin" userId="cd05a825-544c-438a-9ba1-08e63db50b47" providerId="ADAL" clId="{9F0A109E-F780-4B2E-B1A6-4BA2E72B180A}" dt="2024-02-06T01:20:57.531" v="362" actId="13926"/>
+        <pc:sldMkLst>
+          <pc:docMk/>
+          <pc:sldMk cId="2939077141" sldId="549"/>
+        </pc:sldMkLst>
+        <pc:spChg chg="mod">
+          <ac:chgData name="Zhao Jin" userId="cd05a825-544c-438a-9ba1-08e63db50b47" providerId="ADAL" clId="{9F0A109E-F780-4B2E-B1A6-4BA2E72B180A}" dt="2024-02-06T01:20:57.531" v="362" actId="13926"/>
+          <ac:spMkLst>
+            <pc:docMk/>
+            <pc:sldMk cId="2939077141" sldId="549"/>
+            <ac:spMk id="9" creationId="{00000000-0000-0000-0000-000000000000}"/>
+          </ac:spMkLst>
+        </pc:spChg>
+      </pc:sldChg>
+      <pc:sldChg chg="modSp mod">
+        <pc:chgData name="Zhao Jin" userId="cd05a825-544c-438a-9ba1-08e63db50b47" providerId="ADAL" clId="{9F0A109E-F780-4B2E-B1A6-4BA2E72B180A}" dt="2024-02-06T01:09:01.945" v="21" actId="1076"/>
+        <pc:sldMkLst>
+          <pc:docMk/>
+          <pc:sldMk cId="4227920544" sldId="550"/>
+        </pc:sldMkLst>
+        <pc:spChg chg="mod">
+          <ac:chgData name="Zhao Jin" userId="cd05a825-544c-438a-9ba1-08e63db50b47" providerId="ADAL" clId="{9F0A109E-F780-4B2E-B1A6-4BA2E72B180A}" dt="2024-02-06T01:09:01.945" v="21" actId="1076"/>
+          <ac:spMkLst>
+            <pc:docMk/>
+            <pc:sldMk cId="4227920544" sldId="550"/>
+            <ac:spMk id="4" creationId="{FB9D5E54-274B-0523-3BF3-B10295DA4A86}"/>
+          </ac:spMkLst>
+        </pc:spChg>
+        <pc:spChg chg="mod">
+          <ac:chgData name="Zhao Jin" userId="cd05a825-544c-438a-9ba1-08e63db50b47" providerId="ADAL" clId="{9F0A109E-F780-4B2E-B1A6-4BA2E72B180A}" dt="2024-02-06T01:08:57.735" v="20" actId="1076"/>
+          <ac:spMkLst>
+            <pc:docMk/>
+            <pc:sldMk cId="4227920544" sldId="550"/>
+            <ac:spMk id="5" creationId="{01037D3E-0DAE-9078-4A35-B706884B93E1}"/>
+          </ac:spMkLst>
+        </pc:spChg>
+      </pc:sldChg>
+      <pc:sldChg chg="addSp delSp modSp mod delAnim modAnim">
+        <pc:chgData name="Zhao Jin" userId="cd05a825-544c-438a-9ba1-08e63db50b47" providerId="ADAL" clId="{9F0A109E-F780-4B2E-B1A6-4BA2E72B180A}" dt="2024-02-06T01:14:43.888" v="231" actId="20577"/>
+        <pc:sldMkLst>
+          <pc:docMk/>
+          <pc:sldMk cId="1146460544" sldId="552"/>
+        </pc:sldMkLst>
+        <pc:spChg chg="add mod">
+          <ac:chgData name="Zhao Jin" userId="cd05a825-544c-438a-9ba1-08e63db50b47" providerId="ADAL" clId="{9F0A109E-F780-4B2E-B1A6-4BA2E72B180A}" dt="2024-02-06T01:12:24.583" v="110" actId="1076"/>
+          <ac:spMkLst>
+            <pc:docMk/>
+            <pc:sldMk cId="1146460544" sldId="552"/>
+            <ac:spMk id="4" creationId="{28132129-8005-4001-8A22-A53D9CDE0963}"/>
+          </ac:spMkLst>
+        </pc:spChg>
+        <pc:spChg chg="del">
+          <ac:chgData name="Zhao Jin" userId="cd05a825-544c-438a-9ba1-08e63db50b47" providerId="ADAL" clId="{9F0A109E-F780-4B2E-B1A6-4BA2E72B180A}" dt="2024-02-06T01:12:09.093" v="50" actId="21"/>
+          <ac:spMkLst>
+            <pc:docMk/>
+            <pc:sldMk cId="1146460544" sldId="552"/>
+            <ac:spMk id="8" creationId="{28132129-8005-4001-8A22-A53D9CDE0963}"/>
+          </ac:spMkLst>
+        </pc:spChg>
+        <pc:spChg chg="mod">
+          <ac:chgData name="Zhao Jin" userId="cd05a825-544c-438a-9ba1-08e63db50b47" providerId="ADAL" clId="{9F0A109E-F780-4B2E-B1A6-4BA2E72B180A}" dt="2024-02-06T01:14:43.888" v="231" actId="20577"/>
+          <ac:spMkLst>
+            <pc:docMk/>
+            <pc:sldMk cId="1146460544" sldId="552"/>
+            <ac:spMk id="10" creationId="{00000000-0000-0000-0000-000000000000}"/>
+          </ac:spMkLst>
+        </pc:spChg>
+        <pc:spChg chg="mod">
+          <ac:chgData name="Zhao Jin" userId="cd05a825-544c-438a-9ba1-08e63db50b47" providerId="ADAL" clId="{9F0A109E-F780-4B2E-B1A6-4BA2E72B180A}" dt="2024-02-06T01:12:37.931" v="144" actId="1037"/>
+          <ac:spMkLst>
+            <pc:docMk/>
+            <pc:sldMk cId="1146460544" sldId="552"/>
+            <ac:spMk id="14" creationId="{85D4AA78-1A62-4644-8547-CB4E0AF1E1B4}"/>
+          </ac:spMkLst>
+        </pc:spChg>
+        <pc:picChg chg="add mod">
+          <ac:chgData name="Zhao Jin" userId="cd05a825-544c-438a-9ba1-08e63db50b47" providerId="ADAL" clId="{9F0A109E-F780-4B2E-B1A6-4BA2E72B180A}" dt="2024-02-06T01:12:46.004" v="152" actId="1036"/>
+          <ac:picMkLst>
+            <pc:docMk/>
+            <pc:sldMk cId="1146460544" sldId="552"/>
+            <ac:picMk id="5" creationId="{38311CE1-DDEB-4EA2-89E6-0F3AD4D81411}"/>
+          </ac:picMkLst>
+        </pc:picChg>
+        <pc:picChg chg="mod">
+          <ac:chgData name="Zhao Jin" userId="cd05a825-544c-438a-9ba1-08e63db50b47" providerId="ADAL" clId="{9F0A109E-F780-4B2E-B1A6-4BA2E72B180A}" dt="2024-02-06T01:12:48.337" v="158" actId="1035"/>
+          <ac:picMkLst>
+            <pc:docMk/>
+            <pc:sldMk cId="1146460544" sldId="552"/>
+            <ac:picMk id="16" creationId="{278809FA-B406-4981-9740-F8FEA3DB0FB7}"/>
+          </ac:picMkLst>
+        </pc:picChg>
+        <pc:picChg chg="del">
+          <ac:chgData name="Zhao Jin" userId="cd05a825-544c-438a-9ba1-08e63db50b47" providerId="ADAL" clId="{9F0A109E-F780-4B2E-B1A6-4BA2E72B180A}" dt="2024-02-06T01:12:09.093" v="50" actId="21"/>
+          <ac:picMkLst>
+            <pc:docMk/>
+            <pc:sldMk cId="1146460544" sldId="552"/>
+            <ac:picMk id="17" creationId="{38311CE1-DDEB-4EA2-89E6-0F3AD4D81411}"/>
+          </ac:picMkLst>
+        </pc:picChg>
+      </pc:sldChg>
+      <pc:sldChg chg="addSp delSp modSp mod">
+        <pc:chgData name="Zhao Jin" userId="cd05a825-544c-438a-9ba1-08e63db50b47" providerId="ADAL" clId="{9F0A109E-F780-4B2E-B1A6-4BA2E72B180A}" dt="2024-02-06T01:21:35.092" v="366" actId="20577"/>
+        <pc:sldMkLst>
+          <pc:docMk/>
+          <pc:sldMk cId="222951515" sldId="553"/>
+        </pc:sldMkLst>
+        <pc:spChg chg="add del mod">
+          <ac:chgData name="Zhao Jin" userId="cd05a825-544c-438a-9ba1-08e63db50b47" providerId="ADAL" clId="{9F0A109E-F780-4B2E-B1A6-4BA2E72B180A}" dt="2024-02-06T01:17:41.251" v="305" actId="478"/>
+          <ac:spMkLst>
+            <pc:docMk/>
+            <pc:sldMk cId="222951515" sldId="553"/>
+            <ac:spMk id="4" creationId="{493BD76B-E19F-9C3D-86F8-3538C4D5FD84}"/>
+          </ac:spMkLst>
+        </pc:spChg>
+        <pc:spChg chg="mod">
+          <ac:chgData name="Zhao Jin" userId="cd05a825-544c-438a-9ba1-08e63db50b47" providerId="ADAL" clId="{9F0A109E-F780-4B2E-B1A6-4BA2E72B180A}" dt="2024-02-06T01:21:35.092" v="366" actId="20577"/>
+          <ac:spMkLst>
+            <pc:docMk/>
+            <pc:sldMk cId="222951515" sldId="553"/>
+            <ac:spMk id="9" creationId="{00000000-0000-0000-0000-000000000000}"/>
+          </ac:spMkLst>
+        </pc:spChg>
+      </pc:sldChg>
+      <pc:sldChg chg="modSp mod">
+        <pc:chgData name="Zhao Jin" userId="cd05a825-544c-438a-9ba1-08e63db50b47" providerId="ADAL" clId="{9F0A109E-F780-4B2E-B1A6-4BA2E72B180A}" dt="2024-02-06T01:24:49.902" v="402" actId="207"/>
+        <pc:sldMkLst>
+          <pc:docMk/>
+          <pc:sldMk cId="2043253325" sldId="557"/>
+        </pc:sldMkLst>
+        <pc:spChg chg="mod">
+          <ac:chgData name="Zhao Jin" userId="cd05a825-544c-438a-9ba1-08e63db50b47" providerId="ADAL" clId="{9F0A109E-F780-4B2E-B1A6-4BA2E72B180A}" dt="2024-02-06T01:24:49.902" v="402" actId="207"/>
+          <ac:spMkLst>
+            <pc:docMk/>
+            <pc:sldMk cId="2043253325" sldId="557"/>
+            <ac:spMk id="9" creationId="{00000000-0000-0000-0000-000000000000}"/>
+          </ac:spMkLst>
+        </pc:spChg>
+      </pc:sldChg>
+      <pc:sldChg chg="modSp mod">
+        <pc:chgData name="Zhao Jin" userId="cd05a825-544c-438a-9ba1-08e63db50b47" providerId="ADAL" clId="{9F0A109E-F780-4B2E-B1A6-4BA2E72B180A}" dt="2024-02-06T01:24:27.050" v="401" actId="20577"/>
+        <pc:sldMkLst>
+          <pc:docMk/>
+          <pc:sldMk cId="2893852573" sldId="558"/>
+        </pc:sldMkLst>
+        <pc:spChg chg="mod">
+          <ac:chgData name="Zhao Jin" userId="cd05a825-544c-438a-9ba1-08e63db50b47" providerId="ADAL" clId="{9F0A109E-F780-4B2E-B1A6-4BA2E72B180A}" dt="2024-02-06T01:17:55.088" v="308" actId="404"/>
+          <ac:spMkLst>
+            <pc:docMk/>
+            <pc:sldMk cId="2893852573" sldId="558"/>
+            <ac:spMk id="3" creationId="{09F88C8D-5209-DD3B-6295-FA770574942C}"/>
+          </ac:spMkLst>
+        </pc:spChg>
+        <pc:spChg chg="mod">
+          <ac:chgData name="Zhao Jin" userId="cd05a825-544c-438a-9ba1-08e63db50b47" providerId="ADAL" clId="{9F0A109E-F780-4B2E-B1A6-4BA2E72B180A}" dt="2024-02-06T01:24:27.050" v="401" actId="20577"/>
+          <ac:spMkLst>
+            <pc:docMk/>
+            <pc:sldMk cId="2893852573" sldId="558"/>
+            <ac:spMk id="9" creationId="{00000000-0000-0000-0000-000000000000}"/>
+          </ac:spMkLst>
+        </pc:spChg>
+      </pc:sldChg>
+      <pc:sldChg chg="modSp mod">
+        <pc:chgData name="Zhao Jin" userId="cd05a825-544c-438a-9ba1-08e63db50b47" providerId="ADAL" clId="{9F0A109E-F780-4B2E-B1A6-4BA2E72B180A}" dt="2024-02-06T01:25:20.379" v="403" actId="6549"/>
+        <pc:sldMkLst>
+          <pc:docMk/>
+          <pc:sldMk cId="2199886267" sldId="559"/>
+        </pc:sldMkLst>
+        <pc:spChg chg="mod">
+          <ac:chgData name="Zhao Jin" userId="cd05a825-544c-438a-9ba1-08e63db50b47" providerId="ADAL" clId="{9F0A109E-F780-4B2E-B1A6-4BA2E72B180A}" dt="2024-02-06T01:25:20.379" v="403" actId="6549"/>
+          <ac:spMkLst>
+            <pc:docMk/>
+            <pc:sldMk cId="2199886267" sldId="559"/>
+            <ac:spMk id="9" creationId="{00000000-0000-0000-0000-000000000000}"/>
           </ac:spMkLst>
         </pc:spChg>
       </pc:sldChg>
@@ -2221,6 +1831,621 @@
       </pc:sldChg>
     </pc:docChg>
   </pc:docChgLst>
+  <pc:docChgLst>
+    <pc:chgData name="Zhao Jin" userId="cd05a825-544c-438a-9ba1-08e63db50b47" providerId="ADAL" clId="{40B02829-7445-394A-990C-032942059FD9}"/>
+    <pc:docChg chg="custSel modSld">
+      <pc:chgData name="Zhao Jin" userId="cd05a825-544c-438a-9ba1-08e63db50b47" providerId="ADAL" clId="{40B02829-7445-394A-990C-032942059FD9}" dt="2021-01-18T05:50:34.611" v="4" actId="478"/>
+      <pc:docMkLst>
+        <pc:docMk/>
+      </pc:docMkLst>
+      <pc:sldChg chg="delSp">
+        <pc:chgData name="Zhao Jin" userId="cd05a825-544c-438a-9ba1-08e63db50b47" providerId="ADAL" clId="{40B02829-7445-394A-990C-032942059FD9}" dt="2021-01-18T05:50:34.611" v="4" actId="478"/>
+        <pc:sldMkLst>
+          <pc:docMk/>
+          <pc:sldMk cId="3871162519" sldId="525"/>
+        </pc:sldMkLst>
+        <pc:spChg chg="del">
+          <ac:chgData name="Zhao Jin" userId="cd05a825-544c-438a-9ba1-08e63db50b47" providerId="ADAL" clId="{40B02829-7445-394A-990C-032942059FD9}" dt="2021-01-18T05:50:34.611" v="4" actId="478"/>
+          <ac:spMkLst>
+            <pc:docMk/>
+            <pc:sldMk cId="3871162519" sldId="525"/>
+            <ac:spMk id="24582" creationId="{00000000-0000-0000-0000-000000000000}"/>
+          </ac:spMkLst>
+        </pc:spChg>
+      </pc:sldChg>
+      <pc:sldChg chg="modSp">
+        <pc:chgData name="Zhao Jin" userId="cd05a825-544c-438a-9ba1-08e63db50b47" providerId="ADAL" clId="{40B02829-7445-394A-990C-032942059FD9}" dt="2021-01-18T05:50:03.685" v="3" actId="122"/>
+        <pc:sldMkLst>
+          <pc:docMk/>
+          <pc:sldMk cId="770306953" sldId="526"/>
+        </pc:sldMkLst>
+        <pc:graphicFrameChg chg="modGraphic">
+          <ac:chgData name="Zhao Jin" userId="cd05a825-544c-438a-9ba1-08e63db50b47" providerId="ADAL" clId="{40B02829-7445-394A-990C-032942059FD9}" dt="2021-01-18T05:50:03.685" v="3" actId="122"/>
+          <ac:graphicFrameMkLst>
+            <pc:docMk/>
+            <pc:sldMk cId="770306953" sldId="526"/>
+            <ac:graphicFrameMk id="7" creationId="{00000000-0000-0000-0000-000000000000}"/>
+          </ac:graphicFrameMkLst>
+        </pc:graphicFrameChg>
+        <pc:graphicFrameChg chg="modGraphic">
+          <ac:chgData name="Zhao Jin" userId="cd05a825-544c-438a-9ba1-08e63db50b47" providerId="ADAL" clId="{40B02829-7445-394A-990C-032942059FD9}" dt="2021-01-18T05:49:57.612" v="2" actId="122"/>
+          <ac:graphicFrameMkLst>
+            <pc:docMk/>
+            <pc:sldMk cId="770306953" sldId="526"/>
+            <ac:graphicFrameMk id="16" creationId="{00000000-0000-0000-0000-000000000000}"/>
+          </ac:graphicFrameMkLst>
+        </pc:graphicFrameChg>
+      </pc:sldChg>
+      <pc:sldChg chg="modAnim">
+        <pc:chgData name="Zhao Jin" userId="cd05a825-544c-438a-9ba1-08e63db50b47" providerId="ADAL" clId="{40B02829-7445-394A-990C-032942059FD9}" dt="2021-01-18T05:49:08.491" v="0"/>
+        <pc:sldMkLst>
+          <pc:docMk/>
+          <pc:sldMk cId="4288789163" sldId="527"/>
+        </pc:sldMkLst>
+      </pc:sldChg>
+    </pc:docChg>
+  </pc:docChgLst>
+  <pc:docChgLst>
+    <pc:chgData name="Zhao Jin" userId="cd05a825-544c-438a-9ba1-08e63db50b47" providerId="ADAL" clId="{39F94C1A-1739-2146-9770-28C6D97CD74A}"/>
+    <pc:docChg chg="undo custSel addSld delSld modSld">
+      <pc:chgData name="Zhao Jin" userId="cd05a825-544c-438a-9ba1-08e63db50b47" providerId="ADAL" clId="{39F94C1A-1739-2146-9770-28C6D97CD74A}" dt="2021-01-27T04:54:28.852" v="864" actId="20577"/>
+      <pc:docMkLst>
+        <pc:docMk/>
+      </pc:docMkLst>
+      <pc:sldChg chg="modSp">
+        <pc:chgData name="Zhao Jin" userId="cd05a825-544c-438a-9ba1-08e63db50b47" providerId="ADAL" clId="{39F94C1A-1739-2146-9770-28C6D97CD74A}" dt="2021-01-27T04:29:55.834" v="1" actId="20577"/>
+        <pc:sldMkLst>
+          <pc:docMk/>
+          <pc:sldMk cId="0" sldId="256"/>
+        </pc:sldMkLst>
+        <pc:spChg chg="mod">
+          <ac:chgData name="Zhao Jin" userId="cd05a825-544c-438a-9ba1-08e63db50b47" providerId="ADAL" clId="{39F94C1A-1739-2146-9770-28C6D97CD74A}" dt="2021-01-27T04:29:55.834" v="1" actId="20577"/>
+          <ac:spMkLst>
+            <pc:docMk/>
+            <pc:sldMk cId="0" sldId="256"/>
+            <ac:spMk id="8" creationId="{00000000-0000-0000-0000-000000000000}"/>
+          </ac:spMkLst>
+        </pc:spChg>
+      </pc:sldChg>
+      <pc:sldChg chg="addSp delSp modSp add delAnim modAnim">
+        <pc:chgData name="Zhao Jin" userId="cd05a825-544c-438a-9ba1-08e63db50b47" providerId="ADAL" clId="{39F94C1A-1739-2146-9770-28C6D97CD74A}" dt="2021-01-27T04:54:22.999" v="862" actId="20577"/>
+        <pc:sldMkLst>
+          <pc:docMk/>
+          <pc:sldMk cId="1492339910" sldId="485"/>
+        </pc:sldMkLst>
+        <pc:spChg chg="del">
+          <ac:chgData name="Zhao Jin" userId="cd05a825-544c-438a-9ba1-08e63db50b47" providerId="ADAL" clId="{39F94C1A-1739-2146-9770-28C6D97CD74A}" dt="2021-01-27T04:43:46.850" v="354" actId="478"/>
+          <ac:spMkLst>
+            <pc:docMk/>
+            <pc:sldMk cId="1492339910" sldId="485"/>
+            <ac:spMk id="4" creationId="{00000000-0000-0000-0000-000000000000}"/>
+          </ac:spMkLst>
+        </pc:spChg>
+        <pc:spChg chg="mod">
+          <ac:chgData name="Zhao Jin" userId="cd05a825-544c-438a-9ba1-08e63db50b47" providerId="ADAL" clId="{39F94C1A-1739-2146-9770-28C6D97CD74A}" dt="2021-01-27T04:47:40.798" v="599"/>
+          <ac:spMkLst>
+            <pc:docMk/>
+            <pc:sldMk cId="1492339910" sldId="485"/>
+            <ac:spMk id="7" creationId="{00000000-0000-0000-0000-000000000000}"/>
+          </ac:spMkLst>
+        </pc:spChg>
+        <pc:spChg chg="mod">
+          <ac:chgData name="Zhao Jin" userId="cd05a825-544c-438a-9ba1-08e63db50b47" providerId="ADAL" clId="{39F94C1A-1739-2146-9770-28C6D97CD74A}" dt="2021-01-27T04:45:34.105" v="467" actId="1035"/>
+          <ac:spMkLst>
+            <pc:docMk/>
+            <pc:sldMk cId="1492339910" sldId="485"/>
+            <ac:spMk id="8" creationId="{00000000-0000-0000-0000-000000000000}"/>
+          </ac:spMkLst>
+        </pc:spChg>
+        <pc:spChg chg="mod">
+          <ac:chgData name="Zhao Jin" userId="cd05a825-544c-438a-9ba1-08e63db50b47" providerId="ADAL" clId="{39F94C1A-1739-2146-9770-28C6D97CD74A}" dt="2021-01-27T04:54:22.999" v="862" actId="20577"/>
+          <ac:spMkLst>
+            <pc:docMk/>
+            <pc:sldMk cId="1492339910" sldId="485"/>
+            <ac:spMk id="9" creationId="{00000000-0000-0000-0000-000000000000}"/>
+          </ac:spMkLst>
+        </pc:spChg>
+        <pc:spChg chg="del">
+          <ac:chgData name="Zhao Jin" userId="cd05a825-544c-438a-9ba1-08e63db50b47" providerId="ADAL" clId="{39F94C1A-1739-2146-9770-28C6D97CD74A}" dt="2021-01-27T04:40:47.295" v="317" actId="478"/>
+          <ac:spMkLst>
+            <pc:docMk/>
+            <pc:sldMk cId="1492339910" sldId="485"/>
+            <ac:spMk id="10" creationId="{00000000-0000-0000-0000-000000000000}"/>
+          </ac:spMkLst>
+        </pc:spChg>
+        <pc:spChg chg="del">
+          <ac:chgData name="Zhao Jin" userId="cd05a825-544c-438a-9ba1-08e63db50b47" providerId="ADAL" clId="{39F94C1A-1739-2146-9770-28C6D97CD74A}" dt="2021-01-27T04:40:45.310" v="316" actId="478"/>
+          <ac:spMkLst>
+            <pc:docMk/>
+            <pc:sldMk cId="1492339910" sldId="485"/>
+            <ac:spMk id="11" creationId="{00000000-0000-0000-0000-000000000000}"/>
+          </ac:spMkLst>
+        </pc:spChg>
+        <pc:spChg chg="del">
+          <ac:chgData name="Zhao Jin" userId="cd05a825-544c-438a-9ba1-08e63db50b47" providerId="ADAL" clId="{39F94C1A-1739-2146-9770-28C6D97CD74A}" dt="2021-01-27T04:40:49.432" v="318" actId="478"/>
+          <ac:spMkLst>
+            <pc:docMk/>
+            <pc:sldMk cId="1492339910" sldId="485"/>
+            <ac:spMk id="12" creationId="{149FB3A4-124F-4FB3-9CA1-6EA45A21DCBC}"/>
+          </ac:spMkLst>
+        </pc:spChg>
+        <pc:spChg chg="del">
+          <ac:chgData name="Zhao Jin" userId="cd05a825-544c-438a-9ba1-08e63db50b47" providerId="ADAL" clId="{39F94C1A-1739-2146-9770-28C6D97CD74A}" dt="2021-01-27T04:40:42.420" v="315" actId="478"/>
+          <ac:spMkLst>
+            <pc:docMk/>
+            <pc:sldMk cId="1492339910" sldId="485"/>
+            <ac:spMk id="13" creationId="{24ED3F77-DB19-42FF-90A5-6260114FAC12}"/>
+          </ac:spMkLst>
+        </pc:spChg>
+        <pc:spChg chg="del">
+          <ac:chgData name="Zhao Jin" userId="cd05a825-544c-438a-9ba1-08e63db50b47" providerId="ADAL" clId="{39F94C1A-1739-2146-9770-28C6D97CD74A}" dt="2021-01-27T04:40:42.420" v="315" actId="478"/>
+          <ac:spMkLst>
+            <pc:docMk/>
+            <pc:sldMk cId="1492339910" sldId="485"/>
+            <ac:spMk id="15" creationId="{F012405B-4106-42E1-B4DD-408829B80978}"/>
+          </ac:spMkLst>
+        </pc:spChg>
+        <pc:spChg chg="add del mod">
+          <ac:chgData name="Zhao Jin" userId="cd05a825-544c-438a-9ba1-08e63db50b47" providerId="ADAL" clId="{39F94C1A-1739-2146-9770-28C6D97CD74A}" dt="2021-01-27T04:45:39.221" v="490" actId="1036"/>
+          <ac:spMkLst>
+            <pc:docMk/>
+            <pc:sldMk cId="1492339910" sldId="485"/>
+            <ac:spMk id="16" creationId="{00000000-0000-0000-0000-000000000000}"/>
+          </ac:spMkLst>
+        </pc:spChg>
+        <pc:spChg chg="add mod">
+          <ac:chgData name="Zhao Jin" userId="cd05a825-544c-438a-9ba1-08e63db50b47" providerId="ADAL" clId="{39F94C1A-1739-2146-9770-28C6D97CD74A}" dt="2021-01-27T04:45:34.105" v="467" actId="1035"/>
+          <ac:spMkLst>
+            <pc:docMk/>
+            <pc:sldMk cId="1492339910" sldId="485"/>
+            <ac:spMk id="17" creationId="{99B30EFD-AC62-A84C-B568-481368C993F1}"/>
+          </ac:spMkLst>
+        </pc:spChg>
+        <pc:spChg chg="add del mod">
+          <ac:chgData name="Zhao Jin" userId="cd05a825-544c-438a-9ba1-08e63db50b47" providerId="ADAL" clId="{39F94C1A-1739-2146-9770-28C6D97CD74A}" dt="2021-01-27T04:47:53.374" v="602" actId="478"/>
+          <ac:spMkLst>
+            <pc:docMk/>
+            <pc:sldMk cId="1492339910" sldId="485"/>
+            <ac:spMk id="18" creationId="{2417973E-165D-694A-AEA8-79D7DFD0B597}"/>
+          </ac:spMkLst>
+        </pc:spChg>
+        <pc:spChg chg="add del mod">
+          <ac:chgData name="Zhao Jin" userId="cd05a825-544c-438a-9ba1-08e63db50b47" providerId="ADAL" clId="{39F94C1A-1739-2146-9770-28C6D97CD74A}" dt="2021-01-27T04:47:50.061" v="601" actId="478"/>
+          <ac:spMkLst>
+            <pc:docMk/>
+            <pc:sldMk cId="1492339910" sldId="485"/>
+            <ac:spMk id="19" creationId="{8282F378-0F90-294F-870B-F2F09C283C5C}"/>
+          </ac:spMkLst>
+        </pc:spChg>
+        <pc:spChg chg="add del">
+          <ac:chgData name="Zhao Jin" userId="cd05a825-544c-438a-9ba1-08e63db50b47" providerId="ADAL" clId="{39F94C1A-1739-2146-9770-28C6D97CD74A}" dt="2021-01-27T04:47:55.456" v="603" actId="478"/>
+          <ac:spMkLst>
+            <pc:docMk/>
+            <pc:sldMk cId="1492339910" sldId="485"/>
+            <ac:spMk id="20" creationId="{2EEE52AF-A282-4447-ABA3-05ADA8145D80}"/>
+          </ac:spMkLst>
+        </pc:spChg>
+        <pc:spChg chg="add">
+          <ac:chgData name="Zhao Jin" userId="cd05a825-544c-438a-9ba1-08e63db50b47" providerId="ADAL" clId="{39F94C1A-1739-2146-9770-28C6D97CD74A}" dt="2021-01-27T04:47:48.014" v="600"/>
+          <ac:spMkLst>
+            <pc:docMk/>
+            <pc:sldMk cId="1492339910" sldId="485"/>
+            <ac:spMk id="21" creationId="{92689133-78A2-474B-8354-D57F493DCCB4}"/>
+          </ac:spMkLst>
+        </pc:spChg>
+        <pc:spChg chg="add mod">
+          <ac:chgData name="Zhao Jin" userId="cd05a825-544c-438a-9ba1-08e63db50b47" providerId="ADAL" clId="{39F94C1A-1739-2146-9770-28C6D97CD74A}" dt="2021-01-27T04:48:08.158" v="649" actId="1038"/>
+          <ac:spMkLst>
+            <pc:docMk/>
+            <pc:sldMk cId="1492339910" sldId="485"/>
+            <ac:spMk id="22" creationId="{7399F68A-414A-A748-8512-49F618250290}"/>
+          </ac:spMkLst>
+        </pc:spChg>
+        <pc:spChg chg="add mod">
+          <ac:chgData name="Zhao Jin" userId="cd05a825-544c-438a-9ba1-08e63db50b47" providerId="ADAL" clId="{39F94C1A-1739-2146-9770-28C6D97CD74A}" dt="2021-01-27T04:48:13.668" v="664" actId="1036"/>
+          <ac:spMkLst>
+            <pc:docMk/>
+            <pc:sldMk cId="1492339910" sldId="485"/>
+            <ac:spMk id="23" creationId="{81265B68-2B22-9A4C-BCC7-9470D59EACF7}"/>
+          </ac:spMkLst>
+        </pc:spChg>
+        <pc:spChg chg="add mod">
+          <ac:chgData name="Zhao Jin" userId="cd05a825-544c-438a-9ba1-08e63db50b47" providerId="ADAL" clId="{39F94C1A-1739-2146-9770-28C6D97CD74A}" dt="2021-01-27T04:48:13.668" v="664" actId="1036"/>
+          <ac:spMkLst>
+            <pc:docMk/>
+            <pc:sldMk cId="1492339910" sldId="485"/>
+            <ac:spMk id="24" creationId="{62E951F5-1D1F-1E41-B308-90593A513B26}"/>
+          </ac:spMkLst>
+        </pc:spChg>
+        <pc:spChg chg="add mod">
+          <ac:chgData name="Zhao Jin" userId="cd05a825-544c-438a-9ba1-08e63db50b47" providerId="ADAL" clId="{39F94C1A-1739-2146-9770-28C6D97CD74A}" dt="2021-01-27T04:48:13.668" v="664" actId="1036"/>
+          <ac:spMkLst>
+            <pc:docMk/>
+            <pc:sldMk cId="1492339910" sldId="485"/>
+            <ac:spMk id="25" creationId="{548C2408-FEF5-6B41-AC1E-821AFC4D9357}"/>
+          </ac:spMkLst>
+        </pc:spChg>
+        <pc:spChg chg="mod">
+          <ac:chgData name="Zhao Jin" userId="cd05a825-544c-438a-9ba1-08e63db50b47" providerId="ADAL" clId="{39F94C1A-1739-2146-9770-28C6D97CD74A}" dt="2021-01-27T04:46:51.615" v="592" actId="207"/>
+          <ac:spMkLst>
+            <pc:docMk/>
+            <pc:sldMk cId="1492339910" sldId="485"/>
+            <ac:spMk id="25602" creationId="{00000000-0000-0000-0000-000000000000}"/>
+          </ac:spMkLst>
+        </pc:spChg>
+      </pc:sldChg>
+      <pc:sldChg chg="addSp delSp modSp add modAnim">
+        <pc:chgData name="Zhao Jin" userId="cd05a825-544c-438a-9ba1-08e63db50b47" providerId="ADAL" clId="{39F94C1A-1739-2146-9770-28C6D97CD74A}" dt="2021-01-27T04:54:02.548" v="843" actId="20577"/>
+        <pc:sldMkLst>
+          <pc:docMk/>
+          <pc:sldMk cId="2775173622" sldId="524"/>
+        </pc:sldMkLst>
+        <pc:spChg chg="add del mod">
+          <ac:chgData name="Zhao Jin" userId="cd05a825-544c-438a-9ba1-08e63db50b47" providerId="ADAL" clId="{39F94C1A-1739-2146-9770-28C6D97CD74A}" dt="2021-01-27T04:53:57.743" v="834"/>
+          <ac:spMkLst>
+            <pc:docMk/>
+            <pc:sldMk cId="2775173622" sldId="524"/>
+            <ac:spMk id="3" creationId="{16229BDB-A02D-3C4E-BA53-DC1711B514A9}"/>
+          </ac:spMkLst>
+        </pc:spChg>
+        <pc:spChg chg="mod">
+          <ac:chgData name="Zhao Jin" userId="cd05a825-544c-438a-9ba1-08e63db50b47" providerId="ADAL" clId="{39F94C1A-1739-2146-9770-28C6D97CD74A}" dt="2021-01-27T04:51:01.708" v="730" actId="207"/>
+          <ac:spMkLst>
+            <pc:docMk/>
+            <pc:sldMk cId="2775173622" sldId="524"/>
+            <ac:spMk id="8" creationId="{00000000-0000-0000-0000-000000000000}"/>
+          </ac:spMkLst>
+        </pc:spChg>
+        <pc:spChg chg="mod">
+          <ac:chgData name="Zhao Jin" userId="cd05a825-544c-438a-9ba1-08e63db50b47" providerId="ADAL" clId="{39F94C1A-1739-2146-9770-28C6D97CD74A}" dt="2021-01-27T04:54:02.548" v="843" actId="20577"/>
+          <ac:spMkLst>
+            <pc:docMk/>
+            <pc:sldMk cId="2775173622" sldId="524"/>
+            <ac:spMk id="9" creationId="{00000000-0000-0000-0000-000000000000}"/>
+          </ac:spMkLst>
+        </pc:spChg>
+      </pc:sldChg>
+      <pc:sldChg chg="add del">
+        <pc:chgData name="Zhao Jin" userId="cd05a825-544c-438a-9ba1-08e63db50b47" providerId="ADAL" clId="{39F94C1A-1739-2146-9770-28C6D97CD74A}" dt="2021-01-27T04:50:24.218" v="666"/>
+        <pc:sldMkLst>
+          <pc:docMk/>
+          <pc:sldMk cId="4023450610" sldId="524"/>
+        </pc:sldMkLst>
+      </pc:sldChg>
+      <pc:sldChg chg="del">
+        <pc:chgData name="Zhao Jin" userId="cd05a825-544c-438a-9ba1-08e63db50b47" providerId="ADAL" clId="{39F94C1A-1739-2146-9770-28C6D97CD74A}" dt="2021-01-27T04:30:02.278" v="7" actId="2696"/>
+        <pc:sldMkLst>
+          <pc:docMk/>
+          <pc:sldMk cId="3871162519" sldId="525"/>
+        </pc:sldMkLst>
+      </pc:sldChg>
+      <pc:sldChg chg="delSp modSp add">
+        <pc:chgData name="Zhao Jin" userId="cd05a825-544c-438a-9ba1-08e63db50b47" providerId="ADAL" clId="{39F94C1A-1739-2146-9770-28C6D97CD74A}" dt="2021-01-27T04:54:28.852" v="864" actId="20577"/>
+        <pc:sldMkLst>
+          <pc:docMk/>
+          <pc:sldMk cId="4078418712" sldId="525"/>
+        </pc:sldMkLst>
+        <pc:spChg chg="mod">
+          <ac:chgData name="Zhao Jin" userId="cd05a825-544c-438a-9ba1-08e63db50b47" providerId="ADAL" clId="{39F94C1A-1739-2146-9770-28C6D97CD74A}" dt="2021-01-27T04:53:25.062" v="831" actId="20577"/>
+          <ac:spMkLst>
+            <pc:docMk/>
+            <pc:sldMk cId="4078418712" sldId="525"/>
+            <ac:spMk id="8" creationId="{00000000-0000-0000-0000-000000000000}"/>
+          </ac:spMkLst>
+        </pc:spChg>
+        <pc:spChg chg="del mod">
+          <ac:chgData name="Zhao Jin" userId="cd05a825-544c-438a-9ba1-08e63db50b47" providerId="ADAL" clId="{39F94C1A-1739-2146-9770-28C6D97CD74A}" dt="2021-01-27T04:52:08.857" v="794" actId="478"/>
+          <ac:spMkLst>
+            <pc:docMk/>
+            <pc:sldMk cId="4078418712" sldId="525"/>
+            <ac:spMk id="11" creationId="{00000000-0000-0000-0000-000000000000}"/>
+          </ac:spMkLst>
+        </pc:spChg>
+        <pc:spChg chg="mod">
+          <ac:chgData name="Zhao Jin" userId="cd05a825-544c-438a-9ba1-08e63db50b47" providerId="ADAL" clId="{39F94C1A-1739-2146-9770-28C6D97CD74A}" dt="2021-01-27T04:54:28.852" v="864" actId="20577"/>
+          <ac:spMkLst>
+            <pc:docMk/>
+            <pc:sldMk cId="4078418712" sldId="525"/>
+            <ac:spMk id="43" creationId="{00000000-0000-0000-0000-000000000000}"/>
+          </ac:spMkLst>
+        </pc:spChg>
+      </pc:sldChg>
+      <pc:sldChg chg="del">
+        <pc:chgData name="Zhao Jin" userId="cd05a825-544c-438a-9ba1-08e63db50b47" providerId="ADAL" clId="{39F94C1A-1739-2146-9770-28C6D97CD74A}" dt="2021-01-27T04:30:02.169" v="2" actId="2696"/>
+        <pc:sldMkLst>
+          <pc:docMk/>
+          <pc:sldMk cId="2543678377" sldId="531"/>
+        </pc:sldMkLst>
+      </pc:sldChg>
+      <pc:sldChg chg="del">
+        <pc:chgData name="Zhao Jin" userId="cd05a825-544c-438a-9ba1-08e63db50b47" providerId="ADAL" clId="{39F94C1A-1739-2146-9770-28C6D97CD74A}" dt="2021-01-27T04:30:02.196" v="3" actId="2696"/>
+        <pc:sldMkLst>
+          <pc:docMk/>
+          <pc:sldMk cId="2025693378" sldId="532"/>
+        </pc:sldMkLst>
+      </pc:sldChg>
+      <pc:sldChg chg="del">
+        <pc:chgData name="Zhao Jin" userId="cd05a825-544c-438a-9ba1-08e63db50b47" providerId="ADAL" clId="{39F94C1A-1739-2146-9770-28C6D97CD74A}" dt="2021-01-27T04:30:02.254" v="5" actId="2696"/>
+        <pc:sldMkLst>
+          <pc:docMk/>
+          <pc:sldMk cId="266706937" sldId="533"/>
+        </pc:sldMkLst>
+      </pc:sldChg>
+      <pc:sldChg chg="del">
+        <pc:chgData name="Zhao Jin" userId="cd05a825-544c-438a-9ba1-08e63db50b47" providerId="ADAL" clId="{39F94C1A-1739-2146-9770-28C6D97CD74A}" dt="2021-01-27T04:30:02.230" v="4" actId="2696"/>
+        <pc:sldMkLst>
+          <pc:docMk/>
+          <pc:sldMk cId="3198948174" sldId="535"/>
+        </pc:sldMkLst>
+      </pc:sldChg>
+      <pc:sldChg chg="del">
+        <pc:chgData name="Zhao Jin" userId="cd05a825-544c-438a-9ba1-08e63db50b47" providerId="ADAL" clId="{39F94C1A-1739-2146-9770-28C6D97CD74A}" dt="2021-01-27T04:30:02.268" v="6" actId="2696"/>
+        <pc:sldMkLst>
+          <pc:docMk/>
+          <pc:sldMk cId="3984392134" sldId="537"/>
+        </pc:sldMkLst>
+      </pc:sldChg>
+      <pc:sldChg chg="modSp add">
+        <pc:chgData name="Zhao Jin" userId="cd05a825-544c-438a-9ba1-08e63db50b47" providerId="ADAL" clId="{39F94C1A-1739-2146-9770-28C6D97CD74A}" dt="2021-01-27T04:54:10.942" v="852" actId="20577"/>
+        <pc:sldMkLst>
+          <pc:docMk/>
+          <pc:sldMk cId="3949125736" sldId="548"/>
+        </pc:sldMkLst>
+        <pc:spChg chg="mod">
+          <ac:chgData name="Zhao Jin" userId="cd05a825-544c-438a-9ba1-08e63db50b47" providerId="ADAL" clId="{39F94C1A-1739-2146-9770-28C6D97CD74A}" dt="2021-01-27T04:54:10.942" v="852" actId="20577"/>
+          <ac:spMkLst>
+            <pc:docMk/>
+            <pc:sldMk cId="3949125736" sldId="548"/>
+            <ac:spMk id="7" creationId="{00000000-0000-0000-0000-000000000000}"/>
+          </ac:spMkLst>
+        </pc:spChg>
+        <pc:spChg chg="mod">
+          <ac:chgData name="Zhao Jin" userId="cd05a825-544c-438a-9ba1-08e63db50b47" providerId="ADAL" clId="{39F94C1A-1739-2146-9770-28C6D97CD74A}" dt="2021-01-27T04:33:45.953" v="38" actId="20577"/>
+          <ac:spMkLst>
+            <pc:docMk/>
+            <pc:sldMk cId="3949125736" sldId="548"/>
+            <ac:spMk id="8" creationId="{00000000-0000-0000-0000-000000000000}"/>
+          </ac:spMkLst>
+        </pc:spChg>
+        <pc:spChg chg="mod">
+          <ac:chgData name="Zhao Jin" userId="cd05a825-544c-438a-9ba1-08e63db50b47" providerId="ADAL" clId="{39F94C1A-1739-2146-9770-28C6D97CD74A}" dt="2021-01-27T04:38:36.338" v="285" actId="5793"/>
+          <ac:spMkLst>
+            <pc:docMk/>
+            <pc:sldMk cId="3949125736" sldId="548"/>
+            <ac:spMk id="9" creationId="{00000000-0000-0000-0000-000000000000}"/>
+          </ac:spMkLst>
+        </pc:spChg>
+        <pc:spChg chg="mod">
+          <ac:chgData name="Zhao Jin" userId="cd05a825-544c-438a-9ba1-08e63db50b47" providerId="ADAL" clId="{39F94C1A-1739-2146-9770-28C6D97CD74A}" dt="2021-01-27T04:38:46.979" v="294" actId="20577"/>
+          <ac:spMkLst>
+            <pc:docMk/>
+            <pc:sldMk cId="3949125736" sldId="548"/>
+            <ac:spMk id="14338" creationId="{00000000-0000-0000-0000-000000000000}"/>
+          </ac:spMkLst>
+        </pc:spChg>
+      </pc:sldChg>
+      <pc:sldChg chg="modSp add">
+        <pc:chgData name="Zhao Jin" userId="cd05a825-544c-438a-9ba1-08e63db50b47" providerId="ADAL" clId="{39F94C1A-1739-2146-9770-28C6D97CD74A}" dt="2021-01-27T04:54:14.716" v="857" actId="20577"/>
+        <pc:sldMkLst>
+          <pc:docMk/>
+          <pc:sldMk cId="2939077141" sldId="549"/>
+        </pc:sldMkLst>
+        <pc:spChg chg="mod">
+          <ac:chgData name="Zhao Jin" userId="cd05a825-544c-438a-9ba1-08e63db50b47" providerId="ADAL" clId="{39F94C1A-1739-2146-9770-28C6D97CD74A}" dt="2021-01-27T04:54:14.716" v="857" actId="20577"/>
+          <ac:spMkLst>
+            <pc:docMk/>
+            <pc:sldMk cId="2939077141" sldId="549"/>
+            <ac:spMk id="7" creationId="{00000000-0000-0000-0000-000000000000}"/>
+          </ac:spMkLst>
+        </pc:spChg>
+        <pc:spChg chg="mod">
+          <ac:chgData name="Zhao Jin" userId="cd05a825-544c-438a-9ba1-08e63db50b47" providerId="ADAL" clId="{39F94C1A-1739-2146-9770-28C6D97CD74A}" dt="2021-01-27T04:39:02.694" v="297" actId="207"/>
+          <ac:spMkLst>
+            <pc:docMk/>
+            <pc:sldMk cId="2939077141" sldId="549"/>
+            <ac:spMk id="9" creationId="{00000000-0000-0000-0000-000000000000}"/>
+          </ac:spMkLst>
+        </pc:spChg>
+        <pc:spChg chg="mod">
+          <ac:chgData name="Zhao Jin" userId="cd05a825-544c-438a-9ba1-08e63db50b47" providerId="ADAL" clId="{39F94C1A-1739-2146-9770-28C6D97CD74A}" dt="2021-01-27T04:38:51.425" v="295"/>
+          <ac:spMkLst>
+            <pc:docMk/>
+            <pc:sldMk cId="2939077141" sldId="549"/>
+            <ac:spMk id="14338" creationId="{00000000-0000-0000-0000-000000000000}"/>
+          </ac:spMkLst>
+        </pc:spChg>
+      </pc:sldChg>
+    </pc:docChg>
+  </pc:docChgLst>
+  <pc:docChgLst>
+    <pc:chgData name="Zhao Jin" userId="cd05a825-544c-438a-9ba1-08e63db50b47" providerId="ADAL" clId="{A4A0FEF4-5388-4642-A424-D6144C2A9D07}"/>
+    <pc:docChg chg="undo custSel modSld">
+      <pc:chgData name="Zhao Jin" userId="cd05a825-544c-438a-9ba1-08e63db50b47" providerId="ADAL" clId="{A4A0FEF4-5388-4642-A424-D6144C2A9D07}" dt="2021-01-25T03:36:28.487" v="214" actId="20577"/>
+      <pc:docMkLst>
+        <pc:docMk/>
+      </pc:docMkLst>
+      <pc:sldChg chg="delSp modSp">
+        <pc:chgData name="Zhao Jin" userId="cd05a825-544c-438a-9ba1-08e63db50b47" providerId="ADAL" clId="{A4A0FEF4-5388-4642-A424-D6144C2A9D07}" dt="2021-01-25T03:33:46.226" v="179"/>
+        <pc:sldMkLst>
+          <pc:docMk/>
+          <pc:sldMk cId="2543678377" sldId="531"/>
+        </pc:sldMkLst>
+        <pc:spChg chg="mod">
+          <ac:chgData name="Zhao Jin" userId="cd05a825-544c-438a-9ba1-08e63db50b47" providerId="ADAL" clId="{A4A0FEF4-5388-4642-A424-D6144C2A9D07}" dt="2021-01-25T03:30:31.833" v="157" actId="20577"/>
+          <ac:spMkLst>
+            <pc:docMk/>
+            <pc:sldMk cId="2543678377" sldId="531"/>
+            <ac:spMk id="10" creationId="{00000000-0000-0000-0000-000000000000}"/>
+          </ac:spMkLst>
+        </pc:spChg>
+        <pc:spChg chg="mod">
+          <ac:chgData name="Zhao Jin" userId="cd05a825-544c-438a-9ba1-08e63db50b47" providerId="ADAL" clId="{A4A0FEF4-5388-4642-A424-D6144C2A9D07}" dt="2021-01-25T03:33:46.226" v="179"/>
+          <ac:spMkLst>
+            <pc:docMk/>
+            <pc:sldMk cId="2543678377" sldId="531"/>
+            <ac:spMk id="43" creationId="{00000000-0000-0000-0000-000000000000}"/>
+          </ac:spMkLst>
+        </pc:spChg>
+        <pc:spChg chg="del">
+          <ac:chgData name="Zhao Jin" userId="cd05a825-544c-438a-9ba1-08e63db50b47" providerId="ADAL" clId="{A4A0FEF4-5388-4642-A424-D6144C2A9D07}" dt="2021-01-25T03:33:24.782" v="178" actId="478"/>
+          <ac:spMkLst>
+            <pc:docMk/>
+            <pc:sldMk cId="2543678377" sldId="531"/>
+            <ac:spMk id="24582" creationId="{00000000-0000-0000-0000-000000000000}"/>
+          </ac:spMkLst>
+        </pc:spChg>
+      </pc:sldChg>
+      <pc:sldChg chg="delSp modSp">
+        <pc:chgData name="Zhao Jin" userId="cd05a825-544c-438a-9ba1-08e63db50b47" providerId="ADAL" clId="{A4A0FEF4-5388-4642-A424-D6144C2A9D07}" dt="2021-01-25T03:33:46.226" v="179"/>
+        <pc:sldMkLst>
+          <pc:docMk/>
+          <pc:sldMk cId="2025693378" sldId="532"/>
+        </pc:sldMkLst>
+        <pc:spChg chg="mod">
+          <ac:chgData name="Zhao Jin" userId="cd05a825-544c-438a-9ba1-08e63db50b47" providerId="ADAL" clId="{A4A0FEF4-5388-4642-A424-D6144C2A9D07}" dt="2021-01-25T03:33:46.226" v="179"/>
+          <ac:spMkLst>
+            <pc:docMk/>
+            <pc:sldMk cId="2025693378" sldId="532"/>
+            <ac:spMk id="43" creationId="{00000000-0000-0000-0000-000000000000}"/>
+          </ac:spMkLst>
+        </pc:spChg>
+        <pc:spChg chg="del">
+          <ac:chgData name="Zhao Jin" userId="cd05a825-544c-438a-9ba1-08e63db50b47" providerId="ADAL" clId="{A4A0FEF4-5388-4642-A424-D6144C2A9D07}" dt="2021-01-25T03:33:20.558" v="177" actId="478"/>
+          <ac:spMkLst>
+            <pc:docMk/>
+            <pc:sldMk cId="2025693378" sldId="532"/>
+            <ac:spMk id="24582" creationId="{00000000-0000-0000-0000-000000000000}"/>
+          </ac:spMkLst>
+        </pc:spChg>
+      </pc:sldChg>
+      <pc:sldChg chg="delSp modSp">
+        <pc:chgData name="Zhao Jin" userId="cd05a825-544c-438a-9ba1-08e63db50b47" providerId="ADAL" clId="{A4A0FEF4-5388-4642-A424-D6144C2A9D07}" dt="2021-01-25T03:36:13.902" v="213" actId="403"/>
+        <pc:sldMkLst>
+          <pc:docMk/>
+          <pc:sldMk cId="266706937" sldId="533"/>
+        </pc:sldMkLst>
+        <pc:spChg chg="mod">
+          <ac:chgData name="Zhao Jin" userId="cd05a825-544c-438a-9ba1-08e63db50b47" providerId="ADAL" clId="{A4A0FEF4-5388-4642-A424-D6144C2A9D07}" dt="2021-01-25T03:36:09.661" v="211" actId="1036"/>
+          <ac:spMkLst>
+            <pc:docMk/>
+            <pc:sldMk cId="266706937" sldId="533"/>
+            <ac:spMk id="2" creationId="{00000000-0000-0000-0000-000000000000}"/>
+          </ac:spMkLst>
+        </pc:spChg>
+        <pc:spChg chg="mod">
+          <ac:chgData name="Zhao Jin" userId="cd05a825-544c-438a-9ba1-08e63db50b47" providerId="ADAL" clId="{A4A0FEF4-5388-4642-A424-D6144C2A9D07}" dt="2021-01-25T03:36:09.661" v="211" actId="1036"/>
+          <ac:spMkLst>
+            <pc:docMk/>
+            <pc:sldMk cId="266706937" sldId="533"/>
+            <ac:spMk id="9" creationId="{00000000-0000-0000-0000-000000000000}"/>
+          </ac:spMkLst>
+        </pc:spChg>
+        <pc:spChg chg="mod">
+          <ac:chgData name="Zhao Jin" userId="cd05a825-544c-438a-9ba1-08e63db50b47" providerId="ADAL" clId="{A4A0FEF4-5388-4642-A424-D6144C2A9D07}" dt="2021-01-25T03:36:09.661" v="211" actId="1036"/>
+          <ac:spMkLst>
+            <pc:docMk/>
+            <pc:sldMk cId="266706937" sldId="533"/>
+            <ac:spMk id="10" creationId="{00000000-0000-0000-0000-000000000000}"/>
+          </ac:spMkLst>
+        </pc:spChg>
+        <pc:spChg chg="mod">
+          <ac:chgData name="Zhao Jin" userId="cd05a825-544c-438a-9ba1-08e63db50b47" providerId="ADAL" clId="{A4A0FEF4-5388-4642-A424-D6144C2A9D07}" dt="2021-01-25T03:36:09.661" v="211" actId="1036"/>
+          <ac:spMkLst>
+            <pc:docMk/>
+            <pc:sldMk cId="266706937" sldId="533"/>
+            <ac:spMk id="13" creationId="{00000000-0000-0000-0000-000000000000}"/>
+          </ac:spMkLst>
+        </pc:spChg>
+        <pc:spChg chg="mod">
+          <ac:chgData name="Zhao Jin" userId="cd05a825-544c-438a-9ba1-08e63db50b47" providerId="ADAL" clId="{A4A0FEF4-5388-4642-A424-D6144C2A9D07}" dt="2021-01-25T03:36:09.661" v="211" actId="1036"/>
+          <ac:spMkLst>
+            <pc:docMk/>
+            <pc:sldMk cId="266706937" sldId="533"/>
+            <ac:spMk id="14" creationId="{00000000-0000-0000-0000-000000000000}"/>
+          </ac:spMkLst>
+        </pc:spChg>
+        <pc:spChg chg="mod">
+          <ac:chgData name="Zhao Jin" userId="cd05a825-544c-438a-9ba1-08e63db50b47" providerId="ADAL" clId="{A4A0FEF4-5388-4642-A424-D6144C2A9D07}" dt="2021-01-25T03:36:13.902" v="213" actId="403"/>
+          <ac:spMkLst>
+            <pc:docMk/>
+            <pc:sldMk cId="266706937" sldId="533"/>
+            <ac:spMk id="15" creationId="{00000000-0000-0000-0000-000000000000}"/>
+          </ac:spMkLst>
+        </pc:spChg>
+        <pc:spChg chg="mod">
+          <ac:chgData name="Zhao Jin" userId="cd05a825-544c-438a-9ba1-08e63db50b47" providerId="ADAL" clId="{A4A0FEF4-5388-4642-A424-D6144C2A9D07}" dt="2021-01-25T03:36:09.661" v="211" actId="1036"/>
+          <ac:spMkLst>
+            <pc:docMk/>
+            <pc:sldMk cId="266706937" sldId="533"/>
+            <ac:spMk id="16" creationId="{00000000-0000-0000-0000-000000000000}"/>
+          </ac:spMkLst>
+        </pc:spChg>
+        <pc:spChg chg="mod">
+          <ac:chgData name="Zhao Jin" userId="cd05a825-544c-438a-9ba1-08e63db50b47" providerId="ADAL" clId="{A4A0FEF4-5388-4642-A424-D6144C2A9D07}" dt="2021-01-25T03:33:46.226" v="179"/>
+          <ac:spMkLst>
+            <pc:docMk/>
+            <pc:sldMk cId="266706937" sldId="533"/>
+            <ac:spMk id="43" creationId="{00000000-0000-0000-0000-000000000000}"/>
+          </ac:spMkLst>
+        </pc:spChg>
+        <pc:spChg chg="del">
+          <ac:chgData name="Zhao Jin" userId="cd05a825-544c-438a-9ba1-08e63db50b47" providerId="ADAL" clId="{A4A0FEF4-5388-4642-A424-D6144C2A9D07}" dt="2021-01-25T03:33:11.850" v="174" actId="478"/>
+          <ac:spMkLst>
+            <pc:docMk/>
+            <pc:sldMk cId="266706937" sldId="533"/>
+            <ac:spMk id="24582" creationId="{00000000-0000-0000-0000-000000000000}"/>
+          </ac:spMkLst>
+        </pc:spChg>
+        <pc:picChg chg="mod">
+          <ac:chgData name="Zhao Jin" userId="cd05a825-544c-438a-9ba1-08e63db50b47" providerId="ADAL" clId="{A4A0FEF4-5388-4642-A424-D6144C2A9D07}" dt="2021-01-25T03:36:09.661" v="211" actId="1036"/>
+          <ac:picMkLst>
+            <pc:docMk/>
+            <pc:sldMk cId="266706937" sldId="533"/>
+            <ac:picMk id="7" creationId="{00000000-0000-0000-0000-000000000000}"/>
+          </ac:picMkLst>
+        </pc:picChg>
+      </pc:sldChg>
+      <pc:sldChg chg="addSp delSp modSp">
+        <pc:chgData name="Zhao Jin" userId="cd05a825-544c-438a-9ba1-08e63db50b47" providerId="ADAL" clId="{A4A0FEF4-5388-4642-A424-D6144C2A9D07}" dt="2021-01-25T03:36:28.487" v="214" actId="20577"/>
+        <pc:sldMkLst>
+          <pc:docMk/>
+          <pc:sldMk cId="3198948174" sldId="535"/>
+        </pc:sldMkLst>
+        <pc:spChg chg="add mod">
+          <ac:chgData name="Zhao Jin" userId="cd05a825-544c-438a-9ba1-08e63db50b47" providerId="ADAL" clId="{A4A0FEF4-5388-4642-A424-D6144C2A9D07}" dt="2021-01-25T03:31:40.243" v="165" actId="207"/>
+          <ac:spMkLst>
+            <pc:docMk/>
+            <pc:sldMk cId="3198948174" sldId="535"/>
+            <ac:spMk id="2" creationId="{E3422448-94B2-0F4B-AAE6-2DF38C94C92F}"/>
+          </ac:spMkLst>
+        </pc:spChg>
+        <pc:spChg chg="mod">
+          <ac:chgData name="Zhao Jin" userId="cd05a825-544c-438a-9ba1-08e63db50b47" providerId="ADAL" clId="{A4A0FEF4-5388-4642-A424-D6144C2A9D07}" dt="2021-01-25T03:36:28.487" v="214" actId="20577"/>
+          <ac:spMkLst>
+            <pc:docMk/>
+            <pc:sldMk cId="3198948174" sldId="535"/>
+            <ac:spMk id="15" creationId="{00000000-0000-0000-0000-000000000000}"/>
+          </ac:spMkLst>
+        </pc:spChg>
+        <pc:spChg chg="mod">
+          <ac:chgData name="Zhao Jin" userId="cd05a825-544c-438a-9ba1-08e63db50b47" providerId="ADAL" clId="{A4A0FEF4-5388-4642-A424-D6144C2A9D07}" dt="2021-01-25T03:33:46.226" v="179"/>
+          <ac:spMkLst>
+            <pc:docMk/>
+            <pc:sldMk cId="3198948174" sldId="535"/>
+            <ac:spMk id="43" creationId="{00000000-0000-0000-0000-000000000000}"/>
+          </ac:spMkLst>
+        </pc:spChg>
+        <pc:spChg chg="del mod">
+          <ac:chgData name="Zhao Jin" userId="cd05a825-544c-438a-9ba1-08e63db50b47" providerId="ADAL" clId="{A4A0FEF4-5388-4642-A424-D6144C2A9D07}" dt="2021-01-25T03:33:15.399" v="176" actId="478"/>
+          <ac:spMkLst>
+            <pc:docMk/>
+            <pc:sldMk cId="3198948174" sldId="535"/>
+            <ac:spMk id="24582" creationId="{00000000-0000-0000-0000-000000000000}"/>
+          </ac:spMkLst>
+        </pc:spChg>
+      </pc:sldChg>
+    </pc:docChg>
+  </pc:docChgLst>
 </pc:chgInfo>
 </file>
 
@@ -2698,7 +2923,7 @@
               <a:pPr>
                 <a:defRPr/>
               </a:pPr>
-              <a:t>2/1/2024</a:t>
+              <a:t>2/6/2024</a:t>
             </a:fld>
             <a:endParaRPr lang="en-US"/>
           </a:p>
@@ -8418,7 +8643,7 @@
         <p:spPr>
           <a:xfrm>
             <a:off x="702051" y="1279562"/>
-            <a:ext cx="8213349" cy="4247317"/>
+            <a:ext cx="8213349" cy="5355312"/>
           </a:xfrm>
           <a:prstGeom prst="rect">
             <a:avLst/>
@@ -8524,12 +8749,12 @@
             <a:r>
               <a:rPr lang="en-US" b="1" dirty="0">
                 <a:solidFill>
-                  <a:srgbClr val="006600"/>
-                </a:solidFill>
-                <a:latin typeface="Courier New" panose="02070309020205020404" pitchFamily="49" charset="0"/>
-                <a:cs typeface="Courier New" panose="02070309020205020404" pitchFamily="49" charset="0"/>
-              </a:rPr>
-              <a:t>#include "cs1010.h"</a:t>
+                  <a:schemeClr val="tx1"/>
+                </a:solidFill>
+                <a:latin typeface="Courier New" panose="02070309020205020404" pitchFamily="49" charset="0"/>
+                <a:cs typeface="Courier New" panose="02070309020205020404" pitchFamily="49" charset="0"/>
+              </a:rPr>
+              <a:t>…</a:t>
             </a:r>
           </a:p>
           <a:p>
@@ -8542,13 +8767,97 @@
                 <a:tab pos="1712913" algn="l"/>
               </a:tabLst>
             </a:pPr>
-            <a:endParaRPr lang="en-US" b="1" dirty="0">
-              <a:solidFill>
-                <a:srgbClr val="006600"/>
-              </a:solidFill>
-              <a:latin typeface="Courier New" panose="02070309020205020404" pitchFamily="49" charset="0"/>
-              <a:cs typeface="Courier New" panose="02070309020205020404" pitchFamily="49" charset="0"/>
-            </a:endParaRPr>
+            <a:r>
+              <a:rPr lang="en-US" b="1" dirty="0">
+                <a:solidFill>
+                  <a:srgbClr val="0000FF"/>
+                </a:solidFill>
+                <a:highlight>
+                  <a:srgbClr val="FFFF00"/>
+                </a:highlight>
+                <a:latin typeface="Courier New" panose="02070309020205020404" pitchFamily="49" charset="0"/>
+                <a:cs typeface="Courier New" panose="02070309020205020404" pitchFamily="49" charset="0"/>
+              </a:rPr>
+              <a:t>long</a:t>
+            </a:r>
+            <a:r>
+              <a:rPr lang="en-US" b="1" dirty="0">
+                <a:solidFill>
+                  <a:srgbClr val="006600"/>
+                </a:solidFill>
+                <a:highlight>
+                  <a:srgbClr val="FFFF00"/>
+                </a:highlight>
+                <a:latin typeface="Courier New" panose="02070309020205020404" pitchFamily="49" charset="0"/>
+                <a:cs typeface="Courier New" panose="02070309020205020404" pitchFamily="49" charset="0"/>
+              </a:rPr>
+              <a:t> </a:t>
+            </a:r>
+            <a:r>
+              <a:rPr lang="en-US" b="1" dirty="0">
+                <a:solidFill>
+                  <a:schemeClr val="tx1"/>
+                </a:solidFill>
+                <a:highlight>
+                  <a:srgbClr val="FFFF00"/>
+                </a:highlight>
+                <a:latin typeface="Courier New" panose="02070309020205020404" pitchFamily="49" charset="0"/>
+                <a:cs typeface="Courier New" panose="02070309020205020404" pitchFamily="49" charset="0"/>
+              </a:rPr>
+              <a:t>square</a:t>
+            </a:r>
+            <a:r>
+              <a:rPr lang="en-US" b="1" dirty="0">
+                <a:solidFill>
+                  <a:srgbClr val="006600"/>
+                </a:solidFill>
+                <a:highlight>
+                  <a:srgbClr val="FFFF00"/>
+                </a:highlight>
+                <a:latin typeface="Courier New" panose="02070309020205020404" pitchFamily="49" charset="0"/>
+                <a:cs typeface="Courier New" panose="02070309020205020404" pitchFamily="49" charset="0"/>
+              </a:rPr>
+              <a:t>(</a:t>
+            </a:r>
+            <a:r>
+              <a:rPr lang="en-US" b="1" dirty="0">
+                <a:solidFill>
+                  <a:srgbClr val="0000FF"/>
+                </a:solidFill>
+                <a:highlight>
+                  <a:srgbClr val="FFFF00"/>
+                </a:highlight>
+                <a:latin typeface="Courier New" panose="02070309020205020404" pitchFamily="49" charset="0"/>
+                <a:cs typeface="Courier New" panose="02070309020205020404" pitchFamily="49" charset="0"/>
+              </a:rPr>
+              <a:t>long</a:t>
+            </a:r>
+            <a:r>
+              <a:rPr lang="en-US" b="1" dirty="0">
+                <a:solidFill>
+                  <a:srgbClr val="006600"/>
+                </a:solidFill>
+                <a:highlight>
+                  <a:srgbClr val="FFFF00"/>
+                </a:highlight>
+                <a:latin typeface="Courier New" panose="02070309020205020404" pitchFamily="49" charset="0"/>
+                <a:cs typeface="Courier New" panose="02070309020205020404" pitchFamily="49" charset="0"/>
+              </a:rPr>
+              <a:t> </a:t>
+            </a:r>
+            <a:r>
+              <a:rPr lang="en-US" b="1" dirty="0">
+                <a:solidFill>
+                  <a:schemeClr val="tx1"/>
+                </a:solidFill>
+                <a:highlight>
+                  <a:srgbClr val="FFFF00"/>
+                </a:highlight>
+                <a:latin typeface="Courier New" panose="02070309020205020404" pitchFamily="49" charset="0"/>
+                <a:cs typeface="Courier New" panose="02070309020205020404" pitchFamily="49" charset="0"/>
+              </a:rPr>
+              <a:t>x);</a:t>
+            </a:r>
           </a:p>
           <a:p>
             <a:pPr>
@@ -8563,93 +8872,12 @@
             <a:r>
               <a:rPr lang="en-US" b="1" dirty="0">
                 <a:solidFill>
-                  <a:srgbClr val="0000FF"/>
-                </a:solidFill>
-                <a:highlight>
-                  <a:srgbClr val="FFFF00"/>
-                </a:highlight>
-                <a:latin typeface="Courier New" panose="02070309020205020404" pitchFamily="49" charset="0"/>
-                <a:cs typeface="Courier New" panose="02070309020205020404" pitchFamily="49" charset="0"/>
-              </a:rPr>
-              <a:t>long</a:t>
-            </a:r>
-            <a:r>
-              <a:rPr lang="en-US" b="1" dirty="0">
-                <a:solidFill>
-                  <a:srgbClr val="006600"/>
-                </a:solidFill>
-                <a:highlight>
-                  <a:srgbClr val="FFFF00"/>
-                </a:highlight>
-                <a:latin typeface="Courier New" panose="02070309020205020404" pitchFamily="49" charset="0"/>
-                <a:cs typeface="Courier New" panose="02070309020205020404" pitchFamily="49" charset="0"/>
-              </a:rPr>
-              <a:t> </a:t>
-            </a:r>
-            <a:r>
-              <a:rPr lang="en-US" b="1" dirty="0">
-                <a:solidFill>
                   <a:schemeClr val="tx1"/>
                 </a:solidFill>
-                <a:highlight>
-                  <a:srgbClr val="FFFF00"/>
-                </a:highlight>
-                <a:latin typeface="Courier New" panose="02070309020205020404" pitchFamily="49" charset="0"/>
-                <a:cs typeface="Courier New" panose="02070309020205020404" pitchFamily="49" charset="0"/>
-              </a:rPr>
-              <a:t>square</a:t>
-            </a:r>
-            <a:r>
-              <a:rPr lang="en-US" b="1" dirty="0">
-                <a:solidFill>
-                  <a:srgbClr val="006600"/>
-                </a:solidFill>
-                <a:highlight>
-                  <a:srgbClr val="FFFF00"/>
-                </a:highlight>
-                <a:latin typeface="Courier New" panose="02070309020205020404" pitchFamily="49" charset="0"/>
-                <a:cs typeface="Courier New" panose="02070309020205020404" pitchFamily="49" charset="0"/>
-              </a:rPr>
-              <a:t>(</a:t>
-            </a:r>
-            <a:r>
-              <a:rPr lang="en-US" b="1" dirty="0">
-                <a:solidFill>
-                  <a:srgbClr val="0000FF"/>
-                </a:solidFill>
-                <a:highlight>
-                  <a:srgbClr val="FFFF00"/>
-                </a:highlight>
-                <a:latin typeface="Courier New" panose="02070309020205020404" pitchFamily="49" charset="0"/>
-                <a:cs typeface="Courier New" panose="02070309020205020404" pitchFamily="49" charset="0"/>
-              </a:rPr>
-              <a:t>long</a:t>
-            </a:r>
-            <a:r>
-              <a:rPr lang="en-US" b="1" dirty="0">
-                <a:solidFill>
-                  <a:srgbClr val="006600"/>
-                </a:solidFill>
-                <a:highlight>
-                  <a:srgbClr val="FFFF00"/>
-                </a:highlight>
-                <a:latin typeface="Courier New" panose="02070309020205020404" pitchFamily="49" charset="0"/>
-                <a:cs typeface="Courier New" panose="02070309020205020404" pitchFamily="49" charset="0"/>
-              </a:rPr>
-              <a:t> </a:t>
-            </a:r>
-            <a:r>
-              <a:rPr lang="en-US" b="1" dirty="0">
-                <a:solidFill>
-                  <a:schemeClr val="tx1"/>
-                </a:solidFill>
-                <a:highlight>
-                  <a:srgbClr val="FFFF00"/>
-                </a:highlight>
-                <a:latin typeface="Courier New" panose="02070309020205020404" pitchFamily="49" charset="0"/>
-                <a:cs typeface="Courier New" panose="02070309020205020404" pitchFamily="49" charset="0"/>
-              </a:rPr>
-              <a:t>x);</a:t>
+                <a:latin typeface="Courier New" panose="02070309020205020404" pitchFamily="49" charset="0"/>
+                <a:cs typeface="Courier New" panose="02070309020205020404" pitchFamily="49" charset="0"/>
+              </a:rPr>
+              <a:t>…</a:t>
             </a:r>
           </a:p>
           <a:p>
@@ -8662,16 +8890,13 @@
                 <a:tab pos="1712913" algn="l"/>
               </a:tabLst>
             </a:pPr>
-            <a:r>
-              <a:rPr lang="en-US" b="1" dirty="0">
-                <a:solidFill>
-                  <a:schemeClr val="tx1"/>
-                </a:solidFill>
-                <a:latin typeface="Courier New" panose="02070309020205020404" pitchFamily="49" charset="0"/>
-                <a:cs typeface="Courier New" panose="02070309020205020404" pitchFamily="49" charset="0"/>
-              </a:rPr>
-              <a:t>…</a:t>
-            </a:r>
+            <a:endParaRPr lang="en-US" b="1" dirty="0">
+              <a:solidFill>
+                <a:schemeClr val="tx1"/>
+              </a:solidFill>
+              <a:latin typeface="Courier New" panose="02070309020205020404" pitchFamily="49" charset="0"/>
+              <a:cs typeface="Courier New" panose="02070309020205020404" pitchFamily="49" charset="0"/>
+            </a:endParaRPr>
           </a:p>
           <a:p>
             <a:pPr>
@@ -8683,13 +8908,26 @@
                 <a:tab pos="1712913" algn="l"/>
               </a:tabLst>
             </a:pPr>
-            <a:endParaRPr lang="en-US" b="1" dirty="0">
-              <a:solidFill>
-                <a:schemeClr val="tx1"/>
-              </a:solidFill>
-              <a:latin typeface="Courier New" panose="02070309020205020404" pitchFamily="49" charset="0"/>
-              <a:cs typeface="Courier New" panose="02070309020205020404" pitchFamily="49" charset="0"/>
-            </a:endParaRPr>
+            <a:r>
+              <a:rPr lang="en-US" b="1" dirty="0">
+                <a:solidFill>
+                  <a:srgbClr val="0000FF"/>
+                </a:solidFill>
+                <a:latin typeface="Courier New" panose="02070309020205020404" pitchFamily="49" charset="0"/>
+                <a:cs typeface="Courier New" panose="02070309020205020404" pitchFamily="49" charset="0"/>
+              </a:rPr>
+              <a:t>int</a:t>
+            </a:r>
+            <a:r>
+              <a:rPr lang="en-US" b="1" dirty="0">
+                <a:solidFill>
+                  <a:schemeClr val="tx1"/>
+                </a:solidFill>
+                <a:latin typeface="Courier New" panose="02070309020205020404" pitchFamily="49" charset="0"/>
+                <a:cs typeface="Courier New" panose="02070309020205020404" pitchFamily="49" charset="0"/>
+              </a:rPr>
+              <a:t> main()</a:t>
+            </a:r>
           </a:p>
           <a:p>
             <a:pPr>
@@ -8702,16 +8940,6 @@
               </a:tabLst>
             </a:pPr>
             <a:r>
-              <a:rPr lang="en-US" b="1" dirty="0" err="1">
-                <a:solidFill>
-                  <a:srgbClr val="0000FF"/>
-                </a:solidFill>
-                <a:latin typeface="Courier New" panose="02070309020205020404" pitchFamily="49" charset="0"/>
-                <a:cs typeface="Courier New" panose="02070309020205020404" pitchFamily="49" charset="0"/>
-              </a:rPr>
-              <a:t>int</a:t>
-            </a:r>
-            <a:r>
               <a:rPr lang="en-US" b="1" dirty="0">
                 <a:solidFill>
                   <a:schemeClr val="tx1"/>
@@ -8719,7 +8947,7 @@
                 <a:latin typeface="Courier New" panose="02070309020205020404" pitchFamily="49" charset="0"/>
                 <a:cs typeface="Courier New" panose="02070309020205020404" pitchFamily="49" charset="0"/>
               </a:rPr>
-              <a:t> main()</a:t>
+              <a:t>{</a:t>
             </a:r>
           </a:p>
           <a:p>
@@ -8740,7 +8968,7 @@
                 <a:latin typeface="Courier New" panose="02070309020205020404" pitchFamily="49" charset="0"/>
                 <a:cs typeface="Courier New" panose="02070309020205020404" pitchFamily="49" charset="0"/>
               </a:rPr>
-              <a:t>{</a:t>
+              <a:t>  …</a:t>
             </a:r>
           </a:p>
           <a:p>
@@ -8761,7 +8989,7 @@
                 <a:latin typeface="Courier New" panose="02070309020205020404" pitchFamily="49" charset="0"/>
                 <a:cs typeface="Courier New" panose="02070309020205020404" pitchFamily="49" charset="0"/>
               </a:rPr>
-              <a:t>  …</a:t>
+              <a:t>}</a:t>
             </a:r>
           </a:p>
           <a:p>
@@ -8774,16 +9002,13 @@
                 <a:tab pos="1712913" algn="l"/>
               </a:tabLst>
             </a:pPr>
-            <a:r>
-              <a:rPr lang="en-US" b="1" dirty="0">
-                <a:solidFill>
-                  <a:schemeClr val="tx1"/>
-                </a:solidFill>
-                <a:latin typeface="Courier New" panose="02070309020205020404" pitchFamily="49" charset="0"/>
-                <a:cs typeface="Courier New" panose="02070309020205020404" pitchFamily="49" charset="0"/>
-              </a:rPr>
-              <a:t>}</a:t>
-            </a:r>
+            <a:endParaRPr lang="en-US" b="1" dirty="0">
+              <a:solidFill>
+                <a:schemeClr val="tx1"/>
+              </a:solidFill>
+              <a:latin typeface="Courier New" panose="02070309020205020404" pitchFamily="49" charset="0"/>
+              <a:cs typeface="Courier New" panose="02070309020205020404" pitchFamily="49" charset="0"/>
+            </a:endParaRPr>
           </a:p>
           <a:p>
             <a:pPr>
@@ -8795,13 +9020,40 @@
                 <a:tab pos="1712913" algn="l"/>
               </a:tabLst>
             </a:pPr>
-            <a:endParaRPr lang="en-US" b="1" dirty="0">
-              <a:solidFill>
-                <a:schemeClr val="tx1"/>
-              </a:solidFill>
-              <a:latin typeface="Courier New" panose="02070309020205020404" pitchFamily="49" charset="0"/>
-              <a:cs typeface="Courier New" panose="02070309020205020404" pitchFamily="49" charset="0"/>
-            </a:endParaRPr>
+            <a:r>
+              <a:rPr lang="en-SG" b="1" dirty="0">
+                <a:solidFill>
+                  <a:srgbClr val="0000FF"/>
+                </a:solidFill>
+                <a:latin typeface="Courier New" panose="02070309020205020404" pitchFamily="49" charset="0"/>
+                <a:cs typeface="Courier New" panose="02070309020205020404" pitchFamily="49" charset="0"/>
+              </a:rPr>
+              <a:t>double</a:t>
+            </a:r>
+            <a:r>
+              <a:rPr lang="en-SG" b="1" dirty="0">
+                <a:latin typeface="Courier New" panose="02070309020205020404" pitchFamily="49" charset="0"/>
+                <a:cs typeface="Courier New" panose="02070309020205020404" pitchFamily="49" charset="0"/>
+              </a:rPr>
+              <a:t> square(</a:t>
+            </a:r>
+            <a:r>
+              <a:rPr lang="en-SG" b="1" dirty="0">
+                <a:solidFill>
+                  <a:srgbClr val="0000FF"/>
+                </a:solidFill>
+                <a:latin typeface="Courier New" panose="02070309020205020404" pitchFamily="49" charset="0"/>
+                <a:cs typeface="Courier New" panose="02070309020205020404" pitchFamily="49" charset="0"/>
+              </a:rPr>
+              <a:t>long</a:t>
+            </a:r>
+            <a:r>
+              <a:rPr lang="en-SG" b="1" dirty="0">
+                <a:latin typeface="Courier New" panose="02070309020205020404" pitchFamily="49" charset="0"/>
+                <a:cs typeface="Courier New" panose="02070309020205020404" pitchFamily="49" charset="0"/>
+              </a:rPr>
+              <a:t> x) </a:t>
+            </a:r>
           </a:p>
           <a:p>
             <a:pPr>
@@ -8815,68 +9067,10 @@
             </a:pPr>
             <a:r>
               <a:rPr lang="en-SG" b="1" dirty="0">
-                <a:solidFill>
-                  <a:srgbClr val="0000FF"/>
-                </a:solidFill>
-                <a:latin typeface="Courier New" panose="02070309020205020404" pitchFamily="49" charset="0"/>
-                <a:cs typeface="Courier New" panose="02070309020205020404" pitchFamily="49" charset="0"/>
-              </a:rPr>
-              <a:t>double</a:t>
-            </a:r>
-            <a:r>
-              <a:rPr lang="en-SG" b="1" dirty="0">
-                <a:latin typeface="Courier New" panose="02070309020205020404" pitchFamily="49" charset="0"/>
-                <a:cs typeface="Courier New" panose="02070309020205020404" pitchFamily="49" charset="0"/>
-              </a:rPr>
-              <a:t> </a:t>
-            </a:r>
-            <a:r>
-              <a:rPr lang="en-SG" b="1" dirty="0" err="1">
-                <a:latin typeface="Courier New" panose="02070309020205020404" pitchFamily="49" charset="0"/>
-                <a:cs typeface="Courier New" panose="02070309020205020404" pitchFamily="49" charset="0"/>
-              </a:rPr>
-              <a:t>hypotenuse_of</a:t>
-            </a:r>
-            <a:r>
-              <a:rPr lang="en-SG" b="1" dirty="0">
-                <a:latin typeface="Courier New" panose="02070309020205020404" pitchFamily="49" charset="0"/>
-                <a:cs typeface="Courier New" panose="02070309020205020404" pitchFamily="49" charset="0"/>
-              </a:rPr>
-              <a:t>(</a:t>
-            </a:r>
-            <a:r>
-              <a:rPr lang="en-SG" b="1" dirty="0">
-                <a:solidFill>
-                  <a:srgbClr val="0000FF"/>
-                </a:solidFill>
-                <a:latin typeface="Courier New" panose="02070309020205020404" pitchFamily="49" charset="0"/>
-                <a:cs typeface="Courier New" panose="02070309020205020404" pitchFamily="49" charset="0"/>
-              </a:rPr>
-              <a:t>long</a:t>
-            </a:r>
-            <a:r>
-              <a:rPr lang="en-SG" b="1" dirty="0">
-                <a:latin typeface="Courier New" panose="02070309020205020404" pitchFamily="49" charset="0"/>
-                <a:cs typeface="Courier New" panose="02070309020205020404" pitchFamily="49" charset="0"/>
-              </a:rPr>
-              <a:t> base, </a:t>
-            </a:r>
-            <a:r>
-              <a:rPr lang="en-SG" b="1" dirty="0">
-                <a:solidFill>
-                  <a:srgbClr val="0000FF"/>
-                </a:solidFill>
-                <a:latin typeface="Courier New" panose="02070309020205020404" pitchFamily="49" charset="0"/>
-                <a:cs typeface="Courier New" panose="02070309020205020404" pitchFamily="49" charset="0"/>
-              </a:rPr>
-              <a:t>long</a:t>
-            </a:r>
-            <a:r>
-              <a:rPr lang="en-SG" b="1" dirty="0">
-                <a:latin typeface="Courier New" panose="02070309020205020404" pitchFamily="49" charset="0"/>
-                <a:cs typeface="Courier New" panose="02070309020205020404" pitchFamily="49" charset="0"/>
-              </a:rPr>
-              <a:t> height) </a:t>
+                <a:latin typeface="Courier New" panose="02070309020205020404" pitchFamily="49" charset="0"/>
+                <a:cs typeface="Courier New" panose="02070309020205020404" pitchFamily="49" charset="0"/>
+              </a:rPr>
+              <a:t>{ </a:t>
             </a:r>
           </a:p>
           <a:p>
@@ -8890,11 +9084,60 @@
               </a:tabLst>
             </a:pPr>
             <a:r>
+              <a:rPr lang="en-US" b="1" dirty="0">
+                <a:solidFill>
+                  <a:schemeClr val="tx1"/>
+                </a:solidFill>
+                <a:latin typeface="Courier New" panose="02070309020205020404" pitchFamily="49" charset="0"/>
+                <a:cs typeface="Courier New" panose="02070309020205020404" pitchFamily="49" charset="0"/>
+              </a:rPr>
+              <a:t>  </a:t>
+            </a:r>
+            <a:r>
               <a:rPr lang="en-SG" b="1" dirty="0">
-                <a:latin typeface="Courier New" panose="02070309020205020404" pitchFamily="49" charset="0"/>
-                <a:cs typeface="Courier New" panose="02070309020205020404" pitchFamily="49" charset="0"/>
-              </a:rPr>
-              <a:t>{ </a:t>
+                <a:solidFill>
+                  <a:srgbClr val="0000FF"/>
+                </a:solidFill>
+                <a:highlight>
+                  <a:srgbClr val="FFFF00"/>
+                </a:highlight>
+                <a:latin typeface="Courier New" panose="02070309020205020404" pitchFamily="49" charset="0"/>
+                <a:cs typeface="Courier New" panose="02070309020205020404" pitchFamily="49" charset="0"/>
+              </a:rPr>
+              <a:t>return</a:t>
+            </a:r>
+            <a:r>
+              <a:rPr lang="en-SG" b="1" dirty="0">
+                <a:highlight>
+                  <a:srgbClr val="FFFF00"/>
+                </a:highlight>
+                <a:latin typeface="Courier New" panose="02070309020205020404" pitchFamily="49" charset="0"/>
+                <a:cs typeface="Courier New" panose="02070309020205020404" pitchFamily="49" charset="0"/>
+              </a:rPr>
+              <a:t> </a:t>
+            </a:r>
+            <a:r>
+              <a:rPr lang="en-SG" b="1" dirty="0">
+                <a:solidFill>
+                  <a:srgbClr val="C00000"/>
+                </a:solidFill>
+                <a:highlight>
+                  <a:srgbClr val="FFFF00"/>
+                </a:highlight>
+                <a:latin typeface="Courier New" panose="02070309020205020404" pitchFamily="49" charset="0"/>
+                <a:cs typeface="Courier New" panose="02070309020205020404" pitchFamily="49" charset="0"/>
+              </a:rPr>
+              <a:t>0</a:t>
+            </a:r>
+            <a:r>
+              <a:rPr lang="en-SG" b="1" dirty="0">
+                <a:highlight>
+                  <a:srgbClr val="FFFF00"/>
+                </a:highlight>
+                <a:latin typeface="Courier New" panose="02070309020205020404" pitchFamily="49" charset="0"/>
+                <a:cs typeface="Courier New" panose="02070309020205020404" pitchFamily="49" charset="0"/>
+              </a:rPr>
+              <a:t>;</a:t>
             </a:r>
           </a:p>
           <a:p>
@@ -8908,13 +9151,147 @@
               </a:tabLst>
             </a:pPr>
             <a:r>
+              <a:rPr lang="en-SG" b="1" dirty="0">
+                <a:latin typeface="Courier New" panose="02070309020205020404" pitchFamily="49" charset="0"/>
+                <a:cs typeface="Courier New" panose="02070309020205020404" pitchFamily="49" charset="0"/>
+              </a:rPr>
+              <a:t>}</a:t>
+            </a:r>
+            <a:endParaRPr lang="en-US" b="1" dirty="0">
+              <a:solidFill>
+                <a:schemeClr val="tx1"/>
+              </a:solidFill>
+              <a:latin typeface="Courier New" panose="02070309020205020404" pitchFamily="49" charset="0"/>
+              <a:cs typeface="Courier New" panose="02070309020205020404" pitchFamily="49" charset="0"/>
+            </a:endParaRPr>
+          </a:p>
+          <a:p>
+            <a:pPr>
+              <a:tabLst>
+                <a:tab pos="347663" algn="l"/>
+                <a:tab pos="682625" algn="l"/>
+                <a:tab pos="1087438" algn="l"/>
+                <a:tab pos="1377950" algn="l"/>
+                <a:tab pos="1712913" algn="l"/>
+              </a:tabLst>
+            </a:pPr>
+            <a:endParaRPr lang="en-US" b="1" dirty="0">
+              <a:solidFill>
+                <a:schemeClr val="tx1"/>
+              </a:solidFill>
+              <a:latin typeface="Courier New" panose="02070309020205020404" pitchFamily="49" charset="0"/>
+              <a:cs typeface="Courier New" panose="02070309020205020404" pitchFamily="49" charset="0"/>
+            </a:endParaRPr>
+          </a:p>
+          <a:p>
+            <a:pPr>
+              <a:tabLst>
+                <a:tab pos="347663" algn="l"/>
+                <a:tab pos="682625" algn="l"/>
+                <a:tab pos="1087438" algn="l"/>
+                <a:tab pos="1377950" algn="l"/>
+                <a:tab pos="1712913" algn="l"/>
+              </a:tabLst>
+            </a:pPr>
+            <a:r>
+              <a:rPr lang="en-SG" b="1" dirty="0">
+                <a:solidFill>
+                  <a:srgbClr val="0000FF"/>
+                </a:solidFill>
+                <a:latin typeface="Courier New" panose="02070309020205020404" pitchFamily="49" charset="0"/>
+                <a:cs typeface="Courier New" panose="02070309020205020404" pitchFamily="49" charset="0"/>
+              </a:rPr>
+              <a:t>double</a:t>
+            </a:r>
+            <a:r>
+              <a:rPr lang="en-SG" b="1" dirty="0">
+                <a:latin typeface="Courier New" panose="02070309020205020404" pitchFamily="49" charset="0"/>
+                <a:cs typeface="Courier New" panose="02070309020205020404" pitchFamily="49" charset="0"/>
+              </a:rPr>
+              <a:t> </a:t>
+            </a:r>
+            <a:r>
+              <a:rPr lang="en-SG" b="1" dirty="0" err="1">
+                <a:latin typeface="Courier New" panose="02070309020205020404" pitchFamily="49" charset="0"/>
+                <a:cs typeface="Courier New" panose="02070309020205020404" pitchFamily="49" charset="0"/>
+              </a:rPr>
+              <a:t>hypotenuse_of</a:t>
+            </a:r>
+            <a:r>
+              <a:rPr lang="en-SG" b="1" dirty="0">
+                <a:latin typeface="Courier New" panose="02070309020205020404" pitchFamily="49" charset="0"/>
+                <a:cs typeface="Courier New" panose="02070309020205020404" pitchFamily="49" charset="0"/>
+              </a:rPr>
+              <a:t>(</a:t>
+            </a:r>
+            <a:r>
+              <a:rPr lang="en-SG" b="1" dirty="0">
+                <a:solidFill>
+                  <a:srgbClr val="0000FF"/>
+                </a:solidFill>
+                <a:latin typeface="Courier New" panose="02070309020205020404" pitchFamily="49" charset="0"/>
+                <a:cs typeface="Courier New" panose="02070309020205020404" pitchFamily="49" charset="0"/>
+              </a:rPr>
+              <a:t>long</a:t>
+            </a:r>
+            <a:r>
+              <a:rPr lang="en-SG" b="1" dirty="0">
+                <a:latin typeface="Courier New" panose="02070309020205020404" pitchFamily="49" charset="0"/>
+                <a:cs typeface="Courier New" panose="02070309020205020404" pitchFamily="49" charset="0"/>
+              </a:rPr>
+              <a:t> base, </a:t>
+            </a:r>
+            <a:r>
+              <a:rPr lang="en-SG" b="1" dirty="0">
+                <a:solidFill>
+                  <a:srgbClr val="0000FF"/>
+                </a:solidFill>
+                <a:latin typeface="Courier New" panose="02070309020205020404" pitchFamily="49" charset="0"/>
+                <a:cs typeface="Courier New" panose="02070309020205020404" pitchFamily="49" charset="0"/>
+              </a:rPr>
+              <a:t>long</a:t>
+            </a:r>
+            <a:r>
+              <a:rPr lang="en-SG" b="1" dirty="0">
+                <a:latin typeface="Courier New" panose="02070309020205020404" pitchFamily="49" charset="0"/>
+                <a:cs typeface="Courier New" panose="02070309020205020404" pitchFamily="49" charset="0"/>
+              </a:rPr>
+              <a:t> height) </a:t>
+            </a:r>
+          </a:p>
+          <a:p>
+            <a:pPr>
+              <a:tabLst>
+                <a:tab pos="347663" algn="l"/>
+                <a:tab pos="682625" algn="l"/>
+                <a:tab pos="1087438" algn="l"/>
+                <a:tab pos="1377950" algn="l"/>
+                <a:tab pos="1712913" algn="l"/>
+              </a:tabLst>
+            </a:pPr>
+            <a:r>
+              <a:rPr lang="en-SG" b="1" dirty="0">
+                <a:latin typeface="Courier New" panose="02070309020205020404" pitchFamily="49" charset="0"/>
+                <a:cs typeface="Courier New" panose="02070309020205020404" pitchFamily="49" charset="0"/>
+              </a:rPr>
+              <a:t>{ </a:t>
+            </a:r>
+          </a:p>
+          <a:p>
+            <a:pPr>
+              <a:tabLst>
+                <a:tab pos="347663" algn="l"/>
+                <a:tab pos="682625" algn="l"/>
+                <a:tab pos="1087438" algn="l"/>
+                <a:tab pos="1377950" algn="l"/>
+                <a:tab pos="1712913" algn="l"/>
+              </a:tabLst>
+            </a:pPr>
+            <a:r>
               <a:rPr lang="en-US" b="1" dirty="0">
                 <a:solidFill>
                   <a:schemeClr val="tx1"/>
                 </a:solidFill>
-                <a:highlight>
-                  <a:srgbClr val="FFFF00"/>
-                </a:highlight>
                 <a:latin typeface="Courier New" panose="02070309020205020404" pitchFamily="49" charset="0"/>
                 <a:cs typeface="Courier New" panose="02070309020205020404" pitchFamily="49" charset="0"/>
               </a:rPr>
@@ -8925,13 +9302,17 @@
                 <a:solidFill>
                   <a:srgbClr val="0000FF"/>
                 </a:solidFill>
-                <a:highlight>
-                  <a:srgbClr val="FFFF00"/>
-                </a:highlight>
                 <a:latin typeface="Courier New" panose="02070309020205020404" pitchFamily="49" charset="0"/>
                 <a:cs typeface="Courier New" panose="02070309020205020404" pitchFamily="49" charset="0"/>
               </a:rPr>
               <a:t>return</a:t>
+            </a:r>
+            <a:r>
+              <a:rPr lang="en-SG" b="1" dirty="0">
+                <a:latin typeface="Courier New" panose="02070309020205020404" pitchFamily="49" charset="0"/>
+                <a:cs typeface="Courier New" panose="02070309020205020404" pitchFamily="49" charset="0"/>
+              </a:rPr>
+              <a:t> </a:t>
             </a:r>
             <a:r>
               <a:rPr lang="en-SG" b="1" dirty="0">
@@ -8941,7 +9322,7 @@
                 <a:latin typeface="Courier New" panose="02070309020205020404" pitchFamily="49" charset="0"/>
                 <a:cs typeface="Courier New" panose="02070309020205020404" pitchFamily="49" charset="0"/>
               </a:rPr>
-              <a:t> sqrt(square(base) + square(height));</a:t>
+              <a:t>sqrt(square(base) + square(height));</a:t>
             </a:r>
           </a:p>
           <a:p>
@@ -9028,17 +9409,17 @@
               <a:defRPr/>
             </a:pPr>
             <a:r>
-              <a:rPr lang="en-US" dirty="0"/>
+              <a:rPr lang="en-US" sz="1100" dirty="0"/>
               <a:t>Week3R - </a:t>
             </a:r>
             <a:fld id="{2E4790E1-2590-4AEE-892D-AB46A7688113}" type="slidenum">
-              <a:rPr lang="en-US" smtClean="0"/>
+              <a:rPr lang="en-US" sz="1100" smtClean="0"/>
               <a:pPr>
                 <a:defRPr/>
               </a:pPr>
               <a:t>10</a:t>
             </a:fld>
-            <a:endParaRPr lang="en-US" dirty="0"/>
+            <a:endParaRPr lang="en-US" sz="1100" dirty="0"/>
           </a:p>
         </p:txBody>
       </p:sp>
@@ -9210,7 +9591,7 @@
         <p:spPr>
           <a:xfrm>
             <a:off x="702051" y="1279562"/>
-            <a:ext cx="8213349" cy="5355312"/>
+            <a:ext cx="8213349" cy="3416320"/>
           </a:xfrm>
           <a:prstGeom prst="rect">
             <a:avLst/>
@@ -9256,40 +9637,13 @@
             <a:r>
               <a:rPr lang="en-US" b="1" dirty="0">
                 <a:solidFill>
-                  <a:srgbClr val="006600"/>
-                </a:solidFill>
-                <a:latin typeface="Courier New" panose="02070309020205020404" pitchFamily="49" charset="0"/>
-                <a:cs typeface="Courier New" panose="02070309020205020404" pitchFamily="49" charset="0"/>
-              </a:rPr>
-              <a:t>#include &lt;</a:t>
-            </a:r>
-            <a:r>
-              <a:rPr lang="en-US" b="1" dirty="0" err="1">
-                <a:solidFill>
-                  <a:srgbClr val="006600"/>
-                </a:solidFill>
-                <a:latin typeface="Courier New" panose="02070309020205020404" pitchFamily="49" charset="0"/>
-                <a:cs typeface="Courier New" panose="02070309020205020404" pitchFamily="49" charset="0"/>
-              </a:rPr>
-              <a:t>math.h</a:t>
-            </a:r>
-            <a:r>
-              <a:rPr lang="en-US" b="1" dirty="0">
-                <a:solidFill>
-                  <a:srgbClr val="006600"/>
-                </a:solidFill>
-                <a:latin typeface="Courier New" panose="02070309020205020404" pitchFamily="49" charset="0"/>
-                <a:cs typeface="Courier New" panose="02070309020205020404" pitchFamily="49" charset="0"/>
-              </a:rPr>
-              <a:t>&gt;</a:t>
-            </a:r>
-            <a:endParaRPr lang="en-US" b="1" dirty="0">
-              <a:solidFill>
-                <a:schemeClr val="tx1"/>
-              </a:solidFill>
-              <a:latin typeface="Courier New" panose="02070309020205020404" pitchFamily="49" charset="0"/>
-              <a:cs typeface="Courier New" panose="02070309020205020404" pitchFamily="49" charset="0"/>
-            </a:endParaRPr>
+                  <a:schemeClr val="tx1"/>
+                </a:solidFill>
+                <a:latin typeface="Courier New" panose="02070309020205020404" pitchFamily="49" charset="0"/>
+                <a:cs typeface="Courier New" panose="02070309020205020404" pitchFamily="49" charset="0"/>
+              </a:rPr>
+              <a:t>…</a:t>
+            </a:r>
           </a:p>
           <a:p>
             <a:pPr>
@@ -9301,16 +9655,13 @@
                 <a:tab pos="1712913" algn="l"/>
               </a:tabLst>
             </a:pPr>
-            <a:r>
-              <a:rPr lang="en-US" b="1" dirty="0">
-                <a:solidFill>
-                  <a:srgbClr val="006600"/>
-                </a:solidFill>
-                <a:latin typeface="Courier New" panose="02070309020205020404" pitchFamily="49" charset="0"/>
-                <a:cs typeface="Courier New" panose="02070309020205020404" pitchFamily="49" charset="0"/>
-              </a:rPr>
-              <a:t>#include "cs1010.h"</a:t>
-            </a:r>
+            <a:endParaRPr lang="en-US" b="1" dirty="0">
+              <a:solidFill>
+                <a:schemeClr val="tx1"/>
+              </a:solidFill>
+              <a:latin typeface="Courier New" panose="02070309020205020404" pitchFamily="49" charset="0"/>
+              <a:cs typeface="Courier New" panose="02070309020205020404" pitchFamily="49" charset="0"/>
+            </a:endParaRPr>
           </a:p>
           <a:p>
             <a:pPr>
@@ -9322,13 +9673,26 @@
                 <a:tab pos="1712913" algn="l"/>
               </a:tabLst>
             </a:pPr>
-            <a:endParaRPr lang="en-US" b="1" dirty="0">
-              <a:solidFill>
-                <a:srgbClr val="006600"/>
-              </a:solidFill>
-              <a:latin typeface="Courier New" panose="02070309020205020404" pitchFamily="49" charset="0"/>
-              <a:cs typeface="Courier New" panose="02070309020205020404" pitchFamily="49" charset="0"/>
-            </a:endParaRPr>
+            <a:r>
+              <a:rPr lang="en-US" b="1" dirty="0" err="1">
+                <a:solidFill>
+                  <a:srgbClr val="0000FF"/>
+                </a:solidFill>
+                <a:latin typeface="Courier New" panose="02070309020205020404" pitchFamily="49" charset="0"/>
+                <a:cs typeface="Courier New" panose="02070309020205020404" pitchFamily="49" charset="0"/>
+              </a:rPr>
+              <a:t>int</a:t>
+            </a:r>
+            <a:r>
+              <a:rPr lang="en-US" b="1" dirty="0">
+                <a:solidFill>
+                  <a:schemeClr val="tx1"/>
+                </a:solidFill>
+                <a:latin typeface="Courier New" panose="02070309020205020404" pitchFamily="49" charset="0"/>
+                <a:cs typeface="Courier New" panose="02070309020205020404" pitchFamily="49" charset="0"/>
+              </a:rPr>
+              <a:t> main()</a:t>
+            </a:r>
           </a:p>
           <a:p>
             <a:pPr>
@@ -9348,7 +9712,7 @@
                 <a:latin typeface="Courier New" panose="02070309020205020404" pitchFamily="49" charset="0"/>
                 <a:cs typeface="Courier New" panose="02070309020205020404" pitchFamily="49" charset="0"/>
               </a:rPr>
-              <a:t>…</a:t>
+              <a:t>{</a:t>
             </a:r>
           </a:p>
           <a:p>
@@ -9361,13 +9725,16 @@
                 <a:tab pos="1712913" algn="l"/>
               </a:tabLst>
             </a:pPr>
-            <a:endParaRPr lang="en-US" b="1" dirty="0">
-              <a:solidFill>
-                <a:schemeClr val="tx1"/>
-              </a:solidFill>
-              <a:latin typeface="Courier New" panose="02070309020205020404" pitchFamily="49" charset="0"/>
-              <a:cs typeface="Courier New" panose="02070309020205020404" pitchFamily="49" charset="0"/>
-            </a:endParaRPr>
+            <a:r>
+              <a:rPr lang="en-US" b="1" dirty="0">
+                <a:solidFill>
+                  <a:schemeClr val="tx1"/>
+                </a:solidFill>
+                <a:latin typeface="Courier New" panose="02070309020205020404" pitchFamily="49" charset="0"/>
+                <a:cs typeface="Courier New" panose="02070309020205020404" pitchFamily="49" charset="0"/>
+              </a:rPr>
+              <a:t>  …</a:t>
+            </a:r>
           </a:p>
           <a:p>
             <a:pPr>
@@ -9380,16 +9747,6 @@
               </a:tabLst>
             </a:pPr>
             <a:r>
-              <a:rPr lang="en-US" b="1" dirty="0" err="1">
-                <a:solidFill>
-                  <a:srgbClr val="0000FF"/>
-                </a:solidFill>
-                <a:latin typeface="Courier New" panose="02070309020205020404" pitchFamily="49" charset="0"/>
-                <a:cs typeface="Courier New" panose="02070309020205020404" pitchFamily="49" charset="0"/>
-              </a:rPr>
-              <a:t>int</a:t>
-            </a:r>
-            <a:r>
               <a:rPr lang="en-US" b="1" dirty="0">
                 <a:solidFill>
                   <a:schemeClr val="tx1"/>
@@ -9397,7 +9754,7 @@
                 <a:latin typeface="Courier New" panose="02070309020205020404" pitchFamily="49" charset="0"/>
                 <a:cs typeface="Courier New" panose="02070309020205020404" pitchFamily="49" charset="0"/>
               </a:rPr>
-              <a:t> main()</a:t>
+              <a:t>}</a:t>
             </a:r>
           </a:p>
           <a:p>
@@ -9410,16 +9767,13 @@
                 <a:tab pos="1712913" algn="l"/>
               </a:tabLst>
             </a:pPr>
-            <a:r>
-              <a:rPr lang="en-US" b="1" dirty="0">
-                <a:solidFill>
-                  <a:schemeClr val="tx1"/>
-                </a:solidFill>
-                <a:latin typeface="Courier New" panose="02070309020205020404" pitchFamily="49" charset="0"/>
-                <a:cs typeface="Courier New" panose="02070309020205020404" pitchFamily="49" charset="0"/>
-              </a:rPr>
-              <a:t>{</a:t>
-            </a:r>
+            <a:endParaRPr lang="en-US" b="1" dirty="0">
+              <a:solidFill>
+                <a:schemeClr val="tx1"/>
+              </a:solidFill>
+              <a:latin typeface="Courier New" panose="02070309020205020404" pitchFamily="49" charset="0"/>
+              <a:cs typeface="Courier New" panose="02070309020205020404" pitchFamily="49" charset="0"/>
+            </a:endParaRPr>
           </a:p>
           <a:p>
             <a:pPr>
@@ -9432,14 +9786,110 @@
               </a:tabLst>
             </a:pPr>
             <a:r>
-              <a:rPr lang="en-US" b="1" dirty="0">
-                <a:solidFill>
-                  <a:schemeClr val="tx1"/>
-                </a:solidFill>
-                <a:latin typeface="Courier New" panose="02070309020205020404" pitchFamily="49" charset="0"/>
-                <a:cs typeface="Courier New" panose="02070309020205020404" pitchFamily="49" charset="0"/>
-              </a:rPr>
-              <a:t>  …</a:t>
+              <a:rPr lang="en-US" b="1" i="0" dirty="0">
+                <a:solidFill>
+                  <a:srgbClr val="0000FF"/>
+                </a:solidFill>
+                <a:effectLst/>
+                <a:highlight>
+                  <a:srgbClr val="FFFF00"/>
+                </a:highlight>
+                <a:latin typeface="Courier New" panose="02070309020205020404" pitchFamily="49" charset="0"/>
+                <a:cs typeface="Courier New" panose="02070309020205020404" pitchFamily="49" charset="0"/>
+              </a:rPr>
+              <a:t>long</a:t>
+            </a:r>
+            <a:r>
+              <a:rPr lang="en-US" b="1" i="0" dirty="0">
+                <a:solidFill>
+                  <a:srgbClr val="36464E"/>
+                </a:solidFill>
+                <a:effectLst/>
+                <a:highlight>
+                  <a:srgbClr val="FFFF00"/>
+                </a:highlight>
+                <a:latin typeface="Courier New" panose="02070309020205020404" pitchFamily="49" charset="0"/>
+                <a:cs typeface="Courier New" panose="02070309020205020404" pitchFamily="49" charset="0"/>
+              </a:rPr>
+              <a:t> </a:t>
+            </a:r>
+            <a:r>
+              <a:rPr lang="en-US" b="1" i="0" dirty="0">
+                <a:solidFill>
+                  <a:srgbClr val="7030A0"/>
+                </a:solidFill>
+                <a:effectLst/>
+                <a:highlight>
+                  <a:srgbClr val="FFFF00"/>
+                </a:highlight>
+                <a:latin typeface="Courier New" panose="02070309020205020404" pitchFamily="49" charset="0"/>
+                <a:cs typeface="Courier New" panose="02070309020205020404" pitchFamily="49" charset="0"/>
+              </a:rPr>
+              <a:t>square</a:t>
+            </a:r>
+            <a:r>
+              <a:rPr lang="en-US" b="1" i="0" dirty="0">
+                <a:effectLst/>
+                <a:highlight>
+                  <a:srgbClr val="FFFF00"/>
+                </a:highlight>
+                <a:latin typeface="Courier New" panose="02070309020205020404" pitchFamily="49" charset="0"/>
+                <a:cs typeface="Courier New" panose="02070309020205020404" pitchFamily="49" charset="0"/>
+              </a:rPr>
+              <a:t>(</a:t>
+            </a:r>
+            <a:r>
+              <a:rPr lang="en-US" b="1" i="0" dirty="0">
+                <a:solidFill>
+                  <a:srgbClr val="0000FF"/>
+                </a:solidFill>
+                <a:effectLst/>
+                <a:highlight>
+                  <a:srgbClr val="FFFF00"/>
+                </a:highlight>
+                <a:latin typeface="Courier New" panose="02070309020205020404" pitchFamily="49" charset="0"/>
+                <a:cs typeface="Courier New" panose="02070309020205020404" pitchFamily="49" charset="0"/>
+              </a:rPr>
+              <a:t>long</a:t>
+            </a:r>
+            <a:r>
+              <a:rPr lang="en-US" b="1" i="0" dirty="0">
+                <a:solidFill>
+                  <a:srgbClr val="36464E"/>
+                </a:solidFill>
+                <a:effectLst/>
+                <a:highlight>
+                  <a:srgbClr val="FFFF00"/>
+                </a:highlight>
+                <a:latin typeface="Courier New" panose="02070309020205020404" pitchFamily="49" charset="0"/>
+                <a:cs typeface="Courier New" panose="02070309020205020404" pitchFamily="49" charset="0"/>
+              </a:rPr>
+              <a:t> x</a:t>
+            </a:r>
+            <a:r>
+              <a:rPr lang="en-US" b="1" i="0" dirty="0">
+                <a:effectLst/>
+                <a:highlight>
+                  <a:srgbClr val="FFFF00"/>
+                </a:highlight>
+                <a:latin typeface="Courier New" panose="02070309020205020404" pitchFamily="49" charset="0"/>
+                <a:cs typeface="Courier New" panose="02070309020205020404" pitchFamily="49" charset="0"/>
+              </a:rPr>
+              <a:t>)</a:t>
+            </a:r>
+            <a:r>
+              <a:rPr lang="en-US" b="1" i="0" dirty="0">
+                <a:solidFill>
+                  <a:srgbClr val="36464E"/>
+                </a:solidFill>
+                <a:effectLst/>
+                <a:highlight>
+                  <a:srgbClr val="FFFF00"/>
+                </a:highlight>
+                <a:latin typeface="Courier New" panose="02070309020205020404" pitchFamily="49" charset="0"/>
+                <a:cs typeface="Courier New" panose="02070309020205020404" pitchFamily="49" charset="0"/>
+              </a:rPr>
+              <a:t> </a:t>
             </a:r>
           </a:p>
           <a:p>
@@ -9453,14 +9903,29 @@
               </a:tabLst>
             </a:pPr>
             <a:r>
-              <a:rPr lang="en-US" b="1" dirty="0">
-                <a:solidFill>
-                  <a:schemeClr val="tx1"/>
-                </a:solidFill>
-                <a:latin typeface="Courier New" panose="02070309020205020404" pitchFamily="49" charset="0"/>
-                <a:cs typeface="Courier New" panose="02070309020205020404" pitchFamily="49" charset="0"/>
-              </a:rPr>
-              <a:t>}</a:t>
+              <a:rPr lang="en-US" b="1" i="0" dirty="0">
+                <a:effectLst/>
+                <a:highlight>
+                  <a:srgbClr val="FFFF00"/>
+                </a:highlight>
+                <a:latin typeface="Courier New" panose="02070309020205020404" pitchFamily="49" charset="0"/>
+                <a:cs typeface="Courier New" panose="02070309020205020404" pitchFamily="49" charset="0"/>
+              </a:rPr>
+              <a:t>{</a:t>
+            </a:r>
+            <a:r>
+              <a:rPr lang="en-US" b="1" i="0" dirty="0">
+                <a:solidFill>
+                  <a:srgbClr val="36464E"/>
+                </a:solidFill>
+                <a:effectLst/>
+                <a:highlight>
+                  <a:srgbClr val="FFFF00"/>
+                </a:highlight>
+                <a:latin typeface="Courier New" panose="02070309020205020404" pitchFamily="49" charset="0"/>
+                <a:cs typeface="Courier New" panose="02070309020205020404" pitchFamily="49" charset="0"/>
+              </a:rPr>
+              <a:t> </a:t>
             </a:r>
           </a:p>
           <a:p>
@@ -9473,13 +9938,97 @@
                 <a:tab pos="1712913" algn="l"/>
               </a:tabLst>
             </a:pPr>
-            <a:endParaRPr lang="en-US" b="1" dirty="0">
-              <a:solidFill>
-                <a:schemeClr val="tx1"/>
-              </a:solidFill>
-              <a:latin typeface="Courier New" panose="02070309020205020404" pitchFamily="49" charset="0"/>
-              <a:cs typeface="Courier New" panose="02070309020205020404" pitchFamily="49" charset="0"/>
-            </a:endParaRPr>
+            <a:r>
+              <a:rPr lang="en-US" b="1" dirty="0">
+                <a:solidFill>
+                  <a:srgbClr val="36464E"/>
+                </a:solidFill>
+                <a:highlight>
+                  <a:srgbClr val="FFFF00"/>
+                </a:highlight>
+                <a:latin typeface="Courier New" panose="02070309020205020404" pitchFamily="49" charset="0"/>
+                <a:cs typeface="Courier New" panose="02070309020205020404" pitchFamily="49" charset="0"/>
+              </a:rPr>
+              <a:t>    </a:t>
+            </a:r>
+            <a:r>
+              <a:rPr lang="en-US" b="1" i="0" dirty="0">
+                <a:solidFill>
+                  <a:srgbClr val="0000FF"/>
+                </a:solidFill>
+                <a:effectLst/>
+                <a:highlight>
+                  <a:srgbClr val="FFFF00"/>
+                </a:highlight>
+                <a:latin typeface="Courier New" panose="02070309020205020404" pitchFamily="49" charset="0"/>
+                <a:cs typeface="Courier New" panose="02070309020205020404" pitchFamily="49" charset="0"/>
+              </a:rPr>
+              <a:t>return</a:t>
+            </a:r>
+            <a:r>
+              <a:rPr lang="en-US" b="1" i="0" dirty="0">
+                <a:solidFill>
+                  <a:srgbClr val="36464E"/>
+                </a:solidFill>
+                <a:effectLst/>
+                <a:highlight>
+                  <a:srgbClr val="FFFF00"/>
+                </a:highlight>
+                <a:latin typeface="Courier New" panose="02070309020205020404" pitchFamily="49" charset="0"/>
+                <a:cs typeface="Courier New" panose="02070309020205020404" pitchFamily="49" charset="0"/>
+              </a:rPr>
+              <a:t> x </a:t>
+            </a:r>
+            <a:r>
+              <a:rPr lang="en-US" b="1" i="0" dirty="0">
+                <a:effectLst/>
+                <a:highlight>
+                  <a:srgbClr val="FFFF00"/>
+                </a:highlight>
+                <a:latin typeface="Courier New" panose="02070309020205020404" pitchFamily="49" charset="0"/>
+                <a:cs typeface="Courier New" panose="02070309020205020404" pitchFamily="49" charset="0"/>
+              </a:rPr>
+              <a:t>*</a:t>
+            </a:r>
+            <a:r>
+              <a:rPr lang="en-US" b="1" i="0" dirty="0">
+                <a:solidFill>
+                  <a:srgbClr val="36464E"/>
+                </a:solidFill>
+                <a:effectLst/>
+                <a:highlight>
+                  <a:srgbClr val="FFFF00"/>
+                </a:highlight>
+                <a:latin typeface="Courier New" panose="02070309020205020404" pitchFamily="49" charset="0"/>
+                <a:cs typeface="Courier New" panose="02070309020205020404" pitchFamily="49" charset="0"/>
+              </a:rPr>
+              <a:t> x</a:t>
+            </a:r>
+            <a:r>
+              <a:rPr lang="en-US" b="1" i="0" dirty="0">
+                <a:effectLst/>
+                <a:highlight>
+                  <a:srgbClr val="FFFF00"/>
+                </a:highlight>
+                <a:latin typeface="Courier New" panose="02070309020205020404" pitchFamily="49" charset="0"/>
+                <a:cs typeface="Courier New" panose="02070309020205020404" pitchFamily="49" charset="0"/>
+              </a:rPr>
+              <a:t>;</a:t>
+            </a:r>
+            <a:r>
+              <a:rPr lang="en-US" b="1" i="0" dirty="0">
+                <a:solidFill>
+                  <a:srgbClr val="36464E"/>
+                </a:solidFill>
+                <a:effectLst/>
+                <a:highlight>
+                  <a:srgbClr val="FFFF00"/>
+                </a:highlight>
+                <a:latin typeface="Courier New" panose="02070309020205020404" pitchFamily="49" charset="0"/>
+                <a:cs typeface="Courier New" panose="02070309020205020404" pitchFamily="49" charset="0"/>
+              </a:rPr>
+              <a:t> </a:t>
+            </a:r>
           </a:p>
           <a:p>
             <a:pPr>
@@ -9493,9 +10042,6 @@
             </a:pPr>
             <a:r>
               <a:rPr lang="en-US" b="1" i="0" dirty="0">
-                <a:solidFill>
-                  <a:srgbClr val="0000FF"/>
-                </a:solidFill>
                 <a:effectLst/>
                 <a:highlight>
                   <a:srgbClr val="FFFF00"/>
@@ -9503,85 +10049,7 @@
                 <a:latin typeface="Courier New" panose="02070309020205020404" pitchFamily="49" charset="0"/>
                 <a:cs typeface="Courier New" panose="02070309020205020404" pitchFamily="49" charset="0"/>
               </a:rPr>
-              <a:t>long</a:t>
-            </a:r>
-            <a:r>
-              <a:rPr lang="en-US" b="1" i="0" dirty="0">
-                <a:solidFill>
-                  <a:srgbClr val="36464E"/>
-                </a:solidFill>
-                <a:effectLst/>
-                <a:highlight>
-                  <a:srgbClr val="FFFF00"/>
-                </a:highlight>
-                <a:latin typeface="Courier New" panose="02070309020205020404" pitchFamily="49" charset="0"/>
-                <a:cs typeface="Courier New" panose="02070309020205020404" pitchFamily="49" charset="0"/>
-              </a:rPr>
-              <a:t> </a:t>
-            </a:r>
-            <a:r>
-              <a:rPr lang="en-US" b="1" i="0" dirty="0">
-                <a:solidFill>
-                  <a:srgbClr val="7030A0"/>
-                </a:solidFill>
-                <a:effectLst/>
-                <a:highlight>
-                  <a:srgbClr val="FFFF00"/>
-                </a:highlight>
-                <a:latin typeface="Courier New" panose="02070309020205020404" pitchFamily="49" charset="0"/>
-                <a:cs typeface="Courier New" panose="02070309020205020404" pitchFamily="49" charset="0"/>
-              </a:rPr>
-              <a:t>square</a:t>
-            </a:r>
-            <a:r>
-              <a:rPr lang="en-US" b="1" i="0" dirty="0">
-                <a:effectLst/>
-                <a:highlight>
-                  <a:srgbClr val="FFFF00"/>
-                </a:highlight>
-                <a:latin typeface="Courier New" panose="02070309020205020404" pitchFamily="49" charset="0"/>
-                <a:cs typeface="Courier New" panose="02070309020205020404" pitchFamily="49" charset="0"/>
-              </a:rPr>
-              <a:t>(</a:t>
-            </a:r>
-            <a:r>
-              <a:rPr lang="en-US" b="1" i="0" dirty="0">
-                <a:solidFill>
-                  <a:srgbClr val="0000FF"/>
-                </a:solidFill>
-                <a:effectLst/>
-                <a:highlight>
-                  <a:srgbClr val="FFFF00"/>
-                </a:highlight>
-                <a:latin typeface="Courier New" panose="02070309020205020404" pitchFamily="49" charset="0"/>
-                <a:cs typeface="Courier New" panose="02070309020205020404" pitchFamily="49" charset="0"/>
-              </a:rPr>
-              <a:t>long</a:t>
-            </a:r>
-            <a:r>
-              <a:rPr lang="en-US" b="1" i="0" dirty="0">
-                <a:solidFill>
-                  <a:srgbClr val="36464E"/>
-                </a:solidFill>
-                <a:effectLst/>
-                <a:highlight>
-                  <a:srgbClr val="FFFF00"/>
-                </a:highlight>
-                <a:latin typeface="Courier New" panose="02070309020205020404" pitchFamily="49" charset="0"/>
-                <a:cs typeface="Courier New" panose="02070309020205020404" pitchFamily="49" charset="0"/>
-              </a:rPr>
-              <a:t> x</a:t>
-            </a:r>
-            <a:r>
-              <a:rPr lang="en-US" b="1" i="0" dirty="0">
-                <a:effectLst/>
-                <a:highlight>
-                  <a:srgbClr val="FFFF00"/>
-                </a:highlight>
-                <a:latin typeface="Courier New" panose="02070309020205020404" pitchFamily="49" charset="0"/>
-                <a:cs typeface="Courier New" panose="02070309020205020404" pitchFamily="49" charset="0"/>
-              </a:rPr>
-              <a:t>)</a:t>
+              <a:t>}</a:t>
             </a:r>
             <a:r>
               <a:rPr lang="en-US" b="1" i="0" dirty="0">
@@ -9609,333 +10077,15 @@
               </a:tabLst>
             </a:pPr>
             <a:r>
-              <a:rPr lang="en-US" b="1" i="0" dirty="0">
-                <a:effectLst/>
-                <a:highlight>
-                  <a:srgbClr val="FFFF00"/>
-                </a:highlight>
-                <a:latin typeface="Courier New" panose="02070309020205020404" pitchFamily="49" charset="0"/>
-                <a:cs typeface="Courier New" panose="02070309020205020404" pitchFamily="49" charset="0"/>
-              </a:rPr>
-              <a:t>{</a:t>
-            </a:r>
-            <a:r>
-              <a:rPr lang="en-US" b="1" i="0" dirty="0">
-                <a:solidFill>
-                  <a:srgbClr val="36464E"/>
-                </a:solidFill>
-                <a:effectLst/>
-                <a:highlight>
-                  <a:srgbClr val="FFFF00"/>
-                </a:highlight>
-                <a:latin typeface="Courier New" panose="02070309020205020404" pitchFamily="49" charset="0"/>
-                <a:cs typeface="Courier New" panose="02070309020205020404" pitchFamily="49" charset="0"/>
-              </a:rPr>
-              <a:t> </a:t>
-            </a:r>
-          </a:p>
-          <a:p>
-            <a:pPr>
-              <a:tabLst>
-                <a:tab pos="347663" algn="l"/>
-                <a:tab pos="682625" algn="l"/>
-                <a:tab pos="1087438" algn="l"/>
-                <a:tab pos="1377950" algn="l"/>
-                <a:tab pos="1712913" algn="l"/>
-              </a:tabLst>
-            </a:pPr>
-            <a:r>
               <a:rPr lang="en-US" b="1" dirty="0">
                 <a:solidFill>
-                  <a:srgbClr val="36464E"/>
-                </a:solidFill>
-                <a:highlight>
-                  <a:srgbClr val="FFFF00"/>
-                </a:highlight>
-                <a:latin typeface="Courier New" panose="02070309020205020404" pitchFamily="49" charset="0"/>
-                <a:cs typeface="Courier New" panose="02070309020205020404" pitchFamily="49" charset="0"/>
-              </a:rPr>
-              <a:t>    </a:t>
-            </a:r>
-            <a:r>
-              <a:rPr lang="en-US" b="1" i="0" dirty="0">
-                <a:solidFill>
-                  <a:srgbClr val="0000FF"/>
-                </a:solidFill>
-                <a:effectLst/>
-                <a:highlight>
-                  <a:srgbClr val="FFFF00"/>
-                </a:highlight>
-                <a:latin typeface="Courier New" panose="02070309020205020404" pitchFamily="49" charset="0"/>
-                <a:cs typeface="Courier New" panose="02070309020205020404" pitchFamily="49" charset="0"/>
-              </a:rPr>
-              <a:t>return</a:t>
-            </a:r>
-            <a:r>
-              <a:rPr lang="en-US" b="1" i="0" dirty="0">
-                <a:solidFill>
-                  <a:srgbClr val="36464E"/>
-                </a:solidFill>
-                <a:effectLst/>
-                <a:highlight>
-                  <a:srgbClr val="FFFF00"/>
-                </a:highlight>
-                <a:latin typeface="Courier New" panose="02070309020205020404" pitchFamily="49" charset="0"/>
-                <a:cs typeface="Courier New" panose="02070309020205020404" pitchFamily="49" charset="0"/>
-              </a:rPr>
-              <a:t> x </a:t>
-            </a:r>
-            <a:r>
-              <a:rPr lang="en-US" b="1" i="0" dirty="0">
-                <a:effectLst/>
-                <a:highlight>
-                  <a:srgbClr val="FFFF00"/>
-                </a:highlight>
-                <a:latin typeface="Courier New" panose="02070309020205020404" pitchFamily="49" charset="0"/>
-                <a:cs typeface="Courier New" panose="02070309020205020404" pitchFamily="49" charset="0"/>
-              </a:rPr>
-              <a:t>*</a:t>
-            </a:r>
-            <a:r>
-              <a:rPr lang="en-US" b="1" i="0" dirty="0">
-                <a:solidFill>
-                  <a:srgbClr val="36464E"/>
-                </a:solidFill>
-                <a:effectLst/>
-                <a:highlight>
-                  <a:srgbClr val="FFFF00"/>
-                </a:highlight>
-                <a:latin typeface="Courier New" panose="02070309020205020404" pitchFamily="49" charset="0"/>
-                <a:cs typeface="Courier New" panose="02070309020205020404" pitchFamily="49" charset="0"/>
-              </a:rPr>
-              <a:t> x</a:t>
-            </a:r>
-            <a:r>
-              <a:rPr lang="en-US" b="1" i="0" dirty="0">
-                <a:effectLst/>
-                <a:highlight>
-                  <a:srgbClr val="FFFF00"/>
-                </a:highlight>
-                <a:latin typeface="Courier New" panose="02070309020205020404" pitchFamily="49" charset="0"/>
-                <a:cs typeface="Courier New" panose="02070309020205020404" pitchFamily="49" charset="0"/>
-              </a:rPr>
-              <a:t>;</a:t>
-            </a:r>
-            <a:r>
-              <a:rPr lang="en-US" b="1" i="0" dirty="0">
-                <a:solidFill>
-                  <a:srgbClr val="36464E"/>
-                </a:solidFill>
-                <a:effectLst/>
-                <a:highlight>
-                  <a:srgbClr val="FFFF00"/>
-                </a:highlight>
-                <a:latin typeface="Courier New" panose="02070309020205020404" pitchFamily="49" charset="0"/>
-                <a:cs typeface="Courier New" panose="02070309020205020404" pitchFamily="49" charset="0"/>
-              </a:rPr>
-              <a:t> </a:t>
-            </a:r>
-          </a:p>
-          <a:p>
-            <a:pPr>
-              <a:tabLst>
-                <a:tab pos="347663" algn="l"/>
-                <a:tab pos="682625" algn="l"/>
-                <a:tab pos="1087438" algn="l"/>
-                <a:tab pos="1377950" algn="l"/>
-                <a:tab pos="1712913" algn="l"/>
-              </a:tabLst>
-            </a:pPr>
-            <a:r>
-              <a:rPr lang="en-US" b="1" i="0" dirty="0">
-                <a:effectLst/>
-                <a:highlight>
-                  <a:srgbClr val="FFFF00"/>
-                </a:highlight>
-                <a:latin typeface="Courier New" panose="02070309020205020404" pitchFamily="49" charset="0"/>
-                <a:cs typeface="Courier New" panose="02070309020205020404" pitchFamily="49" charset="0"/>
-              </a:rPr>
-              <a:t>}</a:t>
-            </a:r>
-            <a:r>
-              <a:rPr lang="en-US" b="1" i="0" dirty="0">
-                <a:solidFill>
-                  <a:srgbClr val="36464E"/>
-                </a:solidFill>
-                <a:effectLst/>
-                <a:highlight>
-                  <a:srgbClr val="FFFF00"/>
-                </a:highlight>
-                <a:latin typeface="Courier New" panose="02070309020205020404" pitchFamily="49" charset="0"/>
-                <a:cs typeface="Courier New" panose="02070309020205020404" pitchFamily="49" charset="0"/>
-              </a:rPr>
-              <a:t> </a:t>
-            </a:r>
-          </a:p>
-          <a:p>
-            <a:pPr>
-              <a:tabLst>
-                <a:tab pos="347663" algn="l"/>
-                <a:tab pos="682625" algn="l"/>
-                <a:tab pos="1087438" algn="l"/>
-                <a:tab pos="1377950" algn="l"/>
-                <a:tab pos="1712913" algn="l"/>
-              </a:tabLst>
-            </a:pPr>
-            <a:endParaRPr lang="en-US" b="1" dirty="0">
-              <a:solidFill>
-                <a:schemeClr val="tx1"/>
-              </a:solidFill>
-              <a:latin typeface="Courier New" panose="02070309020205020404" pitchFamily="49" charset="0"/>
-              <a:cs typeface="Courier New" panose="02070309020205020404" pitchFamily="49" charset="0"/>
-            </a:endParaRPr>
-          </a:p>
-          <a:p>
-            <a:pPr>
-              <a:tabLst>
-                <a:tab pos="347663" algn="l"/>
-                <a:tab pos="682625" algn="l"/>
-                <a:tab pos="1087438" algn="l"/>
-                <a:tab pos="1377950" algn="l"/>
-                <a:tab pos="1712913" algn="l"/>
-              </a:tabLst>
-            </a:pPr>
-            <a:r>
-              <a:rPr lang="en-SG" b="1" dirty="0">
-                <a:solidFill>
-                  <a:srgbClr val="0000FF"/>
-                </a:solidFill>
-                <a:latin typeface="Courier New" panose="02070309020205020404" pitchFamily="49" charset="0"/>
-                <a:cs typeface="Courier New" panose="02070309020205020404" pitchFamily="49" charset="0"/>
-              </a:rPr>
-              <a:t>double</a:t>
-            </a:r>
-            <a:r>
-              <a:rPr lang="en-SG" b="1" dirty="0">
-                <a:latin typeface="Courier New" panose="02070309020205020404" pitchFamily="49" charset="0"/>
-                <a:cs typeface="Courier New" panose="02070309020205020404" pitchFamily="49" charset="0"/>
-              </a:rPr>
-              <a:t> </a:t>
-            </a:r>
-            <a:r>
-              <a:rPr lang="en-SG" b="1" dirty="0" err="1">
-                <a:latin typeface="Courier New" panose="02070309020205020404" pitchFamily="49" charset="0"/>
-                <a:cs typeface="Courier New" panose="02070309020205020404" pitchFamily="49" charset="0"/>
-              </a:rPr>
-              <a:t>hypotenuse_of</a:t>
-            </a:r>
-            <a:r>
-              <a:rPr lang="en-SG" b="1" dirty="0">
-                <a:latin typeface="Courier New" panose="02070309020205020404" pitchFamily="49" charset="0"/>
-                <a:cs typeface="Courier New" panose="02070309020205020404" pitchFamily="49" charset="0"/>
-              </a:rPr>
-              <a:t>(</a:t>
-            </a:r>
-            <a:r>
-              <a:rPr lang="en-SG" b="1" dirty="0">
-                <a:solidFill>
-                  <a:srgbClr val="0000FF"/>
-                </a:solidFill>
-                <a:latin typeface="Courier New" panose="02070309020205020404" pitchFamily="49" charset="0"/>
-                <a:cs typeface="Courier New" panose="02070309020205020404" pitchFamily="49" charset="0"/>
-              </a:rPr>
-              <a:t>long</a:t>
-            </a:r>
-            <a:r>
-              <a:rPr lang="en-SG" b="1" dirty="0">
-                <a:latin typeface="Courier New" panose="02070309020205020404" pitchFamily="49" charset="0"/>
-                <a:cs typeface="Courier New" panose="02070309020205020404" pitchFamily="49" charset="0"/>
-              </a:rPr>
-              <a:t> base, </a:t>
-            </a:r>
-            <a:r>
-              <a:rPr lang="en-SG" b="1" dirty="0">
-                <a:solidFill>
-                  <a:srgbClr val="0000FF"/>
-                </a:solidFill>
-                <a:latin typeface="Courier New" panose="02070309020205020404" pitchFamily="49" charset="0"/>
-                <a:cs typeface="Courier New" panose="02070309020205020404" pitchFamily="49" charset="0"/>
-              </a:rPr>
-              <a:t>long</a:t>
-            </a:r>
-            <a:r>
-              <a:rPr lang="en-SG" b="1" dirty="0">
-                <a:latin typeface="Courier New" panose="02070309020205020404" pitchFamily="49" charset="0"/>
-                <a:cs typeface="Courier New" panose="02070309020205020404" pitchFamily="49" charset="0"/>
-              </a:rPr>
-              <a:t> height) </a:t>
-            </a:r>
-          </a:p>
-          <a:p>
-            <a:pPr>
-              <a:tabLst>
-                <a:tab pos="347663" algn="l"/>
-                <a:tab pos="682625" algn="l"/>
-                <a:tab pos="1087438" algn="l"/>
-                <a:tab pos="1377950" algn="l"/>
-                <a:tab pos="1712913" algn="l"/>
-              </a:tabLst>
-            </a:pPr>
-            <a:r>
-              <a:rPr lang="en-SG" b="1" dirty="0">
-                <a:latin typeface="Courier New" panose="02070309020205020404" pitchFamily="49" charset="0"/>
-                <a:cs typeface="Courier New" panose="02070309020205020404" pitchFamily="49" charset="0"/>
-              </a:rPr>
-              <a:t>{ </a:t>
-            </a:r>
-          </a:p>
-          <a:p>
-            <a:pPr>
-              <a:tabLst>
-                <a:tab pos="347663" algn="l"/>
-                <a:tab pos="682625" algn="l"/>
-                <a:tab pos="1087438" algn="l"/>
-                <a:tab pos="1377950" algn="l"/>
-                <a:tab pos="1712913" algn="l"/>
-              </a:tabLst>
-            </a:pPr>
-            <a:r>
-              <a:rPr lang="en-US" b="1" dirty="0">
-                <a:solidFill>
                   <a:schemeClr val="tx1"/>
                 </a:solidFill>
                 <a:latin typeface="Courier New" panose="02070309020205020404" pitchFamily="49" charset="0"/>
                 <a:cs typeface="Courier New" panose="02070309020205020404" pitchFamily="49" charset="0"/>
               </a:rPr>
-              <a:t> …</a:t>
-            </a:r>
-            <a:endParaRPr lang="en-SG" b="1" dirty="0">
-              <a:highlight>
-                <a:srgbClr val="FFFF00"/>
-              </a:highlight>
-              <a:latin typeface="Courier New" panose="02070309020205020404" pitchFamily="49" charset="0"/>
-              <a:cs typeface="Courier New" panose="02070309020205020404" pitchFamily="49" charset="0"/>
-            </a:endParaRPr>
-          </a:p>
-          <a:p>
-            <a:pPr>
-              <a:tabLst>
-                <a:tab pos="347663" algn="l"/>
-                <a:tab pos="682625" algn="l"/>
-                <a:tab pos="1087438" algn="l"/>
-                <a:tab pos="1377950" algn="l"/>
-                <a:tab pos="1712913" algn="l"/>
-              </a:tabLst>
-            </a:pPr>
-            <a:r>
-              <a:rPr lang="en-SG" b="1" dirty="0">
-                <a:latin typeface="Courier New" panose="02070309020205020404" pitchFamily="49" charset="0"/>
-                <a:cs typeface="Courier New" panose="02070309020205020404" pitchFamily="49" charset="0"/>
-              </a:rPr>
-              <a:t>}</a:t>
-            </a:r>
-            <a:endParaRPr lang="en-US" b="1" dirty="0">
-              <a:solidFill>
-                <a:schemeClr val="tx1"/>
-              </a:solidFill>
-              <a:latin typeface="Courier New" panose="02070309020205020404" pitchFamily="49" charset="0"/>
-              <a:cs typeface="Courier New" panose="02070309020205020404" pitchFamily="49" charset="0"/>
-            </a:endParaRPr>
+              <a:t>…</a:t>
+            </a:r>
           </a:p>
         </p:txBody>
       </p:sp>
@@ -12057,8 +12207,8 @@
         </p:nvSpPr>
         <p:spPr>
           <a:xfrm>
-            <a:off x="1490666" y="5534672"/>
-            <a:ext cx="2560634" cy="646331"/>
+            <a:off x="1149790" y="5543239"/>
+            <a:ext cx="3032911" cy="646331"/>
           </a:xfrm>
           <a:prstGeom prst="rect">
             <a:avLst/>
@@ -12094,7 +12244,7 @@
                   <a:schemeClr val="tx1"/>
                 </a:solidFill>
               </a:rPr>
-              <a:t>Do you know the meaning of each line?</a:t>
+              <a:t>Do you know the meaning / purpose of each line?</a:t>
             </a:r>
             <a:endParaRPr lang="en-US" dirty="0">
               <a:solidFill>
@@ -12118,8 +12268,8 @@
         </p:nvSpPr>
         <p:spPr>
           <a:xfrm>
-            <a:off x="4462466" y="5534672"/>
-            <a:ext cx="3500434" cy="646331"/>
+            <a:off x="5050941" y="5534671"/>
+            <a:ext cx="2943269" cy="646331"/>
           </a:xfrm>
           <a:prstGeom prst="rect">
             <a:avLst/>
@@ -13681,7 +13831,7 @@
         </p:nvSpPr>
         <p:spPr>
           <a:xfrm>
-            <a:off x="1190264" y="3057435"/>
+            <a:off x="4802597" y="3059668"/>
             <a:ext cx="3013989" cy="369332"/>
           </a:xfrm>
           <a:prstGeom prst="rect">
@@ -13855,7 +14005,7 @@
         </p:nvSpPr>
         <p:spPr>
           <a:xfrm>
-            <a:off x="4641618" y="3057435"/>
+            <a:off x="1500771" y="3067967"/>
             <a:ext cx="2840633" cy="1200329"/>
           </a:xfrm>
           <a:prstGeom prst="rect">
@@ -14139,7 +14289,7 @@
         </p:nvSpPr>
         <p:spPr>
           <a:xfrm>
-            <a:off x="1543942" y="2483072"/>
+            <a:off x="5156275" y="2485305"/>
             <a:ext cx="2253358" cy="369332"/>
           </a:xfrm>
           <a:prstGeom prst="rect">
@@ -14200,7 +14350,7 @@
         </p:nvSpPr>
         <p:spPr>
           <a:xfrm>
-            <a:off x="4972117" y="2474773"/>
+            <a:off x="1831270" y="2485305"/>
             <a:ext cx="2050983" cy="369332"/>
           </a:xfrm>
           <a:prstGeom prst="rect">
@@ -14520,7 +14670,7 @@
         <p:spPr bwMode="auto">
           <a:xfrm>
             <a:off x="491319" y="1219200"/>
-            <a:ext cx="7890681" cy="2438400"/>
+            <a:ext cx="8153400" cy="2438400"/>
           </a:xfrm>
           <a:prstGeom prst="rect">
             <a:avLst/>
@@ -14734,634 +14884,28 @@
             </a:pPr>
             <a:r>
               <a:rPr lang="en-US" sz="2400" dirty="0"/>
-              <a:t>Allows compilers to check the validity of function calls.</a:t>
-            </a:r>
-          </a:p>
-        </p:txBody>
-      </p:sp>
-      <p:sp>
-        <p:nvSpPr>
-          <p:cNvPr id="8" name="TextBox 7">
-            <a:extLst>
-              <a:ext uri="{FF2B5EF4-FFF2-40B4-BE49-F238E27FC236}">
-                <a16:creationId xmlns:a16="http://schemas.microsoft.com/office/drawing/2014/main" id="{28132129-8005-4001-8A22-A53D9CDE0963}"/>
-              </a:ext>
-            </a:extLst>
-          </p:cNvPr>
-          <p:cNvSpPr txBox="1"/>
-          <p:nvPr/>
-        </p:nvSpPr>
-        <p:spPr>
-          <a:xfrm>
-            <a:off x="211486" y="2258447"/>
-            <a:ext cx="3013989" cy="3139321"/>
-          </a:xfrm>
-          <a:prstGeom prst="rect">
-            <a:avLst/>
-          </a:prstGeom>
-          <a:solidFill>
-            <a:schemeClr val="bg1"/>
-          </a:solidFill>
-          <a:ln w="19050">
-            <a:solidFill>
-              <a:schemeClr val="tx1"/>
-            </a:solidFill>
-          </a:ln>
-        </p:spPr>
-        <p:style>
-          <a:lnRef idx="2">
-            <a:schemeClr val="accent6"/>
-          </a:lnRef>
-          <a:fillRef idx="1">
-            <a:schemeClr val="lt1"/>
-          </a:fillRef>
-          <a:effectRef idx="0">
-            <a:schemeClr val="accent6"/>
-          </a:effectRef>
-          <a:fontRef idx="minor">
-            <a:schemeClr val="dk1"/>
-          </a:fontRef>
-        </p:style>
-        <p:txBody>
-          <a:bodyPr wrap="square" lIns="91440" tIns="45720" rIns="91440" bIns="45720" rtlCol="0" anchor="t">
-            <a:spAutoFit/>
-          </a:bodyPr>
-          <a:lstStyle/>
-          <a:p>
-            <a:pPr>
-              <a:tabLst>
-                <a:tab pos="347663" algn="l"/>
-                <a:tab pos="682625" algn="l"/>
-                <a:tab pos="1087438" algn="l"/>
-                <a:tab pos="1377950" algn="l"/>
-                <a:tab pos="1712913" algn="l"/>
-              </a:tabLst>
-            </a:pPr>
-            <a:r>
-              <a:rPr lang="en-US" b="1" dirty="0">
-                <a:solidFill>
-                  <a:srgbClr val="0000FF"/>
-                </a:solidFill>
-                <a:highlight>
-                  <a:srgbClr val="FFFF00"/>
-                </a:highlight>
-                <a:latin typeface="Courier New" panose="02070309020205020404" pitchFamily="49" charset="0"/>
-                <a:cs typeface="Courier New" panose="02070309020205020404" pitchFamily="49" charset="0"/>
-              </a:rPr>
-              <a:t>long</a:t>
-            </a:r>
-            <a:r>
-              <a:rPr lang="en-US" b="1" i="0" dirty="0">
-                <a:solidFill>
-                  <a:srgbClr val="36464E"/>
-                </a:solidFill>
-                <a:effectLst/>
-                <a:highlight>
-                  <a:srgbClr val="FFFF00"/>
-                </a:highlight>
-                <a:latin typeface="Courier New" panose="02070309020205020404" pitchFamily="49" charset="0"/>
-                <a:cs typeface="Courier New" panose="02070309020205020404" pitchFamily="49" charset="0"/>
-              </a:rPr>
-              <a:t> </a:t>
-            </a:r>
-            <a:r>
-              <a:rPr lang="en-US" b="1" i="0" dirty="0">
-                <a:solidFill>
-                  <a:srgbClr val="7030A0"/>
-                </a:solidFill>
-                <a:effectLst/>
-                <a:highlight>
-                  <a:srgbClr val="FFFF00"/>
-                </a:highlight>
-                <a:latin typeface="Courier New" panose="02070309020205020404" pitchFamily="49" charset="0"/>
-                <a:cs typeface="Courier New" panose="02070309020205020404" pitchFamily="49" charset="0"/>
-              </a:rPr>
-              <a:t>square</a:t>
-            </a:r>
-            <a:r>
-              <a:rPr lang="en-US" b="1" i="0" dirty="0">
-                <a:effectLst/>
-                <a:highlight>
-                  <a:srgbClr val="FFFF00"/>
-                </a:highlight>
-                <a:latin typeface="Courier New" panose="02070309020205020404" pitchFamily="49" charset="0"/>
-                <a:cs typeface="Courier New" panose="02070309020205020404" pitchFamily="49" charset="0"/>
-              </a:rPr>
-              <a:t>(</a:t>
-            </a:r>
-            <a:r>
-              <a:rPr lang="en-US" b="1" i="0" dirty="0">
-                <a:solidFill>
-                  <a:srgbClr val="0000FF"/>
-                </a:solidFill>
-                <a:effectLst/>
-                <a:highlight>
-                  <a:srgbClr val="FFFF00"/>
-                </a:highlight>
-                <a:latin typeface="Courier New" panose="02070309020205020404" pitchFamily="49" charset="0"/>
-                <a:cs typeface="Courier New" panose="02070309020205020404" pitchFamily="49" charset="0"/>
-              </a:rPr>
-              <a:t>long</a:t>
-            </a:r>
-            <a:r>
-              <a:rPr lang="en-US" b="1" i="0" dirty="0">
-                <a:solidFill>
-                  <a:srgbClr val="36464E"/>
-                </a:solidFill>
-                <a:effectLst/>
-                <a:highlight>
-                  <a:srgbClr val="FFFF00"/>
-                </a:highlight>
-                <a:latin typeface="Courier New" panose="02070309020205020404" pitchFamily="49" charset="0"/>
-                <a:cs typeface="Courier New" panose="02070309020205020404" pitchFamily="49" charset="0"/>
-              </a:rPr>
-              <a:t> x</a:t>
-            </a:r>
-            <a:r>
-              <a:rPr lang="en-US" b="1" i="0" dirty="0">
-                <a:effectLst/>
-                <a:highlight>
-                  <a:srgbClr val="FFFF00"/>
-                </a:highlight>
-                <a:latin typeface="Courier New" panose="02070309020205020404" pitchFamily="49" charset="0"/>
-                <a:cs typeface="Courier New" panose="02070309020205020404" pitchFamily="49" charset="0"/>
-              </a:rPr>
-              <a:t>);</a:t>
-            </a:r>
-            <a:r>
-              <a:rPr lang="en-US" b="1" i="0" dirty="0">
-                <a:solidFill>
-                  <a:srgbClr val="36464E"/>
-                </a:solidFill>
-                <a:effectLst/>
-                <a:highlight>
-                  <a:srgbClr val="FFFF00"/>
-                </a:highlight>
-                <a:latin typeface="Courier New" panose="02070309020205020404" pitchFamily="49" charset="0"/>
-                <a:cs typeface="Courier New" panose="02070309020205020404" pitchFamily="49" charset="0"/>
-              </a:rPr>
-              <a:t> </a:t>
-            </a:r>
-            <a:endParaRPr lang="en-US" b="1" i="0" dirty="0">
-              <a:solidFill>
-                <a:srgbClr val="0000FF"/>
-              </a:solidFill>
-              <a:effectLst/>
-              <a:latin typeface="Courier New" panose="02070309020205020404" pitchFamily="49" charset="0"/>
-              <a:cs typeface="Courier New" panose="02070309020205020404" pitchFamily="49" charset="0"/>
-            </a:endParaRPr>
-          </a:p>
-          <a:p>
-            <a:pPr>
-              <a:tabLst>
-                <a:tab pos="347663" algn="l"/>
-                <a:tab pos="682625" algn="l"/>
-                <a:tab pos="1087438" algn="l"/>
-                <a:tab pos="1377950" algn="l"/>
-                <a:tab pos="1712913" algn="l"/>
-              </a:tabLst>
-            </a:pPr>
-            <a:endParaRPr lang="en-US" b="1" dirty="0">
-              <a:solidFill>
-                <a:srgbClr val="0000FF"/>
-              </a:solidFill>
-              <a:latin typeface="Courier New" panose="02070309020205020404" pitchFamily="49" charset="0"/>
-              <a:cs typeface="Courier New" panose="02070309020205020404" pitchFamily="49" charset="0"/>
-            </a:endParaRPr>
-          </a:p>
-          <a:p>
-            <a:pPr>
-              <a:tabLst>
-                <a:tab pos="347663" algn="l"/>
-                <a:tab pos="682625" algn="l"/>
-                <a:tab pos="1087438" algn="l"/>
-                <a:tab pos="1377950" algn="l"/>
-                <a:tab pos="1712913" algn="l"/>
-              </a:tabLst>
-            </a:pPr>
-            <a:r>
-              <a:rPr lang="en-US" b="1" i="0" dirty="0">
-                <a:solidFill>
-                  <a:srgbClr val="0000FF"/>
-                </a:solidFill>
-                <a:effectLst/>
-                <a:latin typeface="Courier New" panose="02070309020205020404" pitchFamily="49" charset="0"/>
-                <a:cs typeface="Courier New" panose="02070309020205020404" pitchFamily="49" charset="0"/>
-              </a:rPr>
-              <a:t>int</a:t>
-            </a:r>
-            <a:r>
-              <a:rPr lang="en-US" b="1" i="0" dirty="0">
-                <a:solidFill>
-                  <a:srgbClr val="36464E"/>
-                </a:solidFill>
-                <a:effectLst/>
-                <a:latin typeface="Courier New" panose="02070309020205020404" pitchFamily="49" charset="0"/>
-                <a:cs typeface="Courier New" panose="02070309020205020404" pitchFamily="49" charset="0"/>
-              </a:rPr>
-              <a:t> </a:t>
-            </a:r>
-            <a:r>
-              <a:rPr lang="en-US" b="1" i="0" dirty="0">
-                <a:solidFill>
-                  <a:srgbClr val="7030A0"/>
-                </a:solidFill>
-                <a:effectLst/>
-                <a:latin typeface="Courier New" panose="02070309020205020404" pitchFamily="49" charset="0"/>
-                <a:cs typeface="Courier New" panose="02070309020205020404" pitchFamily="49" charset="0"/>
-              </a:rPr>
-              <a:t>main</a:t>
-            </a:r>
-            <a:r>
-              <a:rPr lang="en-US" b="1" i="0" dirty="0">
-                <a:effectLst/>
-                <a:latin typeface="Courier New" panose="02070309020205020404" pitchFamily="49" charset="0"/>
-                <a:cs typeface="Courier New" panose="02070309020205020404" pitchFamily="49" charset="0"/>
-              </a:rPr>
-              <a:t>()</a:t>
-            </a:r>
-            <a:r>
-              <a:rPr lang="en-US" b="1" i="0" dirty="0">
-                <a:solidFill>
-                  <a:srgbClr val="36464E"/>
-                </a:solidFill>
-                <a:effectLst/>
-                <a:latin typeface="Courier New" panose="02070309020205020404" pitchFamily="49" charset="0"/>
-                <a:cs typeface="Courier New" panose="02070309020205020404" pitchFamily="49" charset="0"/>
-              </a:rPr>
-              <a:t> </a:t>
-            </a:r>
-          </a:p>
-          <a:p>
-            <a:pPr>
-              <a:tabLst>
-                <a:tab pos="347663" algn="l"/>
-                <a:tab pos="682625" algn="l"/>
-                <a:tab pos="1087438" algn="l"/>
-                <a:tab pos="1377950" algn="l"/>
-                <a:tab pos="1712913" algn="l"/>
-              </a:tabLst>
-            </a:pPr>
-            <a:r>
-              <a:rPr lang="en-US" b="1" i="0" dirty="0">
-                <a:effectLst/>
-                <a:latin typeface="Courier New" panose="02070309020205020404" pitchFamily="49" charset="0"/>
-                <a:cs typeface="Courier New" panose="02070309020205020404" pitchFamily="49" charset="0"/>
-              </a:rPr>
-              <a:t>{</a:t>
-            </a:r>
-            <a:r>
-              <a:rPr lang="en-US" b="1" i="0" dirty="0">
-                <a:solidFill>
-                  <a:srgbClr val="36464E"/>
-                </a:solidFill>
-                <a:effectLst/>
-                <a:latin typeface="Courier New" panose="02070309020205020404" pitchFamily="49" charset="0"/>
-                <a:cs typeface="Courier New" panose="02070309020205020404" pitchFamily="49" charset="0"/>
-              </a:rPr>
-              <a:t> </a:t>
-            </a:r>
-          </a:p>
-          <a:p>
-            <a:pPr>
-              <a:tabLst>
-                <a:tab pos="347663" algn="l"/>
-                <a:tab pos="682625" algn="l"/>
-                <a:tab pos="1087438" algn="l"/>
-                <a:tab pos="1377950" algn="l"/>
-                <a:tab pos="1712913" algn="l"/>
-              </a:tabLst>
-            </a:pPr>
-            <a:r>
-              <a:rPr lang="en-US" b="1" i="0" dirty="0">
-                <a:effectLst/>
-                <a:latin typeface="Courier New" panose="02070309020205020404" pitchFamily="49" charset="0"/>
-                <a:cs typeface="Courier New" panose="02070309020205020404" pitchFamily="49" charset="0"/>
-              </a:rPr>
-              <a:t>    </a:t>
-            </a:r>
-            <a:r>
-              <a:rPr lang="en-US" b="1" i="0" dirty="0">
-                <a:solidFill>
-                  <a:schemeClr val="tx1"/>
-                </a:solidFill>
-                <a:effectLst/>
-                <a:latin typeface="Courier New" panose="02070309020205020404" pitchFamily="49" charset="0"/>
-                <a:cs typeface="Courier New" panose="02070309020205020404" pitchFamily="49" charset="0"/>
-              </a:rPr>
-              <a:t>…</a:t>
-            </a:r>
-            <a:r>
-              <a:rPr lang="en-US" b="1" i="0" dirty="0">
-                <a:solidFill>
-                  <a:srgbClr val="0000FF"/>
-                </a:solidFill>
-                <a:effectLst/>
-                <a:latin typeface="Courier New" panose="02070309020205020404" pitchFamily="49" charset="0"/>
-                <a:cs typeface="Courier New" panose="02070309020205020404" pitchFamily="49" charset="0"/>
-              </a:rPr>
-              <a:t> </a:t>
-            </a:r>
-            <a:r>
-              <a:rPr lang="en-US" b="1" i="0" dirty="0">
-                <a:solidFill>
-                  <a:schemeClr val="tx1"/>
-                </a:solidFill>
-                <a:effectLst/>
-                <a:latin typeface="Courier New" panose="02070309020205020404" pitchFamily="49" charset="0"/>
-                <a:cs typeface="Courier New" panose="02070309020205020404" pitchFamily="49" charset="0"/>
-              </a:rPr>
-              <a:t>square(</a:t>
-            </a:r>
-            <a:r>
-              <a:rPr lang="en-US" b="1" i="0" dirty="0">
-                <a:solidFill>
-                  <a:srgbClr val="FF0000"/>
-                </a:solidFill>
-                <a:effectLst/>
-                <a:latin typeface="Courier New" panose="02070309020205020404" pitchFamily="49" charset="0"/>
-                <a:cs typeface="Courier New" panose="02070309020205020404" pitchFamily="49" charset="0"/>
-              </a:rPr>
-              <a:t>3</a:t>
-            </a:r>
-            <a:r>
-              <a:rPr lang="en-US" b="1" i="0" dirty="0">
-                <a:solidFill>
-                  <a:schemeClr val="tx1"/>
-                </a:solidFill>
-                <a:effectLst/>
-                <a:latin typeface="Courier New" panose="02070309020205020404" pitchFamily="49" charset="0"/>
-                <a:cs typeface="Courier New" panose="02070309020205020404" pitchFamily="49" charset="0"/>
-              </a:rPr>
-              <a:t>) …</a:t>
-            </a:r>
-          </a:p>
-          <a:p>
-            <a:pPr>
-              <a:tabLst>
-                <a:tab pos="347663" algn="l"/>
-                <a:tab pos="682625" algn="l"/>
-                <a:tab pos="1087438" algn="l"/>
-                <a:tab pos="1377950" algn="l"/>
-                <a:tab pos="1712913" algn="l"/>
-              </a:tabLst>
-            </a:pPr>
-            <a:r>
-              <a:rPr lang="en-US" b="1" i="0" dirty="0">
-                <a:effectLst/>
-                <a:latin typeface="Courier New" panose="02070309020205020404" pitchFamily="49" charset="0"/>
-                <a:cs typeface="Courier New" panose="02070309020205020404" pitchFamily="49" charset="0"/>
-              </a:rPr>
-              <a:t>}</a:t>
-            </a:r>
-          </a:p>
-          <a:p>
-            <a:pPr>
-              <a:tabLst>
-                <a:tab pos="347663" algn="l"/>
-                <a:tab pos="682625" algn="l"/>
-                <a:tab pos="1087438" algn="l"/>
-                <a:tab pos="1377950" algn="l"/>
-                <a:tab pos="1712913" algn="l"/>
-              </a:tabLst>
-            </a:pPr>
-            <a:endParaRPr lang="en-US" b="1" dirty="0">
-              <a:latin typeface="Courier New" panose="02070309020205020404" pitchFamily="49" charset="0"/>
-              <a:cs typeface="Courier New" panose="02070309020205020404" pitchFamily="49" charset="0"/>
-            </a:endParaRPr>
-          </a:p>
-          <a:p>
-            <a:pPr>
-              <a:tabLst>
-                <a:tab pos="347663" algn="l"/>
-                <a:tab pos="682625" algn="l"/>
-                <a:tab pos="1087438" algn="l"/>
-                <a:tab pos="1377950" algn="l"/>
-                <a:tab pos="1712913" algn="l"/>
-              </a:tabLst>
-            </a:pPr>
-            <a:r>
-              <a:rPr lang="en-US" b="1" i="0" dirty="0">
-                <a:solidFill>
-                  <a:srgbClr val="0000FF"/>
-                </a:solidFill>
-                <a:effectLst/>
-                <a:latin typeface="Courier New" panose="02070309020205020404" pitchFamily="49" charset="0"/>
-                <a:cs typeface="Courier New" panose="02070309020205020404" pitchFamily="49" charset="0"/>
-              </a:rPr>
-              <a:t>long</a:t>
-            </a:r>
-            <a:r>
-              <a:rPr lang="en-US" b="1" i="0" dirty="0">
-                <a:solidFill>
-                  <a:srgbClr val="36464E"/>
-                </a:solidFill>
-                <a:effectLst/>
-                <a:latin typeface="Courier New" panose="02070309020205020404" pitchFamily="49" charset="0"/>
-                <a:cs typeface="Courier New" panose="02070309020205020404" pitchFamily="49" charset="0"/>
-              </a:rPr>
-              <a:t> </a:t>
-            </a:r>
-            <a:r>
-              <a:rPr lang="en-US" b="1" i="0" dirty="0">
-                <a:solidFill>
-                  <a:srgbClr val="7030A0"/>
-                </a:solidFill>
-                <a:effectLst/>
-                <a:latin typeface="Courier New" panose="02070309020205020404" pitchFamily="49" charset="0"/>
-                <a:cs typeface="Courier New" panose="02070309020205020404" pitchFamily="49" charset="0"/>
-              </a:rPr>
-              <a:t>square</a:t>
-            </a:r>
-            <a:r>
-              <a:rPr lang="en-US" b="1" i="0" dirty="0">
-                <a:effectLst/>
-                <a:latin typeface="Courier New" panose="02070309020205020404" pitchFamily="49" charset="0"/>
-                <a:cs typeface="Courier New" panose="02070309020205020404" pitchFamily="49" charset="0"/>
-              </a:rPr>
-              <a:t>(</a:t>
-            </a:r>
-            <a:r>
-              <a:rPr lang="en-US" b="1" i="0" dirty="0">
-                <a:solidFill>
-                  <a:srgbClr val="0000FF"/>
-                </a:solidFill>
-                <a:effectLst/>
-                <a:latin typeface="Courier New" panose="02070309020205020404" pitchFamily="49" charset="0"/>
-                <a:cs typeface="Courier New" panose="02070309020205020404" pitchFamily="49" charset="0"/>
-              </a:rPr>
-              <a:t>long</a:t>
-            </a:r>
-            <a:r>
-              <a:rPr lang="en-US" b="1" i="0" dirty="0">
-                <a:solidFill>
-                  <a:srgbClr val="36464E"/>
-                </a:solidFill>
-                <a:effectLst/>
-                <a:latin typeface="Courier New" panose="02070309020205020404" pitchFamily="49" charset="0"/>
-                <a:cs typeface="Courier New" panose="02070309020205020404" pitchFamily="49" charset="0"/>
-              </a:rPr>
-              <a:t> x</a:t>
-            </a:r>
-            <a:r>
-              <a:rPr lang="en-US" b="1" i="0" dirty="0">
-                <a:effectLst/>
-                <a:latin typeface="Courier New" panose="02070309020205020404" pitchFamily="49" charset="0"/>
-                <a:cs typeface="Courier New" panose="02070309020205020404" pitchFamily="49" charset="0"/>
-              </a:rPr>
-              <a:t>)</a:t>
-            </a:r>
-            <a:r>
-              <a:rPr lang="en-US" b="1" i="0" dirty="0">
-                <a:solidFill>
-                  <a:srgbClr val="36464E"/>
-                </a:solidFill>
-                <a:effectLst/>
-                <a:latin typeface="Courier New" panose="02070309020205020404" pitchFamily="49" charset="0"/>
-                <a:cs typeface="Courier New" panose="02070309020205020404" pitchFamily="49" charset="0"/>
-              </a:rPr>
-              <a:t> </a:t>
-            </a:r>
-          </a:p>
-          <a:p>
-            <a:pPr>
-              <a:tabLst>
-                <a:tab pos="347663" algn="l"/>
-                <a:tab pos="682625" algn="l"/>
-                <a:tab pos="1087438" algn="l"/>
-                <a:tab pos="1377950" algn="l"/>
-                <a:tab pos="1712913" algn="l"/>
-              </a:tabLst>
-            </a:pPr>
-            <a:r>
-              <a:rPr lang="en-US" b="1" i="0" dirty="0">
-                <a:effectLst/>
-                <a:latin typeface="Courier New" panose="02070309020205020404" pitchFamily="49" charset="0"/>
-                <a:cs typeface="Courier New" panose="02070309020205020404" pitchFamily="49" charset="0"/>
-              </a:rPr>
-              <a:t>{</a:t>
-            </a:r>
-            <a:r>
-              <a:rPr lang="en-US" b="1" i="0" dirty="0">
-                <a:solidFill>
-                  <a:srgbClr val="36464E"/>
-                </a:solidFill>
-                <a:effectLst/>
-                <a:latin typeface="Courier New" panose="02070309020205020404" pitchFamily="49" charset="0"/>
-                <a:cs typeface="Courier New" panose="02070309020205020404" pitchFamily="49" charset="0"/>
-              </a:rPr>
-              <a:t> </a:t>
-            </a:r>
-          </a:p>
-          <a:p>
-            <a:pPr>
-              <a:tabLst>
-                <a:tab pos="347663" algn="l"/>
-                <a:tab pos="682625" algn="l"/>
-                <a:tab pos="1087438" algn="l"/>
-                <a:tab pos="1377950" algn="l"/>
-                <a:tab pos="1712913" algn="l"/>
-              </a:tabLst>
-            </a:pPr>
-            <a:r>
-              <a:rPr lang="en-US" b="1" dirty="0">
-                <a:solidFill>
-                  <a:srgbClr val="36464E"/>
-                </a:solidFill>
-                <a:latin typeface="Courier New" panose="02070309020205020404" pitchFamily="49" charset="0"/>
-                <a:cs typeface="Courier New" panose="02070309020205020404" pitchFamily="49" charset="0"/>
-              </a:rPr>
-              <a:t>    </a:t>
-            </a:r>
-            <a:r>
-              <a:rPr lang="en-US" b="1" i="0" dirty="0">
-                <a:solidFill>
-                  <a:srgbClr val="0000FF"/>
-                </a:solidFill>
-                <a:effectLst/>
-                <a:latin typeface="Courier New" panose="02070309020205020404" pitchFamily="49" charset="0"/>
-                <a:cs typeface="Courier New" panose="02070309020205020404" pitchFamily="49" charset="0"/>
-              </a:rPr>
-              <a:t>return</a:t>
-            </a:r>
-            <a:r>
-              <a:rPr lang="en-US" b="1" i="0" dirty="0">
-                <a:solidFill>
-                  <a:srgbClr val="36464E"/>
-                </a:solidFill>
-                <a:effectLst/>
-                <a:latin typeface="Courier New" panose="02070309020205020404" pitchFamily="49" charset="0"/>
-                <a:cs typeface="Courier New" panose="02070309020205020404" pitchFamily="49" charset="0"/>
-              </a:rPr>
-              <a:t> x </a:t>
-            </a:r>
-            <a:r>
-              <a:rPr lang="en-US" b="1" i="0" dirty="0">
-                <a:effectLst/>
-                <a:latin typeface="Courier New" panose="02070309020205020404" pitchFamily="49" charset="0"/>
-                <a:cs typeface="Courier New" panose="02070309020205020404" pitchFamily="49" charset="0"/>
-              </a:rPr>
-              <a:t>*</a:t>
-            </a:r>
-            <a:r>
-              <a:rPr lang="en-US" b="1" i="0" dirty="0">
-                <a:solidFill>
-                  <a:srgbClr val="36464E"/>
-                </a:solidFill>
-                <a:effectLst/>
-                <a:latin typeface="Courier New" panose="02070309020205020404" pitchFamily="49" charset="0"/>
-                <a:cs typeface="Courier New" panose="02070309020205020404" pitchFamily="49" charset="0"/>
-              </a:rPr>
-              <a:t> x</a:t>
-            </a:r>
-            <a:r>
-              <a:rPr lang="en-US" b="1" i="0" dirty="0">
-                <a:effectLst/>
-                <a:latin typeface="Courier New" panose="02070309020205020404" pitchFamily="49" charset="0"/>
-                <a:cs typeface="Courier New" panose="02070309020205020404" pitchFamily="49" charset="0"/>
-              </a:rPr>
-              <a:t>;</a:t>
-            </a:r>
-            <a:r>
-              <a:rPr lang="en-US" b="1" i="0" dirty="0">
-                <a:solidFill>
-                  <a:srgbClr val="36464E"/>
-                </a:solidFill>
-                <a:effectLst/>
-                <a:latin typeface="Courier New" panose="02070309020205020404" pitchFamily="49" charset="0"/>
-                <a:cs typeface="Courier New" panose="02070309020205020404" pitchFamily="49" charset="0"/>
-              </a:rPr>
-              <a:t> </a:t>
-            </a:r>
-          </a:p>
-          <a:p>
-            <a:pPr>
-              <a:tabLst>
-                <a:tab pos="347663" algn="l"/>
-                <a:tab pos="682625" algn="l"/>
-                <a:tab pos="1087438" algn="l"/>
-                <a:tab pos="1377950" algn="l"/>
-                <a:tab pos="1712913" algn="l"/>
-              </a:tabLst>
-            </a:pPr>
-            <a:r>
-              <a:rPr lang="en-US" b="1" i="0" dirty="0">
-                <a:effectLst/>
-                <a:latin typeface="Courier New" panose="02070309020205020404" pitchFamily="49" charset="0"/>
-                <a:cs typeface="Courier New" panose="02070309020205020404" pitchFamily="49" charset="0"/>
-              </a:rPr>
-              <a:t>}</a:t>
-            </a:r>
-            <a:r>
-              <a:rPr lang="en-US" b="1" i="0" dirty="0">
-                <a:solidFill>
-                  <a:srgbClr val="36464E"/>
-                </a:solidFill>
-                <a:effectLst/>
-                <a:latin typeface="Courier New" panose="02070309020205020404" pitchFamily="49" charset="0"/>
-                <a:cs typeface="Courier New" panose="02070309020205020404" pitchFamily="49" charset="0"/>
-              </a:rPr>
-              <a:t> </a:t>
+              <a:t>Allow compilers to check the validity of function calls</a:t>
+            </a:r>
+          </a:p>
+          <a:p>
+            <a:pPr marL="804863" lvl="1" indent="-347663">
+              <a:spcBef>
+                <a:spcPts val="600"/>
+              </a:spcBef>
+              <a:buClr>
+                <a:schemeClr val="tx1">
+                  <a:lumMod val="90000"/>
+                  <a:lumOff val="10000"/>
+                </a:schemeClr>
+              </a:buClr>
+              <a:buSzPct val="100000"/>
+              <a:buFont typeface="Wingdings" panose="05000000000000000000" pitchFamily="2" charset="2"/>
+              <a:buChar char="§"/>
+              <a:defRPr/>
+            </a:pPr>
+            <a:r>
+              <a:rPr lang="en-US" sz="2400" dirty="0"/>
+              <a:t>Allow programmers to provide the definitions later</a:t>
             </a:r>
           </a:p>
         </p:txBody>
@@ -15889,7 +15433,7 @@
         </p:nvSpPr>
         <p:spPr>
           <a:xfrm>
-            <a:off x="3283462" y="2794666"/>
+            <a:off x="214344" y="2803719"/>
             <a:ext cx="2816391" cy="2585323"/>
           </a:xfrm>
           <a:prstGeom prst="rect">
@@ -16378,43 +15922,7 @@
         </p:blipFill>
         <p:spPr>
           <a:xfrm>
-            <a:off x="5492014" y="3587907"/>
-            <a:ext cx="415645" cy="523714"/>
-          </a:xfrm>
-          <a:prstGeom prst="rect">
-            <a:avLst/>
-          </a:prstGeom>
-        </p:spPr>
-      </p:pic>
-      <p:pic>
-        <p:nvPicPr>
-          <p:cNvPr id="17" name="Picture 16">
-            <a:extLst>
-              <a:ext uri="{FF2B5EF4-FFF2-40B4-BE49-F238E27FC236}">
-                <a16:creationId xmlns:a16="http://schemas.microsoft.com/office/drawing/2014/main" id="{38311CE1-DDEB-4EA2-89E6-0F3AD4D81411}"/>
-              </a:ext>
-            </a:extLst>
-          </p:cNvPr>
-          <p:cNvPicPr>
-            <a:picLocks noChangeAspect="1"/>
-          </p:cNvPicPr>
-          <p:nvPr/>
-        </p:nvPicPr>
-        <p:blipFill>
-          <a:blip r:embed="rId4" cstate="print">
-            <a:extLst>
-              <a:ext uri="{28A0092B-C50C-407E-A947-70E740481C1C}">
-                <a14:useLocalDpi xmlns:a14="http://schemas.microsoft.com/office/drawing/2010/main" val="0"/>
-              </a:ext>
-            </a:extLst>
-          </a:blip>
-          <a:stretch>
-            <a:fillRect/>
-          </a:stretch>
-        </p:blipFill>
-        <p:spPr>
-          <a:xfrm>
-            <a:off x="2671741" y="3608455"/>
+            <a:off x="2434988" y="3679482"/>
             <a:ext cx="415645" cy="523714"/>
           </a:xfrm>
           <a:prstGeom prst="rect">
@@ -16493,6 +16001,669 @@
           </a:p>
         </p:txBody>
       </p:sp>
+      <p:sp>
+        <p:nvSpPr>
+          <p:cNvPr id="4" name="TextBox 3">
+            <a:extLst>
+              <a:ext uri="{FF2B5EF4-FFF2-40B4-BE49-F238E27FC236}">
+                <a16:creationId xmlns:a16="http://schemas.microsoft.com/office/drawing/2014/main" id="{28132129-8005-4001-8A22-A53D9CDE0963}"/>
+              </a:ext>
+            </a:extLst>
+          </p:cNvPr>
+          <p:cNvSpPr txBox="1"/>
+          <p:nvPr/>
+        </p:nvSpPr>
+        <p:spPr>
+          <a:xfrm>
+            <a:off x="3088410" y="2249721"/>
+            <a:ext cx="3013989" cy="3139321"/>
+          </a:xfrm>
+          <a:prstGeom prst="rect">
+            <a:avLst/>
+          </a:prstGeom>
+          <a:solidFill>
+            <a:schemeClr val="bg1"/>
+          </a:solidFill>
+          <a:ln w="19050">
+            <a:solidFill>
+              <a:schemeClr val="tx1"/>
+            </a:solidFill>
+          </a:ln>
+        </p:spPr>
+        <p:style>
+          <a:lnRef idx="2">
+            <a:schemeClr val="accent6"/>
+          </a:lnRef>
+          <a:fillRef idx="1">
+            <a:schemeClr val="lt1"/>
+          </a:fillRef>
+          <a:effectRef idx="0">
+            <a:schemeClr val="accent6"/>
+          </a:effectRef>
+          <a:fontRef idx="minor">
+            <a:schemeClr val="dk1"/>
+          </a:fontRef>
+        </p:style>
+        <p:txBody>
+          <a:bodyPr wrap="square" lIns="91440" tIns="45720" rIns="91440" bIns="45720" rtlCol="0" anchor="t">
+            <a:spAutoFit/>
+          </a:bodyPr>
+          <a:lstStyle/>
+          <a:p>
+            <a:pPr>
+              <a:tabLst>
+                <a:tab pos="347663" algn="l"/>
+                <a:tab pos="682625" algn="l"/>
+                <a:tab pos="1087438" algn="l"/>
+                <a:tab pos="1377950" algn="l"/>
+                <a:tab pos="1712913" algn="l"/>
+              </a:tabLst>
+            </a:pPr>
+            <a:r>
+              <a:rPr lang="en-US" b="1" dirty="0">
+                <a:solidFill>
+                  <a:srgbClr val="0000FF"/>
+                </a:solidFill>
+                <a:highlight>
+                  <a:srgbClr val="FFFF00"/>
+                </a:highlight>
+                <a:latin typeface="Courier New" panose="02070309020205020404" pitchFamily="49" charset="0"/>
+                <a:cs typeface="Courier New" panose="02070309020205020404" pitchFamily="49" charset="0"/>
+              </a:rPr>
+              <a:t>long</a:t>
+            </a:r>
+            <a:r>
+              <a:rPr lang="en-US" b="1" i="0" dirty="0">
+                <a:solidFill>
+                  <a:srgbClr val="36464E"/>
+                </a:solidFill>
+                <a:effectLst/>
+                <a:highlight>
+                  <a:srgbClr val="FFFF00"/>
+                </a:highlight>
+                <a:latin typeface="Courier New" panose="02070309020205020404" pitchFamily="49" charset="0"/>
+                <a:cs typeface="Courier New" panose="02070309020205020404" pitchFamily="49" charset="0"/>
+              </a:rPr>
+              <a:t> </a:t>
+            </a:r>
+            <a:r>
+              <a:rPr lang="en-US" b="1" i="0" dirty="0">
+                <a:solidFill>
+                  <a:srgbClr val="7030A0"/>
+                </a:solidFill>
+                <a:effectLst/>
+                <a:highlight>
+                  <a:srgbClr val="FFFF00"/>
+                </a:highlight>
+                <a:latin typeface="Courier New" panose="02070309020205020404" pitchFamily="49" charset="0"/>
+                <a:cs typeface="Courier New" panose="02070309020205020404" pitchFamily="49" charset="0"/>
+              </a:rPr>
+              <a:t>square</a:t>
+            </a:r>
+            <a:r>
+              <a:rPr lang="en-US" b="1" i="0" dirty="0">
+                <a:effectLst/>
+                <a:highlight>
+                  <a:srgbClr val="FFFF00"/>
+                </a:highlight>
+                <a:latin typeface="Courier New" panose="02070309020205020404" pitchFamily="49" charset="0"/>
+                <a:cs typeface="Courier New" panose="02070309020205020404" pitchFamily="49" charset="0"/>
+              </a:rPr>
+              <a:t>(</a:t>
+            </a:r>
+            <a:r>
+              <a:rPr lang="en-US" b="1" i="0" dirty="0">
+                <a:solidFill>
+                  <a:srgbClr val="0000FF"/>
+                </a:solidFill>
+                <a:effectLst/>
+                <a:highlight>
+                  <a:srgbClr val="FFFF00"/>
+                </a:highlight>
+                <a:latin typeface="Courier New" panose="02070309020205020404" pitchFamily="49" charset="0"/>
+                <a:cs typeface="Courier New" panose="02070309020205020404" pitchFamily="49" charset="0"/>
+              </a:rPr>
+              <a:t>long</a:t>
+            </a:r>
+            <a:r>
+              <a:rPr lang="en-US" b="1" i="0" dirty="0">
+                <a:solidFill>
+                  <a:srgbClr val="36464E"/>
+                </a:solidFill>
+                <a:effectLst/>
+                <a:highlight>
+                  <a:srgbClr val="FFFF00"/>
+                </a:highlight>
+                <a:latin typeface="Courier New" panose="02070309020205020404" pitchFamily="49" charset="0"/>
+                <a:cs typeface="Courier New" panose="02070309020205020404" pitchFamily="49" charset="0"/>
+              </a:rPr>
+              <a:t> x</a:t>
+            </a:r>
+            <a:r>
+              <a:rPr lang="en-US" b="1" i="0" dirty="0">
+                <a:effectLst/>
+                <a:highlight>
+                  <a:srgbClr val="FFFF00"/>
+                </a:highlight>
+                <a:latin typeface="Courier New" panose="02070309020205020404" pitchFamily="49" charset="0"/>
+                <a:cs typeface="Courier New" panose="02070309020205020404" pitchFamily="49" charset="0"/>
+              </a:rPr>
+              <a:t>);</a:t>
+            </a:r>
+            <a:r>
+              <a:rPr lang="en-US" b="1" i="0" dirty="0">
+                <a:solidFill>
+                  <a:srgbClr val="36464E"/>
+                </a:solidFill>
+                <a:effectLst/>
+                <a:highlight>
+                  <a:srgbClr val="FFFF00"/>
+                </a:highlight>
+                <a:latin typeface="Courier New" panose="02070309020205020404" pitchFamily="49" charset="0"/>
+                <a:cs typeface="Courier New" panose="02070309020205020404" pitchFamily="49" charset="0"/>
+              </a:rPr>
+              <a:t> </a:t>
+            </a:r>
+            <a:endParaRPr lang="en-US" b="1" i="0" dirty="0">
+              <a:solidFill>
+                <a:srgbClr val="0000FF"/>
+              </a:solidFill>
+              <a:effectLst/>
+              <a:latin typeface="Courier New" panose="02070309020205020404" pitchFamily="49" charset="0"/>
+              <a:cs typeface="Courier New" panose="02070309020205020404" pitchFamily="49" charset="0"/>
+            </a:endParaRPr>
+          </a:p>
+          <a:p>
+            <a:pPr>
+              <a:tabLst>
+                <a:tab pos="347663" algn="l"/>
+                <a:tab pos="682625" algn="l"/>
+                <a:tab pos="1087438" algn="l"/>
+                <a:tab pos="1377950" algn="l"/>
+                <a:tab pos="1712913" algn="l"/>
+              </a:tabLst>
+            </a:pPr>
+            <a:endParaRPr lang="en-US" b="1" dirty="0">
+              <a:solidFill>
+                <a:srgbClr val="0000FF"/>
+              </a:solidFill>
+              <a:latin typeface="Courier New" panose="02070309020205020404" pitchFamily="49" charset="0"/>
+              <a:cs typeface="Courier New" panose="02070309020205020404" pitchFamily="49" charset="0"/>
+            </a:endParaRPr>
+          </a:p>
+          <a:p>
+            <a:pPr>
+              <a:tabLst>
+                <a:tab pos="347663" algn="l"/>
+                <a:tab pos="682625" algn="l"/>
+                <a:tab pos="1087438" algn="l"/>
+                <a:tab pos="1377950" algn="l"/>
+                <a:tab pos="1712913" algn="l"/>
+              </a:tabLst>
+            </a:pPr>
+            <a:r>
+              <a:rPr lang="en-US" b="1" i="0" dirty="0">
+                <a:solidFill>
+                  <a:srgbClr val="0000FF"/>
+                </a:solidFill>
+                <a:effectLst/>
+                <a:latin typeface="Courier New" panose="02070309020205020404" pitchFamily="49" charset="0"/>
+                <a:cs typeface="Courier New" panose="02070309020205020404" pitchFamily="49" charset="0"/>
+              </a:rPr>
+              <a:t>int</a:t>
+            </a:r>
+            <a:r>
+              <a:rPr lang="en-US" b="1" i="0" dirty="0">
+                <a:solidFill>
+                  <a:srgbClr val="36464E"/>
+                </a:solidFill>
+                <a:effectLst/>
+                <a:latin typeface="Courier New" panose="02070309020205020404" pitchFamily="49" charset="0"/>
+                <a:cs typeface="Courier New" panose="02070309020205020404" pitchFamily="49" charset="0"/>
+              </a:rPr>
+              <a:t> </a:t>
+            </a:r>
+            <a:r>
+              <a:rPr lang="en-US" b="1" i="0" dirty="0">
+                <a:solidFill>
+                  <a:srgbClr val="7030A0"/>
+                </a:solidFill>
+                <a:effectLst/>
+                <a:latin typeface="Courier New" panose="02070309020205020404" pitchFamily="49" charset="0"/>
+                <a:cs typeface="Courier New" panose="02070309020205020404" pitchFamily="49" charset="0"/>
+              </a:rPr>
+              <a:t>main</a:t>
+            </a:r>
+            <a:r>
+              <a:rPr lang="en-US" b="1" i="0" dirty="0">
+                <a:effectLst/>
+                <a:latin typeface="Courier New" panose="02070309020205020404" pitchFamily="49" charset="0"/>
+                <a:cs typeface="Courier New" panose="02070309020205020404" pitchFamily="49" charset="0"/>
+              </a:rPr>
+              <a:t>()</a:t>
+            </a:r>
+            <a:r>
+              <a:rPr lang="en-US" b="1" i="0" dirty="0">
+                <a:solidFill>
+                  <a:srgbClr val="36464E"/>
+                </a:solidFill>
+                <a:effectLst/>
+                <a:latin typeface="Courier New" panose="02070309020205020404" pitchFamily="49" charset="0"/>
+                <a:cs typeface="Courier New" panose="02070309020205020404" pitchFamily="49" charset="0"/>
+              </a:rPr>
+              <a:t> </a:t>
+            </a:r>
+          </a:p>
+          <a:p>
+            <a:pPr>
+              <a:tabLst>
+                <a:tab pos="347663" algn="l"/>
+                <a:tab pos="682625" algn="l"/>
+                <a:tab pos="1087438" algn="l"/>
+                <a:tab pos="1377950" algn="l"/>
+                <a:tab pos="1712913" algn="l"/>
+              </a:tabLst>
+            </a:pPr>
+            <a:r>
+              <a:rPr lang="en-US" b="1" i="0" dirty="0">
+                <a:effectLst/>
+                <a:latin typeface="Courier New" panose="02070309020205020404" pitchFamily="49" charset="0"/>
+                <a:cs typeface="Courier New" panose="02070309020205020404" pitchFamily="49" charset="0"/>
+              </a:rPr>
+              <a:t>{</a:t>
+            </a:r>
+            <a:r>
+              <a:rPr lang="en-US" b="1" i="0" dirty="0">
+                <a:solidFill>
+                  <a:srgbClr val="36464E"/>
+                </a:solidFill>
+                <a:effectLst/>
+                <a:latin typeface="Courier New" panose="02070309020205020404" pitchFamily="49" charset="0"/>
+                <a:cs typeface="Courier New" panose="02070309020205020404" pitchFamily="49" charset="0"/>
+              </a:rPr>
+              <a:t> </a:t>
+            </a:r>
+          </a:p>
+          <a:p>
+            <a:pPr>
+              <a:tabLst>
+                <a:tab pos="347663" algn="l"/>
+                <a:tab pos="682625" algn="l"/>
+                <a:tab pos="1087438" algn="l"/>
+                <a:tab pos="1377950" algn="l"/>
+                <a:tab pos="1712913" algn="l"/>
+              </a:tabLst>
+            </a:pPr>
+            <a:r>
+              <a:rPr lang="en-US" b="1" i="0" dirty="0">
+                <a:effectLst/>
+                <a:latin typeface="Courier New" panose="02070309020205020404" pitchFamily="49" charset="0"/>
+                <a:cs typeface="Courier New" panose="02070309020205020404" pitchFamily="49" charset="0"/>
+              </a:rPr>
+              <a:t>    </a:t>
+            </a:r>
+            <a:r>
+              <a:rPr lang="en-US" b="1" i="0" dirty="0">
+                <a:solidFill>
+                  <a:schemeClr val="tx1"/>
+                </a:solidFill>
+                <a:effectLst/>
+                <a:latin typeface="Courier New" panose="02070309020205020404" pitchFamily="49" charset="0"/>
+                <a:cs typeface="Courier New" panose="02070309020205020404" pitchFamily="49" charset="0"/>
+              </a:rPr>
+              <a:t>…</a:t>
+            </a:r>
+            <a:r>
+              <a:rPr lang="en-US" b="1" i="0" dirty="0">
+                <a:solidFill>
+                  <a:srgbClr val="0000FF"/>
+                </a:solidFill>
+                <a:effectLst/>
+                <a:latin typeface="Courier New" panose="02070309020205020404" pitchFamily="49" charset="0"/>
+                <a:cs typeface="Courier New" panose="02070309020205020404" pitchFamily="49" charset="0"/>
+              </a:rPr>
+              <a:t> </a:t>
+            </a:r>
+            <a:r>
+              <a:rPr lang="en-US" b="1" i="0" dirty="0">
+                <a:solidFill>
+                  <a:schemeClr val="tx1"/>
+                </a:solidFill>
+                <a:effectLst/>
+                <a:latin typeface="Courier New" panose="02070309020205020404" pitchFamily="49" charset="0"/>
+                <a:cs typeface="Courier New" panose="02070309020205020404" pitchFamily="49" charset="0"/>
+              </a:rPr>
+              <a:t>square(</a:t>
+            </a:r>
+            <a:r>
+              <a:rPr lang="en-US" b="1" i="0" dirty="0">
+                <a:solidFill>
+                  <a:srgbClr val="FF0000"/>
+                </a:solidFill>
+                <a:effectLst/>
+                <a:latin typeface="Courier New" panose="02070309020205020404" pitchFamily="49" charset="0"/>
+                <a:cs typeface="Courier New" panose="02070309020205020404" pitchFamily="49" charset="0"/>
+              </a:rPr>
+              <a:t>3</a:t>
+            </a:r>
+            <a:r>
+              <a:rPr lang="en-US" b="1" i="0" dirty="0">
+                <a:solidFill>
+                  <a:schemeClr val="tx1"/>
+                </a:solidFill>
+                <a:effectLst/>
+                <a:latin typeface="Courier New" panose="02070309020205020404" pitchFamily="49" charset="0"/>
+                <a:cs typeface="Courier New" panose="02070309020205020404" pitchFamily="49" charset="0"/>
+              </a:rPr>
+              <a:t>) …</a:t>
+            </a:r>
+          </a:p>
+          <a:p>
+            <a:pPr>
+              <a:tabLst>
+                <a:tab pos="347663" algn="l"/>
+                <a:tab pos="682625" algn="l"/>
+                <a:tab pos="1087438" algn="l"/>
+                <a:tab pos="1377950" algn="l"/>
+                <a:tab pos="1712913" algn="l"/>
+              </a:tabLst>
+            </a:pPr>
+            <a:r>
+              <a:rPr lang="en-US" b="1" i="0" dirty="0">
+                <a:effectLst/>
+                <a:latin typeface="Courier New" panose="02070309020205020404" pitchFamily="49" charset="0"/>
+                <a:cs typeface="Courier New" panose="02070309020205020404" pitchFamily="49" charset="0"/>
+              </a:rPr>
+              <a:t>}</a:t>
+            </a:r>
+          </a:p>
+          <a:p>
+            <a:pPr>
+              <a:tabLst>
+                <a:tab pos="347663" algn="l"/>
+                <a:tab pos="682625" algn="l"/>
+                <a:tab pos="1087438" algn="l"/>
+                <a:tab pos="1377950" algn="l"/>
+                <a:tab pos="1712913" algn="l"/>
+              </a:tabLst>
+            </a:pPr>
+            <a:endParaRPr lang="en-US" b="1" dirty="0">
+              <a:latin typeface="Courier New" panose="02070309020205020404" pitchFamily="49" charset="0"/>
+              <a:cs typeface="Courier New" panose="02070309020205020404" pitchFamily="49" charset="0"/>
+            </a:endParaRPr>
+          </a:p>
+          <a:p>
+            <a:pPr>
+              <a:tabLst>
+                <a:tab pos="347663" algn="l"/>
+                <a:tab pos="682625" algn="l"/>
+                <a:tab pos="1087438" algn="l"/>
+                <a:tab pos="1377950" algn="l"/>
+                <a:tab pos="1712913" algn="l"/>
+              </a:tabLst>
+            </a:pPr>
+            <a:r>
+              <a:rPr lang="en-US" b="1" i="0" dirty="0">
+                <a:solidFill>
+                  <a:srgbClr val="0000FF"/>
+                </a:solidFill>
+                <a:effectLst/>
+                <a:latin typeface="Courier New" panose="02070309020205020404" pitchFamily="49" charset="0"/>
+                <a:cs typeface="Courier New" panose="02070309020205020404" pitchFamily="49" charset="0"/>
+              </a:rPr>
+              <a:t>long</a:t>
+            </a:r>
+            <a:r>
+              <a:rPr lang="en-US" b="1" i="0" dirty="0">
+                <a:solidFill>
+                  <a:srgbClr val="36464E"/>
+                </a:solidFill>
+                <a:effectLst/>
+                <a:latin typeface="Courier New" panose="02070309020205020404" pitchFamily="49" charset="0"/>
+                <a:cs typeface="Courier New" panose="02070309020205020404" pitchFamily="49" charset="0"/>
+              </a:rPr>
+              <a:t> </a:t>
+            </a:r>
+            <a:r>
+              <a:rPr lang="en-US" b="1" i="0" dirty="0">
+                <a:solidFill>
+                  <a:srgbClr val="7030A0"/>
+                </a:solidFill>
+                <a:effectLst/>
+                <a:latin typeface="Courier New" panose="02070309020205020404" pitchFamily="49" charset="0"/>
+                <a:cs typeface="Courier New" panose="02070309020205020404" pitchFamily="49" charset="0"/>
+              </a:rPr>
+              <a:t>square</a:t>
+            </a:r>
+            <a:r>
+              <a:rPr lang="en-US" b="1" i="0" dirty="0">
+                <a:effectLst/>
+                <a:latin typeface="Courier New" panose="02070309020205020404" pitchFamily="49" charset="0"/>
+                <a:cs typeface="Courier New" panose="02070309020205020404" pitchFamily="49" charset="0"/>
+              </a:rPr>
+              <a:t>(</a:t>
+            </a:r>
+            <a:r>
+              <a:rPr lang="en-US" b="1" i="0" dirty="0">
+                <a:solidFill>
+                  <a:srgbClr val="0000FF"/>
+                </a:solidFill>
+                <a:effectLst/>
+                <a:latin typeface="Courier New" panose="02070309020205020404" pitchFamily="49" charset="0"/>
+                <a:cs typeface="Courier New" panose="02070309020205020404" pitchFamily="49" charset="0"/>
+              </a:rPr>
+              <a:t>long</a:t>
+            </a:r>
+            <a:r>
+              <a:rPr lang="en-US" b="1" i="0" dirty="0">
+                <a:solidFill>
+                  <a:srgbClr val="36464E"/>
+                </a:solidFill>
+                <a:effectLst/>
+                <a:latin typeface="Courier New" panose="02070309020205020404" pitchFamily="49" charset="0"/>
+                <a:cs typeface="Courier New" panose="02070309020205020404" pitchFamily="49" charset="0"/>
+              </a:rPr>
+              <a:t> x</a:t>
+            </a:r>
+            <a:r>
+              <a:rPr lang="en-US" b="1" i="0" dirty="0">
+                <a:effectLst/>
+                <a:latin typeface="Courier New" panose="02070309020205020404" pitchFamily="49" charset="0"/>
+                <a:cs typeface="Courier New" panose="02070309020205020404" pitchFamily="49" charset="0"/>
+              </a:rPr>
+              <a:t>)</a:t>
+            </a:r>
+            <a:r>
+              <a:rPr lang="en-US" b="1" i="0" dirty="0">
+                <a:solidFill>
+                  <a:srgbClr val="36464E"/>
+                </a:solidFill>
+                <a:effectLst/>
+                <a:latin typeface="Courier New" panose="02070309020205020404" pitchFamily="49" charset="0"/>
+                <a:cs typeface="Courier New" panose="02070309020205020404" pitchFamily="49" charset="0"/>
+              </a:rPr>
+              <a:t> </a:t>
+            </a:r>
+          </a:p>
+          <a:p>
+            <a:pPr>
+              <a:tabLst>
+                <a:tab pos="347663" algn="l"/>
+                <a:tab pos="682625" algn="l"/>
+                <a:tab pos="1087438" algn="l"/>
+                <a:tab pos="1377950" algn="l"/>
+                <a:tab pos="1712913" algn="l"/>
+              </a:tabLst>
+            </a:pPr>
+            <a:r>
+              <a:rPr lang="en-US" b="1" i="0" dirty="0">
+                <a:effectLst/>
+                <a:latin typeface="Courier New" panose="02070309020205020404" pitchFamily="49" charset="0"/>
+                <a:cs typeface="Courier New" panose="02070309020205020404" pitchFamily="49" charset="0"/>
+              </a:rPr>
+              <a:t>{</a:t>
+            </a:r>
+            <a:r>
+              <a:rPr lang="en-US" b="1" i="0" dirty="0">
+                <a:solidFill>
+                  <a:srgbClr val="36464E"/>
+                </a:solidFill>
+                <a:effectLst/>
+                <a:latin typeface="Courier New" panose="02070309020205020404" pitchFamily="49" charset="0"/>
+                <a:cs typeface="Courier New" panose="02070309020205020404" pitchFamily="49" charset="0"/>
+              </a:rPr>
+              <a:t> </a:t>
+            </a:r>
+          </a:p>
+          <a:p>
+            <a:pPr>
+              <a:tabLst>
+                <a:tab pos="347663" algn="l"/>
+                <a:tab pos="682625" algn="l"/>
+                <a:tab pos="1087438" algn="l"/>
+                <a:tab pos="1377950" algn="l"/>
+                <a:tab pos="1712913" algn="l"/>
+              </a:tabLst>
+            </a:pPr>
+            <a:r>
+              <a:rPr lang="en-US" b="1" dirty="0">
+                <a:solidFill>
+                  <a:srgbClr val="36464E"/>
+                </a:solidFill>
+                <a:latin typeface="Courier New" panose="02070309020205020404" pitchFamily="49" charset="0"/>
+                <a:cs typeface="Courier New" panose="02070309020205020404" pitchFamily="49" charset="0"/>
+              </a:rPr>
+              <a:t>    </a:t>
+            </a:r>
+            <a:r>
+              <a:rPr lang="en-US" b="1" i="0" dirty="0">
+                <a:solidFill>
+                  <a:srgbClr val="0000FF"/>
+                </a:solidFill>
+                <a:effectLst/>
+                <a:latin typeface="Courier New" panose="02070309020205020404" pitchFamily="49" charset="0"/>
+                <a:cs typeface="Courier New" panose="02070309020205020404" pitchFamily="49" charset="0"/>
+              </a:rPr>
+              <a:t>return</a:t>
+            </a:r>
+            <a:r>
+              <a:rPr lang="en-US" b="1" i="0" dirty="0">
+                <a:solidFill>
+                  <a:srgbClr val="36464E"/>
+                </a:solidFill>
+                <a:effectLst/>
+                <a:latin typeface="Courier New" panose="02070309020205020404" pitchFamily="49" charset="0"/>
+                <a:cs typeface="Courier New" panose="02070309020205020404" pitchFamily="49" charset="0"/>
+              </a:rPr>
+              <a:t> x </a:t>
+            </a:r>
+            <a:r>
+              <a:rPr lang="en-US" b="1" i="0" dirty="0">
+                <a:effectLst/>
+                <a:latin typeface="Courier New" panose="02070309020205020404" pitchFamily="49" charset="0"/>
+                <a:cs typeface="Courier New" panose="02070309020205020404" pitchFamily="49" charset="0"/>
+              </a:rPr>
+              <a:t>*</a:t>
+            </a:r>
+            <a:r>
+              <a:rPr lang="en-US" b="1" i="0" dirty="0">
+                <a:solidFill>
+                  <a:srgbClr val="36464E"/>
+                </a:solidFill>
+                <a:effectLst/>
+                <a:latin typeface="Courier New" panose="02070309020205020404" pitchFamily="49" charset="0"/>
+                <a:cs typeface="Courier New" panose="02070309020205020404" pitchFamily="49" charset="0"/>
+              </a:rPr>
+              <a:t> x</a:t>
+            </a:r>
+            <a:r>
+              <a:rPr lang="en-US" b="1" i="0" dirty="0">
+                <a:effectLst/>
+                <a:latin typeface="Courier New" panose="02070309020205020404" pitchFamily="49" charset="0"/>
+                <a:cs typeface="Courier New" panose="02070309020205020404" pitchFamily="49" charset="0"/>
+              </a:rPr>
+              <a:t>;</a:t>
+            </a:r>
+            <a:r>
+              <a:rPr lang="en-US" b="1" i="0" dirty="0">
+                <a:solidFill>
+                  <a:srgbClr val="36464E"/>
+                </a:solidFill>
+                <a:effectLst/>
+                <a:latin typeface="Courier New" panose="02070309020205020404" pitchFamily="49" charset="0"/>
+                <a:cs typeface="Courier New" panose="02070309020205020404" pitchFamily="49" charset="0"/>
+              </a:rPr>
+              <a:t> </a:t>
+            </a:r>
+          </a:p>
+          <a:p>
+            <a:pPr>
+              <a:tabLst>
+                <a:tab pos="347663" algn="l"/>
+                <a:tab pos="682625" algn="l"/>
+                <a:tab pos="1087438" algn="l"/>
+                <a:tab pos="1377950" algn="l"/>
+                <a:tab pos="1712913" algn="l"/>
+              </a:tabLst>
+            </a:pPr>
+            <a:r>
+              <a:rPr lang="en-US" b="1" i="0" dirty="0">
+                <a:effectLst/>
+                <a:latin typeface="Courier New" panose="02070309020205020404" pitchFamily="49" charset="0"/>
+                <a:cs typeface="Courier New" panose="02070309020205020404" pitchFamily="49" charset="0"/>
+              </a:rPr>
+              <a:t>}</a:t>
+            </a:r>
+            <a:r>
+              <a:rPr lang="en-US" b="1" i="0" dirty="0">
+                <a:solidFill>
+                  <a:srgbClr val="36464E"/>
+                </a:solidFill>
+                <a:effectLst/>
+                <a:latin typeface="Courier New" panose="02070309020205020404" pitchFamily="49" charset="0"/>
+                <a:cs typeface="Courier New" panose="02070309020205020404" pitchFamily="49" charset="0"/>
+              </a:rPr>
+              <a:t> </a:t>
+            </a:r>
+          </a:p>
+        </p:txBody>
+      </p:sp>
+      <p:pic>
+        <p:nvPicPr>
+          <p:cNvPr id="5" name="Picture 4">
+            <a:extLst>
+              <a:ext uri="{FF2B5EF4-FFF2-40B4-BE49-F238E27FC236}">
+                <a16:creationId xmlns:a16="http://schemas.microsoft.com/office/drawing/2014/main" id="{38311CE1-DDEB-4EA2-89E6-0F3AD4D81411}"/>
+              </a:ext>
+            </a:extLst>
+          </p:cNvPr>
+          <p:cNvPicPr>
+            <a:picLocks noChangeAspect="1"/>
+          </p:cNvPicPr>
+          <p:nvPr/>
+        </p:nvPicPr>
+        <p:blipFill>
+          <a:blip r:embed="rId4" cstate="print">
+            <a:extLst>
+              <a:ext uri="{28A0092B-C50C-407E-A947-70E740481C1C}">
+                <a14:useLocalDpi xmlns:a14="http://schemas.microsoft.com/office/drawing/2010/main" val="0"/>
+              </a:ext>
+            </a:extLst>
+          </a:blip>
+          <a:stretch>
+            <a:fillRect/>
+          </a:stretch>
+        </p:blipFill>
+        <p:spPr>
+          <a:xfrm>
+            <a:off x="5548665" y="3681208"/>
+            <a:ext cx="415645" cy="523714"/>
+          </a:xfrm>
+          <a:prstGeom prst="rect">
+            <a:avLst/>
+          </a:prstGeom>
+        </p:spPr>
+      </p:pic>
     </p:spTree>
     <p:extLst>
       <p:ext uri="{BB962C8B-B14F-4D97-AF65-F5344CB8AC3E}">
@@ -16631,7 +16802,7 @@
                                           </p:stCondLst>
                                         </p:cTn>
                                         <p:tgtEl>
-                                          <p:spTgt spid="17"/>
+                                          <p:spTgt spid="5"/>
                                         </p:tgtEl>
                                         <p:attrNameLst>
                                           <p:attrName>style.visibility</p:attrName>
@@ -16645,7 +16816,7 @@
                                       <p:cBhvr>
                                         <p:cTn id="15" dur="500"/>
                                         <p:tgtEl>
-                                          <p:spTgt spid="17"/>
+                                          <p:spTgt spid="5"/>
                                         </p:tgtEl>
                                       </p:cBhvr>
                                     </p:animEffect>
@@ -18017,9 +18188,6 @@
             </a:pPr>
             <a:r>
               <a:rPr lang="en-SG" b="1" dirty="0">
-                <a:highlight>
-                  <a:srgbClr val="FFFF00"/>
-                </a:highlight>
                 <a:latin typeface="Courier New" panose="02070309020205020404" pitchFamily="49" charset="0"/>
                 <a:cs typeface="Courier New" panose="02070309020205020404" pitchFamily="49" charset="0"/>
               </a:rPr>
@@ -18221,9 +18389,6 @@
             </a:pPr>
             <a:r>
               <a:rPr lang="en-SG" b="1" dirty="0">
-                <a:highlight>
-                  <a:srgbClr val="FFFF00"/>
-                </a:highlight>
                 <a:latin typeface="Courier New" panose="02070309020205020404" pitchFamily="49" charset="0"/>
                 <a:cs typeface="Courier New" panose="02070309020205020404" pitchFamily="49" charset="0"/>
               </a:rPr>
@@ -18667,9 +18832,6 @@
                 <a:solidFill>
                   <a:schemeClr val="tx1"/>
                 </a:solidFill>
-                <a:highlight>
-                  <a:srgbClr val="FFFF00"/>
-                </a:highlight>
                 <a:latin typeface="Courier New" panose="02070309020205020404" pitchFamily="49" charset="0"/>
                 <a:cs typeface="Courier New" panose="02070309020205020404" pitchFamily="49" charset="0"/>
               </a:rPr>
@@ -18717,9 +18879,6 @@
                 <a:solidFill>
                   <a:schemeClr val="tx1"/>
                 </a:solidFill>
-                <a:highlight>
-                  <a:srgbClr val="FFFF00"/>
-                </a:highlight>
                 <a:latin typeface="Courier New" panose="02070309020205020404" pitchFamily="49" charset="0"/>
                 <a:cs typeface="Courier New" panose="02070309020205020404" pitchFamily="49" charset="0"/>
               </a:rPr>
@@ -18767,9 +18926,6 @@
                 <a:solidFill>
                   <a:schemeClr val="tx1"/>
                 </a:solidFill>
-                <a:highlight>
-                  <a:srgbClr val="FFFF00"/>
-                </a:highlight>
                 <a:latin typeface="Courier New" panose="02070309020205020404" pitchFamily="49" charset="0"/>
                 <a:cs typeface="Courier New" panose="02070309020205020404" pitchFamily="49" charset="0"/>
               </a:rPr>
@@ -18817,13 +18973,23 @@
                 <a:solidFill>
                   <a:schemeClr val="tx1"/>
                 </a:solidFill>
+                <a:latin typeface="Courier New" panose="02070309020205020404" pitchFamily="49" charset="0"/>
+                <a:cs typeface="Courier New" panose="02070309020205020404" pitchFamily="49" charset="0"/>
+              </a:rPr>
+              <a:t>  </a:t>
+            </a:r>
+            <a:r>
+              <a:rPr lang="en-US" b="1" dirty="0">
+                <a:solidFill>
+                  <a:schemeClr val="tx1"/>
+                </a:solidFill>
                 <a:highlight>
                   <a:srgbClr val="FFFF00"/>
                 </a:highlight>
                 <a:latin typeface="Courier New" panose="02070309020205020404" pitchFamily="49" charset="0"/>
                 <a:cs typeface="Courier New" panose="02070309020205020404" pitchFamily="49" charset="0"/>
               </a:rPr>
-              <a:t>  hypotenuse = </a:t>
+              <a:t>hypotenuse = </a:t>
             </a:r>
             <a:r>
               <a:rPr lang="en-US" b="1" dirty="0">
@@ -18867,13 +19033,23 @@
                 <a:solidFill>
                   <a:schemeClr val="tx1"/>
                 </a:solidFill>
+                <a:latin typeface="Courier New" panose="02070309020205020404" pitchFamily="49" charset="0"/>
+                <a:cs typeface="Courier New" panose="02070309020205020404" pitchFamily="49" charset="0"/>
+              </a:rPr>
+              <a:t>  </a:t>
+            </a:r>
+            <a:r>
+              <a:rPr lang="en-US" b="1" dirty="0">
+                <a:solidFill>
+                  <a:schemeClr val="tx1"/>
+                </a:solidFill>
                 <a:highlight>
                   <a:srgbClr val="FFFF00"/>
                 </a:highlight>
                 <a:latin typeface="Courier New" panose="02070309020205020404" pitchFamily="49" charset="0"/>
                 <a:cs typeface="Courier New" panose="02070309020205020404" pitchFamily="49" charset="0"/>
               </a:rPr>
-              <a:t>  cs1010_println_double(hypotenuse);</a:t>
+              <a:t>cs1010_println_double(hypotenuse);</a:t>
             </a:r>
           </a:p>
           <a:p>
@@ -19217,7 +19393,7 @@
         <p:spPr>
           <a:xfrm>
             <a:off x="702051" y="1279562"/>
-            <a:ext cx="8213349" cy="4801314"/>
+            <a:ext cx="8213349" cy="4247317"/>
           </a:xfrm>
           <a:prstGeom prst="rect">
             <a:avLst/>
@@ -19263,12 +19439,12 @@
             <a:r>
               <a:rPr lang="en-US" b="1" dirty="0">
                 <a:solidFill>
-                  <a:srgbClr val="006600"/>
-                </a:solidFill>
-                <a:latin typeface="Courier New" panose="02070309020205020404" pitchFamily="49" charset="0"/>
-                <a:cs typeface="Courier New" panose="02070309020205020404" pitchFamily="49" charset="0"/>
-              </a:rPr>
-              <a:t>#include "cs1010.h"</a:t>
+                  <a:schemeClr val="tx1"/>
+                </a:solidFill>
+                <a:latin typeface="Courier New" panose="02070309020205020404" pitchFamily="49" charset="0"/>
+                <a:cs typeface="Courier New" panose="02070309020205020404" pitchFamily="49" charset="0"/>
+              </a:rPr>
+              <a:t>…</a:t>
             </a:r>
           </a:p>
           <a:p>
@@ -19559,6 +19735,9 @@
                 <a:solidFill>
                   <a:schemeClr val="tx1"/>
                 </a:solidFill>
+                <a:highlight>
+                  <a:srgbClr val="FFFF00"/>
+                </a:highlight>
                 <a:latin typeface="Courier New" panose="02070309020205020404" pitchFamily="49" charset="0"/>
                 <a:cs typeface="Courier New" panose="02070309020205020404" pitchFamily="49" charset="0"/>
               </a:rPr>
@@ -19569,6 +19748,9 @@
                 <a:solidFill>
                   <a:schemeClr val="tx1"/>
                 </a:solidFill>
+                <a:highlight>
+                  <a:srgbClr val="FFFF00"/>
+                </a:highlight>
                 <a:latin typeface="Courier New" panose="02070309020205020404" pitchFamily="49" charset="0"/>
                 <a:cs typeface="Courier New" panose="02070309020205020404" pitchFamily="49" charset="0"/>
               </a:rPr>
@@ -19606,13 +19788,16 @@
                 <a:tab pos="1712913" algn="l"/>
               </a:tabLst>
             </a:pPr>
-            <a:endParaRPr lang="en-US" b="1" dirty="0">
-              <a:solidFill>
-                <a:schemeClr val="tx1"/>
-              </a:solidFill>
-              <a:latin typeface="Courier New" panose="02070309020205020404" pitchFamily="49" charset="0"/>
-              <a:cs typeface="Courier New" panose="02070309020205020404" pitchFamily="49" charset="0"/>
-            </a:endParaRPr>
+            <a:r>
+              <a:rPr lang="en-US" b="1" dirty="0">
+                <a:solidFill>
+                  <a:schemeClr val="tx1"/>
+                </a:solidFill>
+                <a:latin typeface="Courier New" panose="02070309020205020404" pitchFamily="49" charset="0"/>
+                <a:cs typeface="Courier New" panose="02070309020205020404" pitchFamily="49" charset="0"/>
+              </a:rPr>
+              <a:t>}</a:t>
+            </a:r>
           </a:p>
           <a:p>
             <a:pPr>
@@ -19624,56 +19809,13 @@
                 <a:tab pos="1712913" algn="l"/>
               </a:tabLst>
             </a:pPr>
-            <a:r>
-              <a:rPr lang="en-US" b="1" dirty="0">
-                <a:solidFill>
-                  <a:schemeClr val="tx1"/>
-                </a:solidFill>
-                <a:latin typeface="Courier New" panose="02070309020205020404" pitchFamily="49" charset="0"/>
-                <a:cs typeface="Courier New" panose="02070309020205020404" pitchFamily="49" charset="0"/>
-              </a:rPr>
-              <a:t>  </a:t>
-            </a:r>
-            <a:r>
-              <a:rPr lang="en-US" b="1" dirty="0">
-                <a:solidFill>
-                  <a:srgbClr val="0000FF"/>
-                </a:solidFill>
-                <a:latin typeface="Courier New" panose="02070309020205020404" pitchFamily="49" charset="0"/>
-                <a:cs typeface="Courier New" panose="02070309020205020404" pitchFamily="49" charset="0"/>
-              </a:rPr>
-              <a:t>return</a:t>
-            </a:r>
-            <a:r>
-              <a:rPr lang="en-US" b="1" dirty="0">
-                <a:solidFill>
-                  <a:schemeClr val="tx1"/>
-                </a:solidFill>
-                <a:latin typeface="Courier New" panose="02070309020205020404" pitchFamily="49" charset="0"/>
-                <a:cs typeface="Courier New" panose="02070309020205020404" pitchFamily="49" charset="0"/>
-              </a:rPr>
-              <a:t> </a:t>
-            </a:r>
-            <a:r>
-              <a:rPr lang="en-US" b="1" dirty="0">
-                <a:solidFill>
-                  <a:srgbClr val="C00000"/>
-                </a:solidFill>
-                <a:latin typeface="Courier New" panose="02070309020205020404" pitchFamily="49" charset="0"/>
-                <a:cs typeface="Courier New" panose="02070309020205020404" pitchFamily="49" charset="0"/>
-              </a:rPr>
-              <a:t>0</a:t>
-            </a:r>
-            <a:r>
-              <a:rPr lang="en-US" b="1" dirty="0">
-                <a:solidFill>
-                  <a:schemeClr val="tx1"/>
-                </a:solidFill>
-                <a:latin typeface="Courier New" panose="02070309020205020404" pitchFamily="49" charset="0"/>
-                <a:cs typeface="Courier New" panose="02070309020205020404" pitchFamily="49" charset="0"/>
-              </a:rPr>
-              <a:t>;</a:t>
-            </a:r>
+            <a:endParaRPr lang="en-US" b="1" dirty="0">
+              <a:solidFill>
+                <a:schemeClr val="tx1"/>
+              </a:solidFill>
+              <a:latin typeface="Courier New" panose="02070309020205020404" pitchFamily="49" charset="0"/>
+              <a:cs typeface="Courier New" panose="02070309020205020404" pitchFamily="49" charset="0"/>
+            </a:endParaRPr>
           </a:p>
           <a:p>
             <a:pPr>
@@ -19686,14 +19828,93 @@
               </a:tabLst>
             </a:pPr>
             <a:r>
-              <a:rPr lang="en-US" b="1" dirty="0">
-                <a:solidFill>
-                  <a:schemeClr val="tx1"/>
-                </a:solidFill>
-                <a:latin typeface="Courier New" panose="02070309020205020404" pitchFamily="49" charset="0"/>
-                <a:cs typeface="Courier New" panose="02070309020205020404" pitchFamily="49" charset="0"/>
-              </a:rPr>
-              <a:t>}</a:t>
+              <a:rPr lang="en-SG" b="1" dirty="0">
+                <a:solidFill>
+                  <a:srgbClr val="0000FF"/>
+                </a:solidFill>
+                <a:highlight>
+                  <a:srgbClr val="FFFF00"/>
+                </a:highlight>
+                <a:latin typeface="Courier New" panose="02070309020205020404" pitchFamily="49" charset="0"/>
+                <a:cs typeface="Courier New" panose="02070309020205020404" pitchFamily="49" charset="0"/>
+              </a:rPr>
+              <a:t>double</a:t>
+            </a:r>
+            <a:r>
+              <a:rPr lang="en-SG" b="1" dirty="0">
+                <a:highlight>
+                  <a:srgbClr val="FFFF00"/>
+                </a:highlight>
+                <a:latin typeface="Courier New" panose="02070309020205020404" pitchFamily="49" charset="0"/>
+                <a:cs typeface="Courier New" panose="02070309020205020404" pitchFamily="49" charset="0"/>
+              </a:rPr>
+              <a:t> </a:t>
+            </a:r>
+            <a:r>
+              <a:rPr lang="en-SG" b="1" dirty="0" err="1">
+                <a:highlight>
+                  <a:srgbClr val="FFFF00"/>
+                </a:highlight>
+                <a:latin typeface="Courier New" panose="02070309020205020404" pitchFamily="49" charset="0"/>
+                <a:cs typeface="Courier New" panose="02070309020205020404" pitchFamily="49" charset="0"/>
+              </a:rPr>
+              <a:t>hypotenuse_of</a:t>
+            </a:r>
+            <a:r>
+              <a:rPr lang="en-SG" b="1" dirty="0">
+                <a:highlight>
+                  <a:srgbClr val="FFFF00"/>
+                </a:highlight>
+                <a:latin typeface="Courier New" panose="02070309020205020404" pitchFamily="49" charset="0"/>
+                <a:cs typeface="Courier New" panose="02070309020205020404" pitchFamily="49" charset="0"/>
+              </a:rPr>
+              <a:t>(</a:t>
+            </a:r>
+            <a:r>
+              <a:rPr lang="en-SG" b="1" dirty="0">
+                <a:solidFill>
+                  <a:srgbClr val="0000FF"/>
+                </a:solidFill>
+                <a:highlight>
+                  <a:srgbClr val="FFFF00"/>
+                </a:highlight>
+                <a:latin typeface="Courier New" panose="02070309020205020404" pitchFamily="49" charset="0"/>
+                <a:cs typeface="Courier New" panose="02070309020205020404" pitchFamily="49" charset="0"/>
+              </a:rPr>
+              <a:t>long</a:t>
+            </a:r>
+            <a:r>
+              <a:rPr lang="en-SG" b="1" dirty="0">
+                <a:highlight>
+                  <a:srgbClr val="FFFF00"/>
+                </a:highlight>
+                <a:latin typeface="Courier New" panose="02070309020205020404" pitchFamily="49" charset="0"/>
+                <a:cs typeface="Courier New" panose="02070309020205020404" pitchFamily="49" charset="0"/>
+              </a:rPr>
+              <a:t> base, </a:t>
+            </a:r>
+            <a:r>
+              <a:rPr lang="en-SG" b="1" dirty="0">
+                <a:solidFill>
+                  <a:srgbClr val="0000FF"/>
+                </a:solidFill>
+                <a:highlight>
+                  <a:srgbClr val="FFFF00"/>
+                </a:highlight>
+                <a:latin typeface="Courier New" panose="02070309020205020404" pitchFamily="49" charset="0"/>
+                <a:cs typeface="Courier New" panose="02070309020205020404" pitchFamily="49" charset="0"/>
+              </a:rPr>
+              <a:t>long</a:t>
+            </a:r>
+            <a:r>
+              <a:rPr lang="en-SG" b="1" dirty="0">
+                <a:highlight>
+                  <a:srgbClr val="FFFF00"/>
+                </a:highlight>
+                <a:latin typeface="Courier New" panose="02070309020205020404" pitchFamily="49" charset="0"/>
+                <a:cs typeface="Courier New" panose="02070309020205020404" pitchFamily="49" charset="0"/>
+              </a:rPr>
+              <a:t> height) </a:t>
             </a:r>
           </a:p>
           <a:p>
@@ -19706,13 +19927,16 @@
                 <a:tab pos="1712913" algn="l"/>
               </a:tabLst>
             </a:pPr>
-            <a:endParaRPr lang="en-US" b="1" dirty="0">
-              <a:solidFill>
-                <a:schemeClr val="tx1"/>
-              </a:solidFill>
-              <a:latin typeface="Courier New" panose="02070309020205020404" pitchFamily="49" charset="0"/>
-              <a:cs typeface="Courier New" panose="02070309020205020404" pitchFamily="49" charset="0"/>
-            </a:endParaRPr>
+            <a:r>
+              <a:rPr lang="en-SG" b="1" dirty="0">
+                <a:highlight>
+                  <a:srgbClr val="FFFF00"/>
+                </a:highlight>
+                <a:latin typeface="Courier New" panose="02070309020205020404" pitchFamily="49" charset="0"/>
+                <a:cs typeface="Courier New" panose="02070309020205020404" pitchFamily="49" charset="0"/>
+              </a:rPr>
+              <a:t>{ </a:t>
+            </a:r>
           </a:p>
           <a:p>
             <a:pPr>
@@ -19726,130 +19950,6 @@
             </a:pPr>
             <a:r>
               <a:rPr lang="en-SG" b="1" dirty="0">
-                <a:solidFill>
-                  <a:srgbClr val="0000FF"/>
-                </a:solidFill>
-                <a:highlight>
-                  <a:srgbClr val="FFFF00"/>
-                </a:highlight>
-                <a:latin typeface="Courier New" panose="02070309020205020404" pitchFamily="49" charset="0"/>
-                <a:cs typeface="Courier New" panose="02070309020205020404" pitchFamily="49" charset="0"/>
-              </a:rPr>
-              <a:t>double</a:t>
-            </a:r>
-            <a:r>
-              <a:rPr lang="en-SG" b="1" dirty="0">
-                <a:highlight>
-                  <a:srgbClr val="FFFF00"/>
-                </a:highlight>
-                <a:latin typeface="Courier New" panose="02070309020205020404" pitchFamily="49" charset="0"/>
-                <a:cs typeface="Courier New" panose="02070309020205020404" pitchFamily="49" charset="0"/>
-              </a:rPr>
-              <a:t> </a:t>
-            </a:r>
-            <a:r>
-              <a:rPr lang="en-SG" b="1" dirty="0" err="1">
-                <a:highlight>
-                  <a:srgbClr val="FFFF00"/>
-                </a:highlight>
-                <a:latin typeface="Courier New" panose="02070309020205020404" pitchFamily="49" charset="0"/>
-                <a:cs typeface="Courier New" panose="02070309020205020404" pitchFamily="49" charset="0"/>
-              </a:rPr>
-              <a:t>hypotenuse_of</a:t>
-            </a:r>
-            <a:r>
-              <a:rPr lang="en-SG" b="1" dirty="0">
-                <a:highlight>
-                  <a:srgbClr val="FFFF00"/>
-                </a:highlight>
-                <a:latin typeface="Courier New" panose="02070309020205020404" pitchFamily="49" charset="0"/>
-                <a:cs typeface="Courier New" panose="02070309020205020404" pitchFamily="49" charset="0"/>
-              </a:rPr>
-              <a:t>(</a:t>
-            </a:r>
-            <a:r>
-              <a:rPr lang="en-SG" b="1" dirty="0">
-                <a:solidFill>
-                  <a:srgbClr val="0000FF"/>
-                </a:solidFill>
-                <a:highlight>
-                  <a:srgbClr val="FFFF00"/>
-                </a:highlight>
-                <a:latin typeface="Courier New" panose="02070309020205020404" pitchFamily="49" charset="0"/>
-                <a:cs typeface="Courier New" panose="02070309020205020404" pitchFamily="49" charset="0"/>
-              </a:rPr>
-              <a:t>long</a:t>
-            </a:r>
-            <a:r>
-              <a:rPr lang="en-SG" b="1" dirty="0">
-                <a:highlight>
-                  <a:srgbClr val="FFFF00"/>
-                </a:highlight>
-                <a:latin typeface="Courier New" panose="02070309020205020404" pitchFamily="49" charset="0"/>
-                <a:cs typeface="Courier New" panose="02070309020205020404" pitchFamily="49" charset="0"/>
-              </a:rPr>
-              <a:t> base, </a:t>
-            </a:r>
-            <a:r>
-              <a:rPr lang="en-SG" b="1" dirty="0">
-                <a:solidFill>
-                  <a:srgbClr val="0000FF"/>
-                </a:solidFill>
-                <a:highlight>
-                  <a:srgbClr val="FFFF00"/>
-                </a:highlight>
-                <a:latin typeface="Courier New" panose="02070309020205020404" pitchFamily="49" charset="0"/>
-                <a:cs typeface="Courier New" panose="02070309020205020404" pitchFamily="49" charset="0"/>
-              </a:rPr>
-              <a:t>long</a:t>
-            </a:r>
-            <a:r>
-              <a:rPr lang="en-SG" b="1" dirty="0">
-                <a:highlight>
-                  <a:srgbClr val="FFFF00"/>
-                </a:highlight>
-                <a:latin typeface="Courier New" panose="02070309020205020404" pitchFamily="49" charset="0"/>
-                <a:cs typeface="Courier New" panose="02070309020205020404" pitchFamily="49" charset="0"/>
-              </a:rPr>
-              <a:t> height) </a:t>
-            </a:r>
-          </a:p>
-          <a:p>
-            <a:pPr>
-              <a:tabLst>
-                <a:tab pos="347663" algn="l"/>
-                <a:tab pos="682625" algn="l"/>
-                <a:tab pos="1087438" algn="l"/>
-                <a:tab pos="1377950" algn="l"/>
-                <a:tab pos="1712913" algn="l"/>
-              </a:tabLst>
-            </a:pPr>
-            <a:r>
-              <a:rPr lang="en-SG" b="1" dirty="0">
-                <a:highlight>
-                  <a:srgbClr val="FFFF00"/>
-                </a:highlight>
-                <a:latin typeface="Courier New" panose="02070309020205020404" pitchFamily="49" charset="0"/>
-                <a:cs typeface="Courier New" panose="02070309020205020404" pitchFamily="49" charset="0"/>
-              </a:rPr>
-              <a:t>{ </a:t>
-            </a:r>
-          </a:p>
-          <a:p>
-            <a:pPr>
-              <a:tabLst>
-                <a:tab pos="347663" algn="l"/>
-                <a:tab pos="682625" algn="l"/>
-                <a:tab pos="1087438" algn="l"/>
-                <a:tab pos="1377950" algn="l"/>
-                <a:tab pos="1712913" algn="l"/>
-              </a:tabLst>
-            </a:pPr>
-            <a:r>
-              <a:rPr lang="en-SG" b="1" dirty="0">
-                <a:highlight>
-                  <a:srgbClr val="FFFF00"/>
-                </a:highlight>
                 <a:latin typeface="Courier New" panose="02070309020205020404" pitchFamily="49" charset="0"/>
                 <a:cs typeface="Courier New" panose="02070309020205020404" pitchFamily="49" charset="0"/>
               </a:rPr>
